--- a/13/yongki/LANdevice.pptx
+++ b/13/yongki/LANdevice.pptx
@@ -5,23 +5,27 @@
     <p:sldMasterId id="2147483648" r:id="rId1"/>
   </p:sldMasterIdLst>
   <p:notesMasterIdLst>
-    <p:notesMasterId r:id="rId16"/>
+    <p:notesMasterId r:id="rId20"/>
   </p:notesMasterIdLst>
   <p:sldIdLst>
     <p:sldId id="256" r:id="rId2"/>
     <p:sldId id="257" r:id="rId3"/>
     <p:sldId id="314" r:id="rId4"/>
     <p:sldId id="290" r:id="rId5"/>
-    <p:sldId id="326" r:id="rId6"/>
-    <p:sldId id="291" r:id="rId7"/>
-    <p:sldId id="315" r:id="rId8"/>
-    <p:sldId id="302" r:id="rId9"/>
-    <p:sldId id="327" r:id="rId10"/>
+    <p:sldId id="333" r:id="rId6"/>
+    <p:sldId id="326" r:id="rId7"/>
+    <p:sldId id="332" r:id="rId8"/>
+    <p:sldId id="315" r:id="rId9"/>
+    <p:sldId id="302" r:id="rId10"/>
     <p:sldId id="328" r:id="rId11"/>
     <p:sldId id="329" r:id="rId12"/>
     <p:sldId id="330" r:id="rId13"/>
     <p:sldId id="331" r:id="rId14"/>
-    <p:sldId id="301" r:id="rId15"/>
+    <p:sldId id="334" r:id="rId15"/>
+    <p:sldId id="335" r:id="rId16"/>
+    <p:sldId id="336" r:id="rId17"/>
+    <p:sldId id="337" r:id="rId18"/>
+    <p:sldId id="301" r:id="rId19"/>
   </p:sldIdLst>
   <p:sldSz cx="9144000" cy="6858000" type="screen4x3"/>
   <p:notesSz cx="6858000" cy="9144000"/>
@@ -251,7 +255,7 @@
           <a:p>
             <a:fld id="{278A5395-7299-4714-9E5C-8983F2B9A6E7}" type="datetimeFigureOut">
               <a:rPr lang="ko-KR" altLang="en-US" smtClean="0"/>
-              <a:t>2022-03-16</a:t>
+              <a:t>2022-03-29</a:t>
             </a:fld>
             <a:endParaRPr lang="ko-KR" altLang="en-US"/>
           </a:p>
@@ -4304,72 +4308,24 @@
               </a:lnSpc>
             </a:pPr>
             <a:r>
-              <a:rPr lang="ko-KR" altLang="en-US" sz="2800" b="1">
+              <a:rPr lang="en-US" altLang="ko-KR" sz="2800" b="1">
                 <a:solidFill>
                   <a:schemeClr val="bg1"/>
                 </a:solidFill>
                 <a:latin typeface="+mj-ea"/>
                 <a:ea typeface="+mj-ea"/>
               </a:rPr>
-              <a:t>허브</a:t>
-            </a:r>
-            <a:r>
-              <a:rPr lang="en-US" altLang="ko-KR" sz="2800" b="1">
+              <a:t>LAN </a:t>
+            </a:r>
+            <a:r>
+              <a:rPr lang="ko-KR" altLang="en-US" sz="2800" b="1">
                 <a:solidFill>
                   <a:schemeClr val="bg1"/>
                 </a:solidFill>
                 <a:latin typeface="+mj-ea"/>
                 <a:ea typeface="+mj-ea"/>
               </a:rPr>
-              <a:t>,</a:t>
-            </a:r>
-            <a:br>
-              <a:rPr lang="en-US" altLang="ko-KR" sz="2800" b="1">
-                <a:solidFill>
-                  <a:schemeClr val="bg1"/>
-                </a:solidFill>
-                <a:latin typeface="+mj-ea"/>
-                <a:ea typeface="+mj-ea"/>
-              </a:rPr>
-            </a:br>
-            <a:r>
-              <a:rPr lang="ko-KR" altLang="en-US" sz="2800" b="1">
-                <a:solidFill>
-                  <a:schemeClr val="bg1"/>
-                </a:solidFill>
-                <a:latin typeface="+mj-ea"/>
-                <a:ea typeface="+mj-ea"/>
-              </a:rPr>
-              <a:t>스위치</a:t>
-            </a:r>
-            <a:r>
-              <a:rPr lang="en-US" altLang="ko-KR" sz="2800" b="1">
-                <a:solidFill>
-                  <a:schemeClr val="bg1"/>
-                </a:solidFill>
-                <a:latin typeface="+mj-ea"/>
-                <a:ea typeface="+mj-ea"/>
-              </a:rPr>
-              <a:t>,</a:t>
-            </a:r>
-            <a:br>
-              <a:rPr lang="en-US" altLang="ko-KR" sz="2800" b="1">
-                <a:solidFill>
-                  <a:schemeClr val="bg1"/>
-                </a:solidFill>
-                <a:latin typeface="+mj-ea"/>
-                <a:ea typeface="+mj-ea"/>
-              </a:rPr>
-            </a:br>
-            <a:r>
-              <a:rPr lang="ko-KR" altLang="en-US" sz="2800" b="1">
-                <a:solidFill>
-                  <a:schemeClr val="bg1"/>
-                </a:solidFill>
-                <a:latin typeface="+mj-ea"/>
-                <a:ea typeface="+mj-ea"/>
-              </a:rPr>
-              <a:t>라우터</a:t>
+              <a:t>기기</a:t>
             </a:r>
             <a:endParaRPr lang="en-US" altLang="ko-KR" sz="2800" b="1" kern="1200">
               <a:solidFill>
@@ -4777,7 +4733,7 @@
         </p:blipFill>
         <p:spPr>
           <a:xfrm>
-            <a:off x="1304469" y="4122185"/>
+            <a:off x="1304469" y="4192368"/>
             <a:ext cx="6535062" cy="1467055"/>
           </a:xfrm>
           <a:prstGeom prst="rect">
@@ -4938,7 +4894,7 @@
         </p:blipFill>
         <p:spPr>
           <a:xfrm>
-            <a:off x="1155742" y="4002028"/>
+            <a:off x="1047258" y="3789040"/>
             <a:ext cx="7049484" cy="1914792"/>
           </a:xfrm>
           <a:prstGeom prst="rect">
@@ -5461,7 +5417,7 @@
         </p:blipFill>
         <p:spPr>
           <a:xfrm>
-            <a:off x="1155742" y="4002028"/>
+            <a:off x="1155742" y="2118592"/>
             <a:ext cx="7049484" cy="1914792"/>
           </a:xfrm>
           <a:prstGeom prst="rect">
@@ -5486,7 +5442,7 @@
         <p:spPr bwMode="auto">
           <a:xfrm>
             <a:off x="565684" y="1402138"/>
-            <a:ext cx="8229600" cy="1169551"/>
+            <a:ext cx="8229600" cy="3108543"/>
           </a:xfrm>
           <a:prstGeom prst="rect">
             <a:avLst/>
@@ -5762,6 +5718,87 @@
                 <a:ea typeface="맑은 고딕" panose="020B0503020000020004" pitchFamily="50" charset="-127"/>
               </a:rPr>
             </a:br>
+            <a:br>
+              <a:rPr lang="en-US" altLang="ko-KR" sz="1400">
+                <a:solidFill>
+                  <a:srgbClr val="000000"/>
+                </a:solidFill>
+                <a:latin typeface="맑은 고딕" panose="020B0503020000020004" pitchFamily="50" charset="-127"/>
+                <a:ea typeface="맑은 고딕" panose="020B0503020000020004" pitchFamily="50" charset="-127"/>
+              </a:rPr>
+            </a:br>
+            <a:br>
+              <a:rPr lang="en-US" altLang="ko-KR" sz="1400">
+                <a:solidFill>
+                  <a:srgbClr val="000000"/>
+                </a:solidFill>
+                <a:latin typeface="맑은 고딕" panose="020B0503020000020004" pitchFamily="50" charset="-127"/>
+                <a:ea typeface="맑은 고딕" panose="020B0503020000020004" pitchFamily="50" charset="-127"/>
+              </a:rPr>
+            </a:br>
+            <a:br>
+              <a:rPr lang="en-US" altLang="ko-KR" sz="1400">
+                <a:solidFill>
+                  <a:srgbClr val="000000"/>
+                </a:solidFill>
+                <a:latin typeface="맑은 고딕" panose="020B0503020000020004" pitchFamily="50" charset="-127"/>
+                <a:ea typeface="맑은 고딕" panose="020B0503020000020004" pitchFamily="50" charset="-127"/>
+              </a:rPr>
+            </a:br>
+            <a:br>
+              <a:rPr lang="en-US" altLang="ko-KR" sz="1400">
+                <a:solidFill>
+                  <a:srgbClr val="000000"/>
+                </a:solidFill>
+                <a:latin typeface="맑은 고딕" panose="020B0503020000020004" pitchFamily="50" charset="-127"/>
+                <a:ea typeface="맑은 고딕" panose="020B0503020000020004" pitchFamily="50" charset="-127"/>
+              </a:rPr>
+            </a:br>
+            <a:br>
+              <a:rPr lang="en-US" altLang="ko-KR" sz="1400">
+                <a:solidFill>
+                  <a:srgbClr val="000000"/>
+                </a:solidFill>
+                <a:latin typeface="맑은 고딕" panose="020B0503020000020004" pitchFamily="50" charset="-127"/>
+                <a:ea typeface="맑은 고딕" panose="020B0503020000020004" pitchFamily="50" charset="-127"/>
+              </a:rPr>
+            </a:br>
+            <a:br>
+              <a:rPr lang="en-US" altLang="ko-KR" sz="1400">
+                <a:solidFill>
+                  <a:srgbClr val="000000"/>
+                </a:solidFill>
+                <a:latin typeface="맑은 고딕" panose="020B0503020000020004" pitchFamily="50" charset="-127"/>
+                <a:ea typeface="맑은 고딕" panose="020B0503020000020004" pitchFamily="50" charset="-127"/>
+              </a:rPr>
+            </a:br>
+            <a:br>
+              <a:rPr lang="en-US" altLang="ko-KR" sz="1400">
+                <a:solidFill>
+                  <a:srgbClr val="000000"/>
+                </a:solidFill>
+                <a:latin typeface="맑은 고딕" panose="020B0503020000020004" pitchFamily="50" charset="-127"/>
+                <a:ea typeface="맑은 고딕" panose="020B0503020000020004" pitchFamily="50" charset="-127"/>
+              </a:rPr>
+            </a:br>
+            <a:br>
+              <a:rPr lang="en-US" altLang="ko-KR" sz="1400">
+                <a:solidFill>
+                  <a:srgbClr val="000000"/>
+                </a:solidFill>
+                <a:latin typeface="맑은 고딕" panose="020B0503020000020004" pitchFamily="50" charset="-127"/>
+                <a:ea typeface="맑은 고딕" panose="020B0503020000020004" pitchFamily="50" charset="-127"/>
+              </a:rPr>
+            </a:br>
+            <a:br>
+              <a:rPr lang="en-US" altLang="ko-KR" sz="1400">
+                <a:solidFill>
+                  <a:srgbClr val="000000"/>
+                </a:solidFill>
+                <a:latin typeface="맑은 고딕" panose="020B0503020000020004" pitchFamily="50" charset="-127"/>
+                <a:ea typeface="맑은 고딕" panose="020B0503020000020004" pitchFamily="50" charset="-127"/>
+              </a:rPr>
+            </a:br>
             <a:r>
               <a:rPr lang="en-US" altLang="ko-KR" sz="1400">
                 <a:solidFill>
@@ -5855,6 +5892,322 @@
           </a:p>
         </p:txBody>
       </p:sp>
+      <p:graphicFrame>
+        <p:nvGraphicFramePr>
+          <p:cNvPr id="7" name="표 5">
+            <a:extLst>
+              <a:ext uri="{FF2B5EF4-FFF2-40B4-BE49-F238E27FC236}">
+                <a16:creationId xmlns:a16="http://schemas.microsoft.com/office/drawing/2014/main" id="{A98C2DAF-AD70-4283-AC19-402AC88037C0}"/>
+              </a:ext>
+            </a:extLst>
+          </p:cNvPr>
+          <p:cNvGraphicFramePr>
+            <a:graphicFrameLocks noGrp="1"/>
+          </p:cNvGraphicFramePr>
+          <p:nvPr>
+            <p:extLst>
+              <p:ext uri="{D42A27DB-BD31-4B8C-83A1-F6EECF244321}">
+                <p14:modId xmlns:p14="http://schemas.microsoft.com/office/powerpoint/2010/main" val="569032211"/>
+              </p:ext>
+            </p:extLst>
+          </p:nvPr>
+        </p:nvGraphicFramePr>
+        <p:xfrm>
+          <a:off x="1187624" y="4714182"/>
+          <a:ext cx="6096000" cy="741680"/>
+        </p:xfrm>
+        <a:graphic>
+          <a:graphicData uri="http://schemas.openxmlformats.org/drawingml/2006/table">
+            <a:tbl>
+              <a:tblPr firstRow="1" bandRow="1">
+                <a:tableStyleId>{5C22544A-7EE6-4342-B048-85BDC9FD1C3A}</a:tableStyleId>
+              </a:tblPr>
+              <a:tblGrid>
+                <a:gridCol w="3048000">
+                  <a:extLst>
+                    <a:ext uri="{9D8B030D-6E8A-4147-A177-3AD203B41FA5}">
+                      <a16:colId xmlns:a16="http://schemas.microsoft.com/office/drawing/2014/main" val="1315739539"/>
+                    </a:ext>
+                  </a:extLst>
+                </a:gridCol>
+                <a:gridCol w="3048000">
+                  <a:extLst>
+                    <a:ext uri="{9D8B030D-6E8A-4147-A177-3AD203B41FA5}">
+                      <a16:colId xmlns:a16="http://schemas.microsoft.com/office/drawing/2014/main" val="819310429"/>
+                    </a:ext>
+                  </a:extLst>
+                </a:gridCol>
+              </a:tblGrid>
+              <a:tr h="370840">
+                <a:tc>
+                  <a:txBody>
+                    <a:bodyPr/>
+                    <a:lstStyle/>
+                    <a:p>
+                      <a:pPr latinLnBrk="1"/>
+                      <a:r>
+                        <a:rPr lang="ko-KR" altLang="en-US">
+                          <a:solidFill>
+                            <a:schemeClr val="tx1"/>
+                          </a:solidFill>
+                        </a:rPr>
+                        <a:t>송신처 </a:t>
+                      </a:r>
+                      <a:r>
+                        <a:rPr lang="en-US" altLang="ko-KR">
+                          <a:solidFill>
+                            <a:schemeClr val="tx1"/>
+                          </a:solidFill>
+                        </a:rPr>
+                        <a:t>IP</a:t>
+                      </a:r>
+                      <a:endParaRPr lang="ko-KR" altLang="en-US">
+                        <a:solidFill>
+                          <a:schemeClr val="tx1"/>
+                        </a:solidFill>
+                      </a:endParaRPr>
+                    </a:p>
+                  </a:txBody>
+                  <a:tcPr>
+                    <a:lnL w="12700" cap="flat" cmpd="sng" algn="ctr">
+                      <a:solidFill>
+                        <a:schemeClr val="tx1"/>
+                      </a:solidFill>
+                      <a:prstDash val="solid"/>
+                      <a:round/>
+                      <a:headEnd type="none" w="med" len="med"/>
+                      <a:tailEnd type="none" w="med" len="med"/>
+                    </a:lnL>
+                    <a:lnR w="12700" cap="flat" cmpd="sng" algn="ctr">
+                      <a:solidFill>
+                        <a:schemeClr val="tx1"/>
+                      </a:solidFill>
+                      <a:prstDash val="solid"/>
+                      <a:round/>
+                      <a:headEnd type="none" w="med" len="med"/>
+                      <a:tailEnd type="none" w="med" len="med"/>
+                    </a:lnR>
+                    <a:lnT w="12700" cap="flat" cmpd="sng" algn="ctr">
+                      <a:solidFill>
+                        <a:schemeClr val="tx1"/>
+                      </a:solidFill>
+                      <a:prstDash val="solid"/>
+                      <a:round/>
+                      <a:headEnd type="none" w="med" len="med"/>
+                      <a:tailEnd type="none" w="med" len="med"/>
+                    </a:lnT>
+                    <a:lnB w="12700" cap="flat" cmpd="sng" algn="ctr">
+                      <a:solidFill>
+                        <a:schemeClr val="tx1"/>
+                      </a:solidFill>
+                      <a:prstDash val="solid"/>
+                      <a:round/>
+                      <a:headEnd type="none" w="med" len="med"/>
+                      <a:tailEnd type="none" w="med" len="med"/>
+                    </a:lnB>
+                    <a:noFill/>
+                  </a:tcPr>
+                </a:tc>
+                <a:tc>
+                  <a:txBody>
+                    <a:bodyPr/>
+                    <a:lstStyle/>
+                    <a:p>
+                      <a:pPr latinLnBrk="1"/>
+                      <a:r>
+                        <a:rPr lang="ko-KR" altLang="en-US">
+                          <a:solidFill>
+                            <a:schemeClr val="tx1"/>
+                          </a:solidFill>
+                        </a:rPr>
+                        <a:t>수신처 </a:t>
+                      </a:r>
+                      <a:r>
+                        <a:rPr lang="en-US" altLang="ko-KR">
+                          <a:solidFill>
+                            <a:schemeClr val="tx1"/>
+                          </a:solidFill>
+                        </a:rPr>
+                        <a:t>IP</a:t>
+                      </a:r>
+                      <a:endParaRPr lang="ko-KR" altLang="en-US">
+                        <a:solidFill>
+                          <a:schemeClr val="tx1"/>
+                        </a:solidFill>
+                      </a:endParaRPr>
+                    </a:p>
+                  </a:txBody>
+                  <a:tcPr>
+                    <a:lnL w="12700" cap="flat" cmpd="sng" algn="ctr">
+                      <a:solidFill>
+                        <a:schemeClr val="tx1"/>
+                      </a:solidFill>
+                      <a:prstDash val="solid"/>
+                      <a:round/>
+                      <a:headEnd type="none" w="med" len="med"/>
+                      <a:tailEnd type="none" w="med" len="med"/>
+                    </a:lnL>
+                    <a:lnR w="12700" cap="flat" cmpd="sng" algn="ctr">
+                      <a:solidFill>
+                        <a:schemeClr val="tx1"/>
+                      </a:solidFill>
+                      <a:prstDash val="solid"/>
+                      <a:round/>
+                      <a:headEnd type="none" w="med" len="med"/>
+                      <a:tailEnd type="none" w="med" len="med"/>
+                    </a:lnR>
+                    <a:lnT w="12700" cap="flat" cmpd="sng" algn="ctr">
+                      <a:solidFill>
+                        <a:schemeClr val="tx1"/>
+                      </a:solidFill>
+                      <a:prstDash val="solid"/>
+                      <a:round/>
+                      <a:headEnd type="none" w="med" len="med"/>
+                      <a:tailEnd type="none" w="med" len="med"/>
+                    </a:lnT>
+                    <a:lnB w="12700" cap="flat" cmpd="sng" algn="ctr">
+                      <a:solidFill>
+                        <a:schemeClr val="tx1"/>
+                      </a:solidFill>
+                      <a:prstDash val="solid"/>
+                      <a:round/>
+                      <a:headEnd type="none" w="med" len="med"/>
+                      <a:tailEnd type="none" w="med" len="med"/>
+                    </a:lnB>
+                    <a:noFill/>
+                  </a:tcPr>
+                </a:tc>
+                <a:extLst>
+                  <a:ext uri="{0D108BD9-81ED-4DB2-BD59-A6C34878D82A}">
+                    <a16:rowId xmlns:a16="http://schemas.microsoft.com/office/drawing/2014/main" val="3349964729"/>
+                  </a:ext>
+                </a:extLst>
+              </a:tr>
+              <a:tr h="370840">
+                <a:tc>
+                  <a:txBody>
+                    <a:bodyPr/>
+                    <a:lstStyle/>
+                    <a:p>
+                      <a:pPr latinLnBrk="1"/>
+                      <a:endParaRPr lang="ko-KR" altLang="en-US">
+                        <a:solidFill>
+                          <a:schemeClr val="tx1"/>
+                        </a:solidFill>
+                      </a:endParaRPr>
+                    </a:p>
+                  </a:txBody>
+                  <a:tcPr>
+                    <a:lnL w="12700" cap="flat" cmpd="sng" algn="ctr">
+                      <a:solidFill>
+                        <a:schemeClr val="tx1"/>
+                      </a:solidFill>
+                      <a:prstDash val="solid"/>
+                      <a:round/>
+                      <a:headEnd type="none" w="med" len="med"/>
+                      <a:tailEnd type="none" w="med" len="med"/>
+                    </a:lnL>
+                    <a:lnR w="12700" cap="flat" cmpd="sng" algn="ctr">
+                      <a:solidFill>
+                        <a:schemeClr val="tx1"/>
+                      </a:solidFill>
+                      <a:prstDash val="solid"/>
+                      <a:round/>
+                      <a:headEnd type="none" w="med" len="med"/>
+                      <a:tailEnd type="none" w="med" len="med"/>
+                    </a:lnR>
+                    <a:lnT w="12700" cap="flat" cmpd="sng" algn="ctr">
+                      <a:solidFill>
+                        <a:schemeClr val="tx1"/>
+                      </a:solidFill>
+                      <a:prstDash val="solid"/>
+                      <a:round/>
+                      <a:headEnd type="none" w="med" len="med"/>
+                      <a:tailEnd type="none" w="med" len="med"/>
+                    </a:lnT>
+                    <a:lnB w="12700" cap="flat" cmpd="sng" algn="ctr">
+                      <a:solidFill>
+                        <a:schemeClr val="tx1"/>
+                      </a:solidFill>
+                      <a:prstDash val="solid"/>
+                      <a:round/>
+                      <a:headEnd type="none" w="med" len="med"/>
+                      <a:tailEnd type="none" w="med" len="med"/>
+                    </a:lnB>
+                    <a:noFill/>
+                  </a:tcPr>
+                </a:tc>
+                <a:tc>
+                  <a:txBody>
+                    <a:bodyPr/>
+                    <a:lstStyle/>
+                    <a:p>
+                      <a:pPr latinLnBrk="1"/>
+                      <a:r>
+                        <a:rPr lang="en-US" altLang="ko-KR">
+                          <a:solidFill>
+                            <a:schemeClr val="tx1"/>
+                          </a:solidFill>
+                        </a:rPr>
+                        <a:t>10.10.1.10</a:t>
+                      </a:r>
+                      <a:endParaRPr lang="ko-KR" altLang="en-US">
+                        <a:solidFill>
+                          <a:schemeClr val="tx1"/>
+                        </a:solidFill>
+                      </a:endParaRPr>
+                    </a:p>
+                  </a:txBody>
+                  <a:tcPr>
+                    <a:lnL w="12700" cap="flat" cmpd="sng" algn="ctr">
+                      <a:solidFill>
+                        <a:schemeClr val="tx1"/>
+                      </a:solidFill>
+                      <a:prstDash val="solid"/>
+                      <a:round/>
+                      <a:headEnd type="none" w="med" len="med"/>
+                      <a:tailEnd type="none" w="med" len="med"/>
+                    </a:lnL>
+                    <a:lnR w="12700" cap="flat" cmpd="sng" algn="ctr">
+                      <a:solidFill>
+                        <a:schemeClr val="tx1"/>
+                      </a:solidFill>
+                      <a:prstDash val="solid"/>
+                      <a:round/>
+                      <a:headEnd type="none" w="med" len="med"/>
+                      <a:tailEnd type="none" w="med" len="med"/>
+                    </a:lnR>
+                    <a:lnT w="12700" cap="flat" cmpd="sng" algn="ctr">
+                      <a:solidFill>
+                        <a:schemeClr val="tx1"/>
+                      </a:solidFill>
+                      <a:prstDash val="solid"/>
+                      <a:round/>
+                      <a:headEnd type="none" w="med" len="med"/>
+                      <a:tailEnd type="none" w="med" len="med"/>
+                    </a:lnT>
+                    <a:lnB w="12700" cap="flat" cmpd="sng" algn="ctr">
+                      <a:solidFill>
+                        <a:schemeClr val="tx1"/>
+                      </a:solidFill>
+                      <a:prstDash val="solid"/>
+                      <a:round/>
+                      <a:headEnd type="none" w="med" len="med"/>
+                      <a:tailEnd type="none" w="med" len="med"/>
+                    </a:lnB>
+                    <a:noFill/>
+                  </a:tcPr>
+                </a:tc>
+                <a:extLst>
+                  <a:ext uri="{0D108BD9-81ED-4DB2-BD59-A6C34878D82A}">
+                    <a16:rowId xmlns:a16="http://schemas.microsoft.com/office/drawing/2014/main" val="3509644011"/>
+                  </a:ext>
+                </a:extLst>
+              </a:tr>
+            </a:tbl>
+          </a:graphicData>
+        </a:graphic>
+      </p:graphicFrame>
     </p:spTree>
     <p:extLst>
       <p:ext uri="{BB962C8B-B14F-4D97-AF65-F5344CB8AC3E}">
@@ -5978,36 +6331,6 @@
           </a:extLst>
         </p:spPr>
       </p:cxnSp>
-      <p:pic>
-        <p:nvPicPr>
-          <p:cNvPr id="10" name="그림 9">
-            <a:extLst>
-              <a:ext uri="{FF2B5EF4-FFF2-40B4-BE49-F238E27FC236}">
-                <a16:creationId xmlns:a16="http://schemas.microsoft.com/office/drawing/2014/main" id="{07F50C70-7805-402B-91D7-67D02D75AA4E}"/>
-              </a:ext>
-            </a:extLst>
-          </p:cNvPr>
-          <p:cNvPicPr>
-            <a:picLocks noChangeAspect="1"/>
-          </p:cNvPicPr>
-          <p:nvPr/>
-        </p:nvPicPr>
-        <p:blipFill>
-          <a:blip r:embed="rId2"/>
-          <a:stretch>
-            <a:fillRect/>
-          </a:stretch>
-        </p:blipFill>
-        <p:spPr>
-          <a:xfrm>
-            <a:off x="1155742" y="4002028"/>
-            <a:ext cx="7049484" cy="1914792"/>
-          </a:xfrm>
-          <a:prstGeom prst="rect">
-            <a:avLst/>
-          </a:prstGeom>
-        </p:spPr>
-      </p:pic>
       <p:sp>
         <p:nvSpPr>
           <p:cNvPr id="6" name="TextBox 5">
@@ -6025,7 +6348,7 @@
         <p:spPr bwMode="auto">
           <a:xfrm>
             <a:off x="565684" y="1402138"/>
-            <a:ext cx="8229600" cy="738664"/>
+            <a:ext cx="8229600" cy="2031325"/>
           </a:xfrm>
           <a:prstGeom prst="rect">
             <a:avLst/>
@@ -6199,113 +6522,342 @@
             </a:lvl9pPr>
           </a:lstStyle>
           <a:p>
+            <a:pPr marL="0" marR="0" lvl="0" indent="0" algn="l" defTabSz="914400" rtl="0" eaLnBrk="0" fontAlgn="base" latinLnBrk="0" hangingPunct="0">
+              <a:lnSpc>
+                <a:spcPct val="100000"/>
+              </a:lnSpc>
+              <a:spcBef>
+                <a:spcPct val="0"/>
+              </a:spcBef>
+              <a:spcAft>
+                <a:spcPct val="0"/>
+              </a:spcAft>
+              <a:buClrTx/>
+              <a:buSzTx/>
+              <a:buFontTx/>
+              <a:buNone/>
+              <a:tabLst/>
+            </a:pPr>
+            <a:r>
+              <a:rPr lang="en-US" altLang="ko-KR" sz="1400" b="1">
+                <a:solidFill>
+                  <a:srgbClr val="000000"/>
+                </a:solidFill>
+                <a:latin typeface="맑은 고딕" panose="020B0503020000020004" pitchFamily="50" charset="-127"/>
+                <a:ea typeface="맑은 고딕" panose="020B0503020000020004" pitchFamily="50" charset="-127"/>
+              </a:rPr>
+              <a:t>4. </a:t>
+            </a:r>
+            <a:r>
+              <a:rPr lang="ko-KR" altLang="en-US" sz="1400" b="1">
+                <a:solidFill>
+                  <a:srgbClr val="000000"/>
+                </a:solidFill>
+                <a:latin typeface="맑은 고딕" panose="020B0503020000020004" pitchFamily="50" charset="-127"/>
+                <a:ea typeface="맑은 고딕" panose="020B0503020000020004" pitchFamily="50" charset="-127"/>
+              </a:rPr>
+              <a:t>패킷을 송신한다</a:t>
+            </a:r>
+            <a:r>
+              <a:rPr lang="en-US" altLang="ko-KR" sz="1400" b="1">
+                <a:solidFill>
+                  <a:srgbClr val="000000"/>
+                </a:solidFill>
+                <a:latin typeface="맑은 고딕" panose="020B0503020000020004" pitchFamily="50" charset="-127"/>
+                <a:ea typeface="맑은 고딕" panose="020B0503020000020004" pitchFamily="50" charset="-127"/>
+              </a:rPr>
+              <a:t>.</a:t>
+            </a:r>
+            <a:br>
+              <a:rPr lang="en-US" altLang="ko-KR" sz="1400" b="1">
+                <a:solidFill>
+                  <a:srgbClr val="000000"/>
+                </a:solidFill>
+                <a:latin typeface="맑은 고딕" panose="020B0503020000020004" pitchFamily="50" charset="-127"/>
+                <a:ea typeface="맑은 고딕" panose="020B0503020000020004" pitchFamily="50" charset="-127"/>
+              </a:rPr>
+            </a:br>
+            <a:br>
+              <a:rPr lang="en-US" altLang="ko-KR" sz="1400" b="1">
+                <a:solidFill>
+                  <a:srgbClr val="000000"/>
+                </a:solidFill>
+                <a:latin typeface="맑은 고딕" panose="020B0503020000020004" pitchFamily="50" charset="-127"/>
+                <a:ea typeface="맑은 고딕" panose="020B0503020000020004" pitchFamily="50" charset="-127"/>
+              </a:rPr>
+            </a:br>
+            <a:r>
+              <a:rPr lang="en-US" altLang="ko-KR" sz="1400" b="1">
+                <a:solidFill>
+                  <a:srgbClr val="000000"/>
+                </a:solidFill>
+                <a:latin typeface="맑은 고딕" panose="020B0503020000020004" pitchFamily="50" charset="-127"/>
+                <a:ea typeface="맑은 고딕" panose="020B0503020000020004" pitchFamily="50" charset="-127"/>
+              </a:rPr>
+              <a:t>   </a:t>
+            </a:r>
+            <a:r>
+              <a:rPr kumimoji="0" lang="ko-KR" altLang="ko-KR" sz="1400" b="0" i="0" u="none" strike="noStrike" cap="none" normalizeH="0" baseline="0">
+                <a:ln>
+                  <a:noFill/>
+                </a:ln>
+                <a:solidFill>
+                  <a:srgbClr val="24292F"/>
+                </a:solidFill>
+                <a:effectLst/>
+                <a:latin typeface="맑은 고딕" panose="020B0503020000020004" pitchFamily="50" charset="-127"/>
+                <a:ea typeface="맑은 고딕" panose="020B0503020000020004" pitchFamily="50" charset="-127"/>
+              </a:rPr>
+              <a:t>라우터의 포트 부분의 하드웨어의 통신 규칙에 따라 패킷을 송신한다.</a:t>
+            </a:r>
+            <a:endParaRPr kumimoji="0" lang="ko-KR" altLang="ko-KR" sz="1400" b="0" i="0" u="none" strike="noStrike" cap="none" normalizeH="0" baseline="0">
+              <a:ln>
+                <a:noFill/>
+              </a:ln>
+              <a:solidFill>
+                <a:schemeClr val="tx1"/>
+              </a:solidFill>
+              <a:effectLst/>
+              <a:latin typeface="맑은 고딕" panose="020B0503020000020004" pitchFamily="50" charset="-127"/>
+              <a:ea typeface="맑은 고딕" panose="020B0503020000020004" pitchFamily="50" charset="-127"/>
+            </a:endParaRPr>
+          </a:p>
+          <a:p>
+            <a:pPr marL="0" marR="0" lvl="0" indent="0" algn="l" defTabSz="914400" rtl="0" eaLnBrk="0" fontAlgn="base" latinLnBrk="0" hangingPunct="0">
+              <a:lnSpc>
+                <a:spcPct val="100000"/>
+              </a:lnSpc>
+              <a:spcBef>
+                <a:spcPct val="0"/>
+              </a:spcBef>
+              <a:spcAft>
+                <a:spcPct val="0"/>
+              </a:spcAft>
+              <a:buClrTx/>
+              <a:buSzTx/>
+              <a:buFontTx/>
+              <a:buNone/>
+              <a:tabLst/>
+            </a:pPr>
+            <a:br>
+              <a:rPr kumimoji="0" lang="en-US" altLang="ko-KR" sz="1400" b="0" i="0" u="none" strike="noStrike" cap="none" normalizeH="0" baseline="0">
+                <a:ln>
+                  <a:noFill/>
+                </a:ln>
+                <a:solidFill>
+                  <a:srgbClr val="24292F"/>
+                </a:solidFill>
+                <a:effectLst/>
+                <a:latin typeface="맑은 고딕" panose="020B0503020000020004" pitchFamily="50" charset="-127"/>
+                <a:ea typeface="맑은 고딕" panose="020B0503020000020004" pitchFamily="50" charset="-127"/>
+              </a:rPr>
+            </a:br>
+            <a:r>
+              <a:rPr kumimoji="0" lang="en-US" altLang="ko-KR" sz="1400" b="0" i="0" u="none" strike="noStrike" cap="none" normalizeH="0" baseline="0">
+                <a:ln>
+                  <a:noFill/>
+                </a:ln>
+                <a:solidFill>
+                  <a:srgbClr val="24292F"/>
+                </a:solidFill>
+                <a:effectLst/>
+                <a:latin typeface="맑은 고딕" panose="020B0503020000020004" pitchFamily="50" charset="-127"/>
+                <a:ea typeface="맑은 고딕" panose="020B0503020000020004" pitchFamily="50" charset="-127"/>
+              </a:rPr>
+              <a:t>   </a:t>
+            </a:r>
+            <a:r>
+              <a:rPr kumimoji="0" lang="ko-KR" altLang="ko-KR" sz="1400" b="0" i="0" u="none" strike="noStrike" cap="none" normalizeH="0" baseline="0">
+                <a:ln>
+                  <a:noFill/>
+                </a:ln>
+                <a:solidFill>
+                  <a:srgbClr val="24292F"/>
+                </a:solidFill>
+                <a:effectLst/>
+                <a:latin typeface="맑은 고딕" panose="020B0503020000020004" pitchFamily="50" charset="-127"/>
+                <a:ea typeface="맑은 고딕" panose="020B0503020000020004" pitchFamily="50" charset="-127"/>
+              </a:rPr>
+              <a:t>하드웨어의 통신 규칙이 이더넷 외의 LAN을 사용하거나</a:t>
+            </a:r>
+            <a:br>
+              <a:rPr kumimoji="0" lang="en-US" altLang="ko-KR" sz="1400" b="0" i="0" u="none" strike="noStrike" cap="none" normalizeH="0" baseline="0">
+                <a:ln>
+                  <a:noFill/>
+                </a:ln>
+                <a:solidFill>
+                  <a:srgbClr val="24292F"/>
+                </a:solidFill>
+                <a:effectLst/>
+                <a:latin typeface="맑은 고딕" panose="020B0503020000020004" pitchFamily="50" charset="-127"/>
+                <a:ea typeface="맑은 고딕" panose="020B0503020000020004" pitchFamily="50" charset="-127"/>
+              </a:rPr>
+            </a:br>
+            <a:endParaRPr kumimoji="0" lang="ko-KR" altLang="ko-KR" sz="1400" b="0" i="0" u="none" strike="noStrike" cap="none" normalizeH="0" baseline="0">
+              <a:ln>
+                <a:noFill/>
+              </a:ln>
+              <a:solidFill>
+                <a:schemeClr val="tx1"/>
+              </a:solidFill>
+              <a:effectLst/>
+              <a:latin typeface="맑은 고딕" panose="020B0503020000020004" pitchFamily="50" charset="-127"/>
+              <a:ea typeface="맑은 고딕" panose="020B0503020000020004" pitchFamily="50" charset="-127"/>
+            </a:endParaRPr>
+          </a:p>
+          <a:p>
+            <a:pPr marL="0" marR="0" lvl="0" indent="0" algn="l" defTabSz="914400" rtl="0" eaLnBrk="0" fontAlgn="base" latinLnBrk="0" hangingPunct="0">
+              <a:lnSpc>
+                <a:spcPct val="100000"/>
+              </a:lnSpc>
+              <a:spcBef>
+                <a:spcPct val="0"/>
+              </a:spcBef>
+              <a:spcAft>
+                <a:spcPct val="0"/>
+              </a:spcAft>
+              <a:buClrTx/>
+              <a:buSzTx/>
+              <a:buFontTx/>
+              <a:buNone/>
+              <a:tabLst/>
+            </a:pPr>
+            <a:r>
+              <a:rPr kumimoji="0" lang="en-US" altLang="ko-KR" sz="1400" b="0" i="0" u="none" strike="noStrike" cap="none" normalizeH="0" baseline="0">
+                <a:ln>
+                  <a:noFill/>
+                </a:ln>
+                <a:solidFill>
+                  <a:srgbClr val="24292F"/>
+                </a:solidFill>
+                <a:effectLst/>
+                <a:latin typeface="맑은 고딕" panose="020B0503020000020004" pitchFamily="50" charset="-127"/>
+                <a:ea typeface="맑은 고딕" panose="020B0503020000020004" pitchFamily="50" charset="-127"/>
+              </a:rPr>
+              <a:t>   </a:t>
+            </a:r>
+            <a:r>
+              <a:rPr kumimoji="0" lang="ko-KR" altLang="ko-KR" sz="1400" b="0" i="0" u="none" strike="noStrike" cap="none" normalizeH="0" baseline="0">
+                <a:ln>
+                  <a:noFill/>
+                </a:ln>
+                <a:solidFill>
+                  <a:srgbClr val="24292F"/>
+                </a:solidFill>
+                <a:effectLst/>
+                <a:latin typeface="맑은 고딕" panose="020B0503020000020004" pitchFamily="50" charset="-127"/>
+                <a:ea typeface="맑은 고딕" panose="020B0503020000020004" pitchFamily="50" charset="-127"/>
+              </a:rPr>
+              <a:t>이더넷을 따라도 배선 방식, 지원 속도에 따라 다른 케이블을 사용한다면</a:t>
+            </a:r>
+            <a:r>
+              <a:rPr lang="en-US" altLang="ko-KR" sz="1400">
+                <a:latin typeface="맑은 고딕" panose="020B0503020000020004" pitchFamily="50" charset="-127"/>
+                <a:ea typeface="맑은 고딕" panose="020B0503020000020004" pitchFamily="50" charset="-127"/>
+              </a:rPr>
+              <a:t> </a:t>
+            </a:r>
+            <a:r>
+              <a:rPr kumimoji="0" lang="ko-KR" altLang="ko-KR" sz="1400" b="0" i="0" u="none" strike="noStrike" cap="none" normalizeH="0" baseline="0">
+                <a:ln>
+                  <a:noFill/>
+                </a:ln>
+                <a:solidFill>
+                  <a:srgbClr val="24292F"/>
+                </a:solidFill>
+                <a:effectLst/>
+                <a:latin typeface="맑은 고딕" panose="020B0503020000020004" pitchFamily="50" charset="-127"/>
+                <a:ea typeface="맑은 고딕" panose="020B0503020000020004" pitchFamily="50" charset="-127"/>
+              </a:rPr>
+              <a:t>송신 시 </a:t>
+            </a:r>
+            <a:r>
+              <a:rPr kumimoji="0" lang="ko-KR" altLang="ko-KR" sz="1400" b="1" i="0" u="none" strike="noStrike" cap="none" normalizeH="0" baseline="0">
+                <a:ln>
+                  <a:noFill/>
+                </a:ln>
+                <a:solidFill>
+                  <a:srgbClr val="24292F"/>
+                </a:solidFill>
+                <a:effectLst/>
+                <a:latin typeface="맑은 고딕" panose="020B0503020000020004" pitchFamily="50" charset="-127"/>
+                <a:ea typeface="맑은 고딕" panose="020B0503020000020004" pitchFamily="50" charset="-127"/>
+              </a:rPr>
+              <a:t>패킷을 분할해야하는 경우</a:t>
+            </a:r>
+            <a:r>
+              <a:rPr kumimoji="0" lang="ko-KR" altLang="ko-KR" sz="1400" b="0" i="0" u="none" strike="noStrike" cap="none" normalizeH="0" baseline="0">
+                <a:ln>
+                  <a:noFill/>
+                </a:ln>
+                <a:solidFill>
+                  <a:srgbClr val="24292F"/>
+                </a:solidFill>
+                <a:effectLst/>
+                <a:latin typeface="맑은 고딕" panose="020B0503020000020004" pitchFamily="50" charset="-127"/>
+                <a:ea typeface="맑은 고딕" panose="020B0503020000020004" pitchFamily="50" charset="-127"/>
+              </a:rPr>
+              <a:t>가 생긴다.</a:t>
+            </a:r>
+            <a:endParaRPr kumimoji="0" lang="ko-KR" altLang="ko-KR" sz="1400" b="0" i="0" u="none" strike="noStrike" cap="none" normalizeH="0" baseline="0">
+              <a:ln>
+                <a:noFill/>
+              </a:ln>
+              <a:solidFill>
+                <a:schemeClr val="tx1"/>
+              </a:solidFill>
+              <a:effectLst/>
+              <a:latin typeface="맑은 고딕" panose="020B0503020000020004" pitchFamily="50" charset="-127"/>
+              <a:ea typeface="맑은 고딕" panose="020B0503020000020004" pitchFamily="50" charset="-127"/>
+            </a:endParaRPr>
+          </a:p>
+          <a:p>
             <a:pPr eaLnBrk="1" hangingPunct="1">
               <a:spcBef>
                 <a:spcPct val="0"/>
               </a:spcBef>
               <a:buNone/>
             </a:pPr>
-            <a:r>
-              <a:rPr lang="en-US" altLang="ko-KR" sz="1400" b="1">
-                <a:solidFill>
-                  <a:srgbClr val="000000"/>
-                </a:solidFill>
-                <a:latin typeface="맑은 고딕" panose="020B0503020000020004" pitchFamily="50" charset="-127"/>
-                <a:ea typeface="맑은 고딕" panose="020B0503020000020004" pitchFamily="50" charset="-127"/>
-              </a:rPr>
-              <a:t>4. </a:t>
-            </a:r>
-            <a:r>
-              <a:rPr lang="ko-KR" altLang="en-US" sz="1400" b="1">
-                <a:solidFill>
-                  <a:srgbClr val="000000"/>
-                </a:solidFill>
-                <a:latin typeface="맑은 고딕" panose="020B0503020000020004" pitchFamily="50" charset="-127"/>
-                <a:ea typeface="맑은 고딕" panose="020B0503020000020004" pitchFamily="50" charset="-127"/>
-              </a:rPr>
-              <a:t>패킷을 송신한다</a:t>
-            </a:r>
-            <a:r>
-              <a:rPr lang="en-US" altLang="ko-KR" sz="1400" b="1">
-                <a:solidFill>
-                  <a:srgbClr val="000000"/>
-                </a:solidFill>
-                <a:latin typeface="맑은 고딕" panose="020B0503020000020004" pitchFamily="50" charset="-127"/>
-                <a:ea typeface="맑은 고딕" panose="020B0503020000020004" pitchFamily="50" charset="-127"/>
-              </a:rPr>
-              <a:t>.</a:t>
-            </a:r>
-            <a:br>
-              <a:rPr lang="en-US" altLang="ko-KR" sz="1400" b="1">
-                <a:solidFill>
-                  <a:srgbClr val="000000"/>
-                </a:solidFill>
-                <a:latin typeface="맑은 고딕" panose="020B0503020000020004" pitchFamily="50" charset="-127"/>
-                <a:ea typeface="맑은 고딕" panose="020B0503020000020004" pitchFamily="50" charset="-127"/>
-              </a:rPr>
-            </a:br>
-            <a:br>
-              <a:rPr lang="en-US" altLang="ko-KR" sz="1400">
-                <a:solidFill>
-                  <a:srgbClr val="000000"/>
-                </a:solidFill>
-                <a:latin typeface="맑은 고딕" panose="020B0503020000020004" pitchFamily="50" charset="-127"/>
-                <a:ea typeface="맑은 고딕" panose="020B0503020000020004" pitchFamily="50" charset="-127"/>
-              </a:rPr>
-            </a:br>
-            <a:r>
-              <a:rPr lang="en-US" altLang="ko-KR" sz="1400">
-                <a:solidFill>
-                  <a:srgbClr val="000000"/>
-                </a:solidFill>
-                <a:latin typeface="맑은 고딕" panose="020B0503020000020004" pitchFamily="50" charset="-127"/>
-                <a:ea typeface="맑은 고딕" panose="020B0503020000020004" pitchFamily="50" charset="-127"/>
-              </a:rPr>
-              <a:t>    </a:t>
-            </a:r>
-            <a:r>
-              <a:rPr lang="ko-KR" altLang="en-US" sz="1400">
-                <a:solidFill>
-                  <a:srgbClr val="000000"/>
-                </a:solidFill>
-                <a:latin typeface="맑은 고딕" panose="020B0503020000020004" pitchFamily="50" charset="-127"/>
-                <a:ea typeface="맑은 고딕" panose="020B0503020000020004" pitchFamily="50" charset="-127"/>
-              </a:rPr>
-              <a:t>라우터의 포트 부분의</a:t>
-            </a:r>
-            <a:r>
-              <a:rPr lang="en-US" altLang="ko-KR" sz="1400">
-                <a:solidFill>
-                  <a:srgbClr val="000000"/>
-                </a:solidFill>
-                <a:latin typeface="맑은 고딕" panose="020B0503020000020004" pitchFamily="50" charset="-127"/>
-                <a:ea typeface="맑은 고딕" panose="020B0503020000020004" pitchFamily="50" charset="-127"/>
-              </a:rPr>
-              <a:t> </a:t>
-            </a:r>
-            <a:r>
-              <a:rPr lang="ko-KR" altLang="en-US" sz="1400">
-                <a:solidFill>
-                  <a:srgbClr val="000000"/>
-                </a:solidFill>
-                <a:latin typeface="맑은 고딕" panose="020B0503020000020004" pitchFamily="50" charset="-127"/>
-                <a:ea typeface="맑은 고딕" panose="020B0503020000020004" pitchFamily="50" charset="-127"/>
-              </a:rPr>
-              <a:t>하드웨어의 통신 규칙에 따라 패킷을 송신한다</a:t>
-            </a:r>
-            <a:r>
-              <a:rPr lang="en-US" altLang="ko-KR" sz="1400">
-                <a:solidFill>
-                  <a:srgbClr val="000000"/>
-                </a:solidFill>
-                <a:latin typeface="맑은 고딕" panose="020B0503020000020004" pitchFamily="50" charset="-127"/>
-                <a:ea typeface="맑은 고딕" panose="020B0503020000020004" pitchFamily="50" charset="-127"/>
-              </a:rPr>
-              <a:t>.</a:t>
-            </a:r>
+            <a:endParaRPr lang="en-US" altLang="ko-KR" sz="1400">
+              <a:solidFill>
+                <a:srgbClr val="000000"/>
+              </a:solidFill>
+              <a:latin typeface="맑은 고딕" panose="020B0503020000020004" pitchFamily="50" charset="-127"/>
+              <a:ea typeface="맑은 고딕" panose="020B0503020000020004" pitchFamily="50" charset="-127"/>
+            </a:endParaRPr>
           </a:p>
         </p:txBody>
       </p:sp>
+      <p:pic>
+        <p:nvPicPr>
+          <p:cNvPr id="5" name="그림 4">
+            <a:extLst>
+              <a:ext uri="{FF2B5EF4-FFF2-40B4-BE49-F238E27FC236}">
+                <a16:creationId xmlns:a16="http://schemas.microsoft.com/office/drawing/2014/main" id="{A42E5B0D-5DFF-4949-AB0A-8F9AE5631B53}"/>
+              </a:ext>
+            </a:extLst>
+          </p:cNvPr>
+          <p:cNvPicPr>
+            <a:picLocks noChangeAspect="1"/>
+          </p:cNvPicPr>
+          <p:nvPr/>
+        </p:nvPicPr>
+        <p:blipFill>
+          <a:blip r:embed="rId2"/>
+          <a:stretch>
+            <a:fillRect/>
+          </a:stretch>
+        </p:blipFill>
+        <p:spPr>
+          <a:xfrm>
+            <a:off x="2911389" y="3557577"/>
+            <a:ext cx="3321221" cy="2654436"/>
+          </a:xfrm>
+          <a:prstGeom prst="rect">
+            <a:avLst/>
+          </a:prstGeom>
+        </p:spPr>
+      </p:pic>
     </p:spTree>
     <p:extLst>
       <p:ext uri="{BB962C8B-B14F-4D97-AF65-F5344CB8AC3E}">
@@ -6320,6 +6872,952 @@
 </file>
 
 <file path=ppt/slides/slide14.xml><?xml version="1.0" encoding="utf-8"?>
+<p:sld xmlns:a="http://schemas.openxmlformats.org/drawingml/2006/main" xmlns:r="http://schemas.openxmlformats.org/officeDocument/2006/relationships" xmlns:p="http://schemas.openxmlformats.org/presentationml/2006/main">
+  <p:cSld>
+    <p:spTree>
+      <p:nvGrpSpPr>
+        <p:cNvPr id="1" name=""/>
+        <p:cNvGrpSpPr/>
+        <p:nvPr/>
+      </p:nvGrpSpPr>
+      <p:grpSpPr>
+        <a:xfrm>
+          <a:off x="0" y="0"/>
+          <a:ext cx="0" cy="0"/>
+          <a:chOff x="0" y="0"/>
+          <a:chExt cx="0" cy="0"/>
+        </a:xfrm>
+      </p:grpSpPr>
+      <p:sp>
+        <p:nvSpPr>
+          <p:cNvPr id="9" name="Rectangle 150">
+            <a:extLst>
+              <a:ext uri="{FF2B5EF4-FFF2-40B4-BE49-F238E27FC236}">
+                <a16:creationId xmlns:a16="http://schemas.microsoft.com/office/drawing/2014/main" id="{B6D2B44A-A8AF-419F-A2C5-7317925249E9}"/>
+              </a:ext>
+            </a:extLst>
+          </p:cNvPr>
+          <p:cNvSpPr txBox="1">
+            <a:spLocks noChangeArrowheads="1"/>
+          </p:cNvSpPr>
+          <p:nvPr/>
+        </p:nvSpPr>
+        <p:spPr bwMode="auto">
+          <a:xfrm>
+            <a:off x="1925737" y="2852936"/>
+            <a:ext cx="5292526" cy="647700"/>
+          </a:xfrm>
+          <a:prstGeom prst="rect">
+            <a:avLst/>
+          </a:prstGeom>
+          <a:noFill/>
+          <a:ln>
+            <a:noFill/>
+          </a:ln>
+          <a:effectLst/>
+          <a:extLst>
+            <a:ext uri="{909E8E84-426E-40DD-AFC4-6F175D3DCCD1}">
+              <a14:hiddenFill xmlns:a14="http://schemas.microsoft.com/office/drawing/2010/main">
+                <a:solidFill>
+                  <a:schemeClr val="accent1"/>
+                </a:solidFill>
+              </a14:hiddenFill>
+            </a:ext>
+            <a:ext uri="{91240B29-F687-4F45-9708-019B960494DF}">
+              <a14:hiddenLine xmlns:a14="http://schemas.microsoft.com/office/drawing/2010/main" w="9525">
+                <a:solidFill>
+                  <a:schemeClr val="tx1"/>
+                </a:solidFill>
+                <a:miter lim="800000"/>
+                <a:headEnd/>
+                <a:tailEnd/>
+              </a14:hiddenLine>
+            </a:ext>
+            <a:ext uri="{AF507438-7753-43E0-B8FC-AC1667EBCBE1}">
+              <a14:hiddenEffects xmlns:a14="http://schemas.microsoft.com/office/drawing/2010/main">
+                <a:effectLst>
+                  <a:outerShdw dist="35921" dir="2700000" algn="ctr" rotWithShape="0">
+                    <a:schemeClr val="bg2"/>
+                  </a:outerShdw>
+                </a:effectLst>
+              </a14:hiddenEffects>
+            </a:ext>
+          </a:extLst>
+        </p:spPr>
+        <p:txBody>
+          <a:bodyPr vert="horz" wrap="square" lIns="91440" tIns="45720" rIns="91440" bIns="45720" numCol="1" anchor="ctr" anchorCtr="0" compatLnSpc="1">
+            <a:prstTxWarp prst="textNoShape">
+              <a:avLst/>
+            </a:prstTxWarp>
+          </a:bodyPr>
+          <a:lstStyle>
+            <a:lvl1pPr algn="ctr" rtl="0" eaLnBrk="0" fontAlgn="base" hangingPunct="0">
+              <a:spcBef>
+                <a:spcPct val="0"/>
+              </a:spcBef>
+              <a:spcAft>
+                <a:spcPct val="0"/>
+              </a:spcAft>
+              <a:defRPr sz="4400" kern="1200">
+                <a:solidFill>
+                  <a:schemeClr val="tx2"/>
+                </a:solidFill>
+                <a:latin typeface="맑은 고딕" panose="020B0503020000020004" pitchFamily="50" charset="-127"/>
+                <a:ea typeface="맑은 고딕" panose="020B0503020000020004" pitchFamily="50" charset="-127"/>
+                <a:cs typeface="+mj-cs"/>
+              </a:defRPr>
+            </a:lvl1pPr>
+            <a:lvl2pPr algn="ctr" rtl="0" eaLnBrk="0" fontAlgn="base" hangingPunct="0">
+              <a:spcBef>
+                <a:spcPct val="0"/>
+              </a:spcBef>
+              <a:spcAft>
+                <a:spcPct val="0"/>
+              </a:spcAft>
+              <a:defRPr sz="4400">
+                <a:solidFill>
+                  <a:schemeClr val="tx2"/>
+                </a:solidFill>
+                <a:latin typeface="Arial" panose="020B0604020202020204" pitchFamily="34" charset="0"/>
+                <a:ea typeface="Arial Unicode MS" panose="020B0604020202020204" pitchFamily="50" charset="-127"/>
+                <a:cs typeface="Arial" panose="020B0604020202020204" pitchFamily="34" charset="0"/>
+              </a:defRPr>
+            </a:lvl2pPr>
+            <a:lvl3pPr algn="ctr" rtl="0" eaLnBrk="0" fontAlgn="base" hangingPunct="0">
+              <a:spcBef>
+                <a:spcPct val="0"/>
+              </a:spcBef>
+              <a:spcAft>
+                <a:spcPct val="0"/>
+              </a:spcAft>
+              <a:defRPr sz="4400">
+                <a:solidFill>
+                  <a:schemeClr val="tx2"/>
+                </a:solidFill>
+                <a:latin typeface="Arial" panose="020B0604020202020204" pitchFamily="34" charset="0"/>
+                <a:ea typeface="Arial Unicode MS" panose="020B0604020202020204" pitchFamily="50" charset="-127"/>
+                <a:cs typeface="Arial" panose="020B0604020202020204" pitchFamily="34" charset="0"/>
+              </a:defRPr>
+            </a:lvl3pPr>
+            <a:lvl4pPr algn="ctr" rtl="0" eaLnBrk="0" fontAlgn="base" hangingPunct="0">
+              <a:spcBef>
+                <a:spcPct val="0"/>
+              </a:spcBef>
+              <a:spcAft>
+                <a:spcPct val="0"/>
+              </a:spcAft>
+              <a:defRPr sz="4400">
+                <a:solidFill>
+                  <a:schemeClr val="tx2"/>
+                </a:solidFill>
+                <a:latin typeface="Arial" panose="020B0604020202020204" pitchFamily="34" charset="0"/>
+                <a:ea typeface="Arial Unicode MS" panose="020B0604020202020204" pitchFamily="50" charset="-127"/>
+                <a:cs typeface="Arial" panose="020B0604020202020204" pitchFamily="34" charset="0"/>
+              </a:defRPr>
+            </a:lvl4pPr>
+            <a:lvl5pPr algn="ctr" rtl="0" eaLnBrk="0" fontAlgn="base" hangingPunct="0">
+              <a:spcBef>
+                <a:spcPct val="0"/>
+              </a:spcBef>
+              <a:spcAft>
+                <a:spcPct val="0"/>
+              </a:spcAft>
+              <a:defRPr sz="4400">
+                <a:solidFill>
+                  <a:schemeClr val="tx2"/>
+                </a:solidFill>
+                <a:latin typeface="Arial" panose="020B0604020202020204" pitchFamily="34" charset="0"/>
+                <a:ea typeface="Arial Unicode MS" panose="020B0604020202020204" pitchFamily="50" charset="-127"/>
+                <a:cs typeface="Arial" panose="020B0604020202020204" pitchFamily="34" charset="0"/>
+              </a:defRPr>
+            </a:lvl5pPr>
+            <a:lvl6pPr marL="457200" algn="ctr" rtl="0" fontAlgn="base">
+              <a:spcBef>
+                <a:spcPct val="0"/>
+              </a:spcBef>
+              <a:spcAft>
+                <a:spcPct val="0"/>
+              </a:spcAft>
+              <a:defRPr sz="4400">
+                <a:solidFill>
+                  <a:schemeClr val="tx2"/>
+                </a:solidFill>
+                <a:latin typeface="Arial" panose="020B0604020202020204" pitchFamily="34" charset="0"/>
+                <a:cs typeface="Arial" panose="020B0604020202020204" pitchFamily="34" charset="0"/>
+              </a:defRPr>
+            </a:lvl6pPr>
+            <a:lvl7pPr marL="914400" algn="ctr" rtl="0" fontAlgn="base">
+              <a:spcBef>
+                <a:spcPct val="0"/>
+              </a:spcBef>
+              <a:spcAft>
+                <a:spcPct val="0"/>
+              </a:spcAft>
+              <a:defRPr sz="4400">
+                <a:solidFill>
+                  <a:schemeClr val="tx2"/>
+                </a:solidFill>
+                <a:latin typeface="Arial" panose="020B0604020202020204" pitchFamily="34" charset="0"/>
+                <a:cs typeface="Arial" panose="020B0604020202020204" pitchFamily="34" charset="0"/>
+              </a:defRPr>
+            </a:lvl7pPr>
+            <a:lvl8pPr marL="1371600" algn="ctr" rtl="0" fontAlgn="base">
+              <a:spcBef>
+                <a:spcPct val="0"/>
+              </a:spcBef>
+              <a:spcAft>
+                <a:spcPct val="0"/>
+              </a:spcAft>
+              <a:defRPr sz="4400">
+                <a:solidFill>
+                  <a:schemeClr val="tx2"/>
+                </a:solidFill>
+                <a:latin typeface="Arial" panose="020B0604020202020204" pitchFamily="34" charset="0"/>
+                <a:cs typeface="Arial" panose="020B0604020202020204" pitchFamily="34" charset="0"/>
+              </a:defRPr>
+            </a:lvl8pPr>
+            <a:lvl9pPr marL="1828800" algn="ctr" rtl="0" fontAlgn="base">
+              <a:spcBef>
+                <a:spcPct val="0"/>
+              </a:spcBef>
+              <a:spcAft>
+                <a:spcPct val="0"/>
+              </a:spcAft>
+              <a:defRPr sz="4400">
+                <a:solidFill>
+                  <a:schemeClr val="tx2"/>
+                </a:solidFill>
+                <a:latin typeface="Arial" panose="020B0604020202020204" pitchFamily="34" charset="0"/>
+                <a:cs typeface="Arial" panose="020B0604020202020204" pitchFamily="34" charset="0"/>
+              </a:defRPr>
+            </a:lvl9pPr>
+          </a:lstStyle>
+          <a:p>
+            <a:pPr eaLnBrk="1" hangingPunct="1"/>
+            <a:r>
+              <a:rPr lang="es-ES" altLang="ko-KR" sz="3200" b="1">
+                <a:solidFill>
+                  <a:schemeClr val="tx1"/>
+                </a:solidFill>
+              </a:rPr>
+              <a:t>TCP </a:t>
+            </a:r>
+            <a:r>
+              <a:rPr lang="ko-KR" altLang="en-US" sz="3200" b="1">
+                <a:solidFill>
+                  <a:schemeClr val="tx1"/>
+                </a:solidFill>
+              </a:rPr>
+              <a:t>데이터 분할 </a:t>
+            </a:r>
+            <a:r>
+              <a:rPr lang="en-US" altLang="ko-KR" sz="3200" b="1">
+                <a:solidFill>
+                  <a:schemeClr val="tx1"/>
+                </a:solidFill>
+              </a:rPr>
+              <a:t>vs</a:t>
+            </a:r>
+          </a:p>
+          <a:p>
+            <a:pPr eaLnBrk="1" hangingPunct="1"/>
+            <a:r>
+              <a:rPr lang="en-US" altLang="ko-KR" sz="3200" b="1">
+                <a:solidFill>
+                  <a:schemeClr val="tx1"/>
+                </a:solidFill>
+              </a:rPr>
+              <a:t>IP</a:t>
+            </a:r>
+            <a:r>
+              <a:rPr lang="ko-KR" altLang="en-US" sz="3200" b="1">
+                <a:solidFill>
+                  <a:schemeClr val="tx1"/>
+                </a:solidFill>
+              </a:rPr>
+              <a:t> 패킷 분할</a:t>
+            </a:r>
+            <a:endParaRPr lang="es-ES" altLang="ko-KR" sz="3200" b="1">
+              <a:solidFill>
+                <a:schemeClr val="tx1"/>
+              </a:solidFill>
+            </a:endParaRPr>
+          </a:p>
+        </p:txBody>
+      </p:sp>
+    </p:spTree>
+    <p:extLst>
+      <p:ext uri="{BB962C8B-B14F-4D97-AF65-F5344CB8AC3E}">
+        <p14:creationId xmlns:p14="http://schemas.microsoft.com/office/powerpoint/2010/main" val="3469815126"/>
+      </p:ext>
+    </p:extLst>
+  </p:cSld>
+  <p:clrMapOvr>
+    <a:masterClrMapping/>
+  </p:clrMapOvr>
+</p:sld>
+</file>
+
+<file path=ppt/slides/slide15.xml><?xml version="1.0" encoding="utf-8"?>
+<p:sld xmlns:a="http://schemas.openxmlformats.org/drawingml/2006/main" xmlns:r="http://schemas.openxmlformats.org/officeDocument/2006/relationships" xmlns:p="http://schemas.openxmlformats.org/presentationml/2006/main">
+  <p:cSld>
+    <p:spTree>
+      <p:nvGrpSpPr>
+        <p:cNvPr id="1" name=""/>
+        <p:cNvGrpSpPr/>
+        <p:nvPr/>
+      </p:nvGrpSpPr>
+      <p:grpSpPr>
+        <a:xfrm>
+          <a:off x="0" y="0"/>
+          <a:ext cx="0" cy="0"/>
+          <a:chOff x="0" y="0"/>
+          <a:chExt cx="0" cy="0"/>
+        </a:xfrm>
+      </p:grpSpPr>
+      <p:sp>
+        <p:nvSpPr>
+          <p:cNvPr id="5122" name="Rectangle 2">
+            <a:extLst>
+              <a:ext uri="{FF2B5EF4-FFF2-40B4-BE49-F238E27FC236}">
+                <a16:creationId xmlns:a16="http://schemas.microsoft.com/office/drawing/2014/main" id="{5A5441BC-21C9-4C4E-8617-73A39EC832C7}"/>
+              </a:ext>
+            </a:extLst>
+          </p:cNvPr>
+          <p:cNvSpPr>
+            <a:spLocks noGrp="1" noChangeArrowheads="1"/>
+          </p:cNvSpPr>
+          <p:nvPr>
+            <p:ph type="title"/>
+          </p:nvPr>
+        </p:nvSpPr>
+        <p:spPr>
+          <a:xfrm>
+            <a:off x="457200" y="188913"/>
+            <a:ext cx="8229600" cy="1295400"/>
+          </a:xfrm>
+        </p:spPr>
+        <p:txBody>
+          <a:bodyPr/>
+          <a:lstStyle/>
+          <a:p>
+            <a:pPr algn="l"/>
+            <a:r>
+              <a:rPr lang="en-US" altLang="ko-KR" sz="3200">
+                <a:solidFill>
+                  <a:srgbClr val="24292F"/>
+                </a:solidFill>
+                <a:latin typeface="-apple-system"/>
+              </a:rPr>
+              <a:t>TCP </a:t>
+            </a:r>
+            <a:r>
+              <a:rPr lang="ko-KR" altLang="en-US" sz="3200">
+                <a:solidFill>
+                  <a:srgbClr val="24292F"/>
+                </a:solidFill>
+                <a:latin typeface="-apple-system"/>
+              </a:rPr>
+              <a:t>데이터 분할 </a:t>
+            </a:r>
+            <a:r>
+              <a:rPr lang="en-US" altLang="ko-KR" sz="3200">
+                <a:solidFill>
+                  <a:srgbClr val="24292F"/>
+                </a:solidFill>
+                <a:latin typeface="-apple-system"/>
+              </a:rPr>
+              <a:t>vs IP</a:t>
+            </a:r>
+            <a:r>
+              <a:rPr lang="ko-KR" altLang="en-US" sz="3200">
+                <a:solidFill>
+                  <a:srgbClr val="24292F"/>
+                </a:solidFill>
+                <a:latin typeface="-apple-system"/>
+              </a:rPr>
+              <a:t> 패킷 분할</a:t>
+            </a:r>
+            <a:endParaRPr lang="en-US" altLang="ko-KR" sz="3200" i="0">
+              <a:solidFill>
+                <a:srgbClr val="24292F"/>
+              </a:solidFill>
+              <a:effectLst/>
+              <a:latin typeface="-apple-system"/>
+            </a:endParaRPr>
+          </a:p>
+        </p:txBody>
+      </p:sp>
+      <p:cxnSp>
+        <p:nvCxnSpPr>
+          <p:cNvPr id="3" name="직선 연결선 2">
+            <a:extLst>
+              <a:ext uri="{FF2B5EF4-FFF2-40B4-BE49-F238E27FC236}">
+                <a16:creationId xmlns:a16="http://schemas.microsoft.com/office/drawing/2014/main" id="{00016A16-78F9-4CDB-B5A3-E7D1D56285D2}"/>
+              </a:ext>
+            </a:extLst>
+          </p:cNvPr>
+          <p:cNvCxnSpPr/>
+          <p:nvPr/>
+        </p:nvCxnSpPr>
+        <p:spPr bwMode="auto">
+          <a:xfrm>
+            <a:off x="575556" y="1268760"/>
+            <a:ext cx="7992888" cy="0"/>
+          </a:xfrm>
+          <a:prstGeom prst="line">
+            <a:avLst/>
+          </a:prstGeom>
+          <a:solidFill>
+            <a:schemeClr val="accent1"/>
+          </a:solidFill>
+          <a:ln w="25400" cap="flat" cmpd="sng" algn="ctr">
+            <a:solidFill>
+              <a:schemeClr val="tx1"/>
+            </a:solidFill>
+            <a:prstDash val="solid"/>
+            <a:round/>
+            <a:headEnd type="none" w="med" len="med"/>
+            <a:tailEnd type="none" w="med" len="med"/>
+          </a:ln>
+          <a:effectLst/>
+          <a:extLst>
+            <a:ext uri="{AF507438-7753-43E0-B8FC-AC1667EBCBE1}">
+              <a14:hiddenEffects xmlns:a14="http://schemas.microsoft.com/office/drawing/2010/main">
+                <a:effectLst>
+                  <a:outerShdw dist="35921" dir="2700000" algn="ctr" rotWithShape="0">
+                    <a:schemeClr val="bg2"/>
+                  </a:outerShdw>
+                </a:effectLst>
+              </a14:hiddenEffects>
+            </a:ext>
+          </a:extLst>
+        </p:spPr>
+      </p:cxnSp>
+      <p:pic>
+        <p:nvPicPr>
+          <p:cNvPr id="4" name="그림 3">
+            <a:extLst>
+              <a:ext uri="{FF2B5EF4-FFF2-40B4-BE49-F238E27FC236}">
+                <a16:creationId xmlns:a16="http://schemas.microsoft.com/office/drawing/2014/main" id="{FFACFFFC-9D8F-45E5-8CB4-BF1DD24C9891}"/>
+              </a:ext>
+            </a:extLst>
+          </p:cNvPr>
+          <p:cNvPicPr>
+            <a:picLocks noChangeAspect="1"/>
+          </p:cNvPicPr>
+          <p:nvPr/>
+        </p:nvPicPr>
+        <p:blipFill>
+          <a:blip r:embed="rId2"/>
+          <a:stretch>
+            <a:fillRect/>
+          </a:stretch>
+        </p:blipFill>
+        <p:spPr>
+          <a:xfrm>
+            <a:off x="575556" y="-24923"/>
+            <a:ext cx="7720434" cy="6858000"/>
+          </a:xfrm>
+          <a:prstGeom prst="rect">
+            <a:avLst/>
+          </a:prstGeom>
+        </p:spPr>
+      </p:pic>
+    </p:spTree>
+    <p:extLst>
+      <p:ext uri="{BB962C8B-B14F-4D97-AF65-F5344CB8AC3E}">
+        <p14:creationId xmlns:p14="http://schemas.microsoft.com/office/powerpoint/2010/main" val="2929720845"/>
+      </p:ext>
+    </p:extLst>
+  </p:cSld>
+  <p:clrMapOvr>
+    <a:masterClrMapping/>
+  </p:clrMapOvr>
+  <p:timing>
+    <p:tnLst>
+      <p:par>
+        <p:cTn id="1" dur="indefinite" restart="never" nodeType="tmRoot">
+          <p:childTnLst>
+            <p:seq concurrent="1" nextAc="seek">
+              <p:cTn id="2" dur="indefinite" nodeType="mainSeq">
+                <p:childTnLst>
+                  <p:par>
+                    <p:cTn id="3" fill="hold">
+                      <p:stCondLst>
+                        <p:cond delay="indefinite"/>
+                      </p:stCondLst>
+                      <p:childTnLst>
+                        <p:par>
+                          <p:cTn id="4" fill="hold">
+                            <p:stCondLst>
+                              <p:cond delay="0"/>
+                            </p:stCondLst>
+                            <p:childTnLst>
+                              <p:par>
+                                <p:cTn id="5" presetID="1" presetClass="entr" presetSubtype="0" fill="hold" nodeType="clickEffect">
+                                  <p:stCondLst>
+                                    <p:cond delay="0"/>
+                                  </p:stCondLst>
+                                  <p:childTnLst>
+                                    <p:set>
+                                      <p:cBhvr>
+                                        <p:cTn id="6" dur="1" fill="hold">
+                                          <p:stCondLst>
+                                            <p:cond delay="0"/>
+                                          </p:stCondLst>
+                                        </p:cTn>
+                                        <p:tgtEl>
+                                          <p:spTgt spid="4"/>
+                                        </p:tgtEl>
+                                        <p:attrNameLst>
+                                          <p:attrName>style.visibility</p:attrName>
+                                        </p:attrNameLst>
+                                      </p:cBhvr>
+                                      <p:to>
+                                        <p:strVal val="visible"/>
+                                      </p:to>
+                                    </p:set>
+                                  </p:childTnLst>
+                                </p:cTn>
+                              </p:par>
+                            </p:childTnLst>
+                          </p:cTn>
+                        </p:par>
+                      </p:childTnLst>
+                    </p:cTn>
+                  </p:par>
+                </p:childTnLst>
+              </p:cTn>
+              <p:prevCondLst>
+                <p:cond evt="onPrev" delay="0">
+                  <p:tgtEl>
+                    <p:sldTgt/>
+                  </p:tgtEl>
+                </p:cond>
+              </p:prevCondLst>
+              <p:nextCondLst>
+                <p:cond evt="onNext" delay="0">
+                  <p:tgtEl>
+                    <p:sldTgt/>
+                  </p:tgtEl>
+                </p:cond>
+              </p:nextCondLst>
+            </p:seq>
+          </p:childTnLst>
+        </p:cTn>
+      </p:par>
+    </p:tnLst>
+  </p:timing>
+</p:sld>
+</file>
+
+<file path=ppt/slides/slide16.xml><?xml version="1.0" encoding="utf-8"?>
+<p:sld xmlns:a="http://schemas.openxmlformats.org/drawingml/2006/main" xmlns:r="http://schemas.openxmlformats.org/officeDocument/2006/relationships" xmlns:p="http://schemas.openxmlformats.org/presentationml/2006/main">
+  <p:cSld>
+    <p:spTree>
+      <p:nvGrpSpPr>
+        <p:cNvPr id="1" name=""/>
+        <p:cNvGrpSpPr/>
+        <p:nvPr/>
+      </p:nvGrpSpPr>
+      <p:grpSpPr>
+        <a:xfrm>
+          <a:off x="0" y="0"/>
+          <a:ext cx="0" cy="0"/>
+          <a:chOff x="0" y="0"/>
+          <a:chExt cx="0" cy="0"/>
+        </a:xfrm>
+      </p:grpSpPr>
+      <p:sp>
+        <p:nvSpPr>
+          <p:cNvPr id="9" name="Rectangle 150">
+            <a:extLst>
+              <a:ext uri="{FF2B5EF4-FFF2-40B4-BE49-F238E27FC236}">
+                <a16:creationId xmlns:a16="http://schemas.microsoft.com/office/drawing/2014/main" id="{B6D2B44A-A8AF-419F-A2C5-7317925249E9}"/>
+              </a:ext>
+            </a:extLst>
+          </p:cNvPr>
+          <p:cNvSpPr txBox="1">
+            <a:spLocks noChangeArrowheads="1"/>
+          </p:cNvSpPr>
+          <p:nvPr/>
+        </p:nvSpPr>
+        <p:spPr bwMode="auto">
+          <a:xfrm>
+            <a:off x="1925737" y="2852936"/>
+            <a:ext cx="5292526" cy="647700"/>
+          </a:xfrm>
+          <a:prstGeom prst="rect">
+            <a:avLst/>
+          </a:prstGeom>
+          <a:noFill/>
+          <a:ln>
+            <a:noFill/>
+          </a:ln>
+          <a:effectLst/>
+          <a:extLst>
+            <a:ext uri="{909E8E84-426E-40DD-AFC4-6F175D3DCCD1}">
+              <a14:hiddenFill xmlns:a14="http://schemas.microsoft.com/office/drawing/2010/main">
+                <a:solidFill>
+                  <a:schemeClr val="accent1"/>
+                </a:solidFill>
+              </a14:hiddenFill>
+            </a:ext>
+            <a:ext uri="{91240B29-F687-4F45-9708-019B960494DF}">
+              <a14:hiddenLine xmlns:a14="http://schemas.microsoft.com/office/drawing/2010/main" w="9525">
+                <a:solidFill>
+                  <a:schemeClr val="tx1"/>
+                </a:solidFill>
+                <a:miter lim="800000"/>
+                <a:headEnd/>
+                <a:tailEnd/>
+              </a14:hiddenLine>
+            </a:ext>
+            <a:ext uri="{AF507438-7753-43E0-B8FC-AC1667EBCBE1}">
+              <a14:hiddenEffects xmlns:a14="http://schemas.microsoft.com/office/drawing/2010/main">
+                <a:effectLst>
+                  <a:outerShdw dist="35921" dir="2700000" algn="ctr" rotWithShape="0">
+                    <a:schemeClr val="bg2"/>
+                  </a:outerShdw>
+                </a:effectLst>
+              </a14:hiddenEffects>
+            </a:ext>
+          </a:extLst>
+        </p:spPr>
+        <p:txBody>
+          <a:bodyPr vert="horz" wrap="square" lIns="91440" tIns="45720" rIns="91440" bIns="45720" numCol="1" anchor="ctr" anchorCtr="0" compatLnSpc="1">
+            <a:prstTxWarp prst="textNoShape">
+              <a:avLst/>
+            </a:prstTxWarp>
+          </a:bodyPr>
+          <a:lstStyle>
+            <a:lvl1pPr algn="ctr" rtl="0" eaLnBrk="0" fontAlgn="base" hangingPunct="0">
+              <a:spcBef>
+                <a:spcPct val="0"/>
+              </a:spcBef>
+              <a:spcAft>
+                <a:spcPct val="0"/>
+              </a:spcAft>
+              <a:defRPr sz="4400" kern="1200">
+                <a:solidFill>
+                  <a:schemeClr val="tx2"/>
+                </a:solidFill>
+                <a:latin typeface="맑은 고딕" panose="020B0503020000020004" pitchFamily="50" charset="-127"/>
+                <a:ea typeface="맑은 고딕" panose="020B0503020000020004" pitchFamily="50" charset="-127"/>
+                <a:cs typeface="+mj-cs"/>
+              </a:defRPr>
+            </a:lvl1pPr>
+            <a:lvl2pPr algn="ctr" rtl="0" eaLnBrk="0" fontAlgn="base" hangingPunct="0">
+              <a:spcBef>
+                <a:spcPct val="0"/>
+              </a:spcBef>
+              <a:spcAft>
+                <a:spcPct val="0"/>
+              </a:spcAft>
+              <a:defRPr sz="4400">
+                <a:solidFill>
+                  <a:schemeClr val="tx2"/>
+                </a:solidFill>
+                <a:latin typeface="Arial" panose="020B0604020202020204" pitchFamily="34" charset="0"/>
+                <a:ea typeface="Arial Unicode MS" panose="020B0604020202020204" pitchFamily="50" charset="-127"/>
+                <a:cs typeface="Arial" panose="020B0604020202020204" pitchFamily="34" charset="0"/>
+              </a:defRPr>
+            </a:lvl2pPr>
+            <a:lvl3pPr algn="ctr" rtl="0" eaLnBrk="0" fontAlgn="base" hangingPunct="0">
+              <a:spcBef>
+                <a:spcPct val="0"/>
+              </a:spcBef>
+              <a:spcAft>
+                <a:spcPct val="0"/>
+              </a:spcAft>
+              <a:defRPr sz="4400">
+                <a:solidFill>
+                  <a:schemeClr val="tx2"/>
+                </a:solidFill>
+                <a:latin typeface="Arial" panose="020B0604020202020204" pitchFamily="34" charset="0"/>
+                <a:ea typeface="Arial Unicode MS" panose="020B0604020202020204" pitchFamily="50" charset="-127"/>
+                <a:cs typeface="Arial" panose="020B0604020202020204" pitchFamily="34" charset="0"/>
+              </a:defRPr>
+            </a:lvl3pPr>
+            <a:lvl4pPr algn="ctr" rtl="0" eaLnBrk="0" fontAlgn="base" hangingPunct="0">
+              <a:spcBef>
+                <a:spcPct val="0"/>
+              </a:spcBef>
+              <a:spcAft>
+                <a:spcPct val="0"/>
+              </a:spcAft>
+              <a:defRPr sz="4400">
+                <a:solidFill>
+                  <a:schemeClr val="tx2"/>
+                </a:solidFill>
+                <a:latin typeface="Arial" panose="020B0604020202020204" pitchFamily="34" charset="0"/>
+                <a:ea typeface="Arial Unicode MS" panose="020B0604020202020204" pitchFamily="50" charset="-127"/>
+                <a:cs typeface="Arial" panose="020B0604020202020204" pitchFamily="34" charset="0"/>
+              </a:defRPr>
+            </a:lvl4pPr>
+            <a:lvl5pPr algn="ctr" rtl="0" eaLnBrk="0" fontAlgn="base" hangingPunct="0">
+              <a:spcBef>
+                <a:spcPct val="0"/>
+              </a:spcBef>
+              <a:spcAft>
+                <a:spcPct val="0"/>
+              </a:spcAft>
+              <a:defRPr sz="4400">
+                <a:solidFill>
+                  <a:schemeClr val="tx2"/>
+                </a:solidFill>
+                <a:latin typeface="Arial" panose="020B0604020202020204" pitchFamily="34" charset="0"/>
+                <a:ea typeface="Arial Unicode MS" panose="020B0604020202020204" pitchFamily="50" charset="-127"/>
+                <a:cs typeface="Arial" panose="020B0604020202020204" pitchFamily="34" charset="0"/>
+              </a:defRPr>
+            </a:lvl5pPr>
+            <a:lvl6pPr marL="457200" algn="ctr" rtl="0" fontAlgn="base">
+              <a:spcBef>
+                <a:spcPct val="0"/>
+              </a:spcBef>
+              <a:spcAft>
+                <a:spcPct val="0"/>
+              </a:spcAft>
+              <a:defRPr sz="4400">
+                <a:solidFill>
+                  <a:schemeClr val="tx2"/>
+                </a:solidFill>
+                <a:latin typeface="Arial" panose="020B0604020202020204" pitchFamily="34" charset="0"/>
+                <a:cs typeface="Arial" panose="020B0604020202020204" pitchFamily="34" charset="0"/>
+              </a:defRPr>
+            </a:lvl6pPr>
+            <a:lvl7pPr marL="914400" algn="ctr" rtl="0" fontAlgn="base">
+              <a:spcBef>
+                <a:spcPct val="0"/>
+              </a:spcBef>
+              <a:spcAft>
+                <a:spcPct val="0"/>
+              </a:spcAft>
+              <a:defRPr sz="4400">
+                <a:solidFill>
+                  <a:schemeClr val="tx2"/>
+                </a:solidFill>
+                <a:latin typeface="Arial" panose="020B0604020202020204" pitchFamily="34" charset="0"/>
+                <a:cs typeface="Arial" panose="020B0604020202020204" pitchFamily="34" charset="0"/>
+              </a:defRPr>
+            </a:lvl7pPr>
+            <a:lvl8pPr marL="1371600" algn="ctr" rtl="0" fontAlgn="base">
+              <a:spcBef>
+                <a:spcPct val="0"/>
+              </a:spcBef>
+              <a:spcAft>
+                <a:spcPct val="0"/>
+              </a:spcAft>
+              <a:defRPr sz="4400">
+                <a:solidFill>
+                  <a:schemeClr val="tx2"/>
+                </a:solidFill>
+                <a:latin typeface="Arial" panose="020B0604020202020204" pitchFamily="34" charset="0"/>
+                <a:cs typeface="Arial" panose="020B0604020202020204" pitchFamily="34" charset="0"/>
+              </a:defRPr>
+            </a:lvl8pPr>
+            <a:lvl9pPr marL="1828800" algn="ctr" rtl="0" fontAlgn="base">
+              <a:spcBef>
+                <a:spcPct val="0"/>
+              </a:spcBef>
+              <a:spcAft>
+                <a:spcPct val="0"/>
+              </a:spcAft>
+              <a:defRPr sz="4400">
+                <a:solidFill>
+                  <a:schemeClr val="tx2"/>
+                </a:solidFill>
+                <a:latin typeface="Arial" panose="020B0604020202020204" pitchFamily="34" charset="0"/>
+                <a:cs typeface="Arial" panose="020B0604020202020204" pitchFamily="34" charset="0"/>
+              </a:defRPr>
+            </a:lvl9pPr>
+          </a:lstStyle>
+          <a:p>
+            <a:pPr eaLnBrk="1" hangingPunct="1"/>
+            <a:r>
+              <a:rPr lang="ko-KR" altLang="en-US" sz="3200" b="1">
+                <a:solidFill>
+                  <a:schemeClr val="tx1"/>
+                </a:solidFill>
+              </a:rPr>
+              <a:t>중계 장치 간 차이점</a:t>
+            </a:r>
+            <a:endParaRPr lang="es-ES" altLang="ko-KR" sz="3200" b="1">
+              <a:solidFill>
+                <a:schemeClr val="tx1"/>
+              </a:solidFill>
+            </a:endParaRPr>
+          </a:p>
+        </p:txBody>
+      </p:sp>
+    </p:spTree>
+    <p:extLst>
+      <p:ext uri="{BB962C8B-B14F-4D97-AF65-F5344CB8AC3E}">
+        <p14:creationId xmlns:p14="http://schemas.microsoft.com/office/powerpoint/2010/main" val="3716044669"/>
+      </p:ext>
+    </p:extLst>
+  </p:cSld>
+  <p:clrMapOvr>
+    <a:masterClrMapping/>
+  </p:clrMapOvr>
+</p:sld>
+</file>
+
+<file path=ppt/slides/slide17.xml><?xml version="1.0" encoding="utf-8"?>
+<p:sld xmlns:a="http://schemas.openxmlformats.org/drawingml/2006/main" xmlns:r="http://schemas.openxmlformats.org/officeDocument/2006/relationships" xmlns:p="http://schemas.openxmlformats.org/presentationml/2006/main">
+  <p:cSld>
+    <p:spTree>
+      <p:nvGrpSpPr>
+        <p:cNvPr id="1" name=""/>
+        <p:cNvGrpSpPr/>
+        <p:nvPr/>
+      </p:nvGrpSpPr>
+      <p:grpSpPr>
+        <a:xfrm>
+          <a:off x="0" y="0"/>
+          <a:ext cx="0" cy="0"/>
+          <a:chOff x="0" y="0"/>
+          <a:chExt cx="0" cy="0"/>
+        </a:xfrm>
+      </p:grpSpPr>
+      <p:sp>
+        <p:nvSpPr>
+          <p:cNvPr id="5122" name="Rectangle 2">
+            <a:extLst>
+              <a:ext uri="{FF2B5EF4-FFF2-40B4-BE49-F238E27FC236}">
+                <a16:creationId xmlns:a16="http://schemas.microsoft.com/office/drawing/2014/main" id="{5A5441BC-21C9-4C4E-8617-73A39EC832C7}"/>
+              </a:ext>
+            </a:extLst>
+          </p:cNvPr>
+          <p:cNvSpPr>
+            <a:spLocks noGrp="1" noChangeArrowheads="1"/>
+          </p:cNvSpPr>
+          <p:nvPr>
+            <p:ph type="title"/>
+          </p:nvPr>
+        </p:nvSpPr>
+        <p:spPr>
+          <a:xfrm>
+            <a:off x="457200" y="188913"/>
+            <a:ext cx="8229600" cy="1295400"/>
+          </a:xfrm>
+        </p:spPr>
+        <p:txBody>
+          <a:bodyPr/>
+          <a:lstStyle/>
+          <a:p>
+            <a:pPr algn="l"/>
+            <a:r>
+              <a:rPr lang="ko-KR" altLang="en-US" sz="3200" i="0">
+                <a:solidFill>
+                  <a:srgbClr val="24292F"/>
+                </a:solidFill>
+                <a:effectLst/>
+                <a:latin typeface="-apple-system"/>
+              </a:rPr>
+              <a:t>중계 장치 간 차이점</a:t>
+            </a:r>
+            <a:endParaRPr lang="en-US" altLang="ko-KR" sz="3200" i="0">
+              <a:solidFill>
+                <a:srgbClr val="24292F"/>
+              </a:solidFill>
+              <a:effectLst/>
+              <a:latin typeface="-apple-system"/>
+            </a:endParaRPr>
+          </a:p>
+        </p:txBody>
+      </p:sp>
+      <p:cxnSp>
+        <p:nvCxnSpPr>
+          <p:cNvPr id="3" name="직선 연결선 2">
+            <a:extLst>
+              <a:ext uri="{FF2B5EF4-FFF2-40B4-BE49-F238E27FC236}">
+                <a16:creationId xmlns:a16="http://schemas.microsoft.com/office/drawing/2014/main" id="{00016A16-78F9-4CDB-B5A3-E7D1D56285D2}"/>
+              </a:ext>
+            </a:extLst>
+          </p:cNvPr>
+          <p:cNvCxnSpPr/>
+          <p:nvPr/>
+        </p:nvCxnSpPr>
+        <p:spPr bwMode="auto">
+          <a:xfrm>
+            <a:off x="575556" y="1268760"/>
+            <a:ext cx="7992888" cy="0"/>
+          </a:xfrm>
+          <a:prstGeom prst="line">
+            <a:avLst/>
+          </a:prstGeom>
+          <a:solidFill>
+            <a:schemeClr val="accent1"/>
+          </a:solidFill>
+          <a:ln w="25400" cap="flat" cmpd="sng" algn="ctr">
+            <a:solidFill>
+              <a:schemeClr val="tx1"/>
+            </a:solidFill>
+            <a:prstDash val="solid"/>
+            <a:round/>
+            <a:headEnd type="none" w="med" len="med"/>
+            <a:tailEnd type="none" w="med" len="med"/>
+          </a:ln>
+          <a:effectLst/>
+          <a:extLst>
+            <a:ext uri="{AF507438-7753-43E0-B8FC-AC1667EBCBE1}">
+              <a14:hiddenEffects xmlns:a14="http://schemas.microsoft.com/office/drawing/2010/main">
+                <a:effectLst>
+                  <a:outerShdw dist="35921" dir="2700000" algn="ctr" rotWithShape="0">
+                    <a:schemeClr val="bg2"/>
+                  </a:outerShdw>
+                </a:effectLst>
+              </a14:hiddenEffects>
+            </a:ext>
+          </a:extLst>
+        </p:spPr>
+      </p:cxnSp>
+      <p:pic>
+        <p:nvPicPr>
+          <p:cNvPr id="4" name="그림 3">
+            <a:extLst>
+              <a:ext uri="{FF2B5EF4-FFF2-40B4-BE49-F238E27FC236}">
+                <a16:creationId xmlns:a16="http://schemas.microsoft.com/office/drawing/2014/main" id="{4D8E77D2-1698-4950-AC6E-22A829214270}"/>
+              </a:ext>
+            </a:extLst>
+          </p:cNvPr>
+          <p:cNvPicPr>
+            <a:picLocks noChangeAspect="1"/>
+          </p:cNvPicPr>
+          <p:nvPr/>
+        </p:nvPicPr>
+        <p:blipFill>
+          <a:blip r:embed="rId2"/>
+          <a:stretch>
+            <a:fillRect/>
+          </a:stretch>
+        </p:blipFill>
+        <p:spPr>
+          <a:xfrm>
+            <a:off x="694784" y="2242972"/>
+            <a:ext cx="7754432" cy="2372056"/>
+          </a:xfrm>
+          <a:prstGeom prst="rect">
+            <a:avLst/>
+          </a:prstGeom>
+        </p:spPr>
+      </p:pic>
+    </p:spTree>
+    <p:extLst>
+      <p:ext uri="{BB962C8B-B14F-4D97-AF65-F5344CB8AC3E}">
+        <p14:creationId xmlns:p14="http://schemas.microsoft.com/office/powerpoint/2010/main" val="695286755"/>
+      </p:ext>
+    </p:extLst>
+  </p:cSld>
+  <p:clrMapOvr>
+    <a:masterClrMapping/>
+  </p:clrMapOvr>
+</p:sld>
+</file>
+
+<file path=ppt/slides/slide18.xml><?xml version="1.0" encoding="utf-8"?>
 <p:sld xmlns:a="http://schemas.openxmlformats.org/drawingml/2006/main" xmlns:r="http://schemas.openxmlformats.org/officeDocument/2006/relationships" xmlns:p="http://schemas.openxmlformats.org/presentationml/2006/main">
   <p:cSld>
     <p:spTree>
@@ -7275,68 +8773,18 @@
               <a:pPr defTabSz="720000" eaLnBrk="1" hangingPunct="1">
                 <a:defRPr/>
               </a:pPr>
-              <a:endParaRPr lang="ko-KR" altLang="en-US" sz="1400">
-                <a:latin typeface="맑은 고딕" panose="020B0503020000020004" pitchFamily="50" charset="-127"/>
-                <a:ea typeface="맑은 고딕" panose="020B0503020000020004" pitchFamily="50" charset="-127"/>
-                <a:cs typeface="Arial" panose="020B0604020202020204" pitchFamily="34" charset="0"/>
-              </a:endParaRPr>
+              <a:r>
+                <a:rPr lang="ko-KR" altLang="en-US" sz="1400">
+                  <a:latin typeface="맑은 고딕" panose="020B0503020000020004" pitchFamily="50" charset="-127"/>
+                  <a:ea typeface="맑은 고딕" panose="020B0503020000020004" pitchFamily="50" charset="-127"/>
+                  <a:cs typeface="Arial" panose="020B0604020202020204" pitchFamily="34" charset="0"/>
+                </a:rPr>
+                <a:t>스위칭 허브의 중계 동작</a:t>
+              </a:r>
             </a:p>
           </p:txBody>
         </p:sp>
       </p:grpSp>
-      <p:sp>
-        <p:nvSpPr>
-          <p:cNvPr id="23" name="TextBox 22">
-            <a:extLst>
-              <a:ext uri="{FF2B5EF4-FFF2-40B4-BE49-F238E27FC236}">
-                <a16:creationId xmlns:a16="http://schemas.microsoft.com/office/drawing/2014/main" id="{D0F868B1-AB08-4E93-B247-B8DF4D3C166F}"/>
-              </a:ext>
-            </a:extLst>
-          </p:cNvPr>
-          <p:cNvSpPr txBox="1"/>
-          <p:nvPr/>
-        </p:nvSpPr>
-        <p:spPr>
-          <a:xfrm>
-            <a:off x="2422182" y="6175137"/>
-            <a:ext cx="7918450" cy="307777"/>
-          </a:xfrm>
-          <a:prstGeom prst="rect">
-            <a:avLst/>
-          </a:prstGeom>
-          <a:noFill/>
-          <a:scene3d>
-            <a:camera prst="obliqueTopLeft"/>
-            <a:lightRig rig="threePt" dir="t"/>
-          </a:scene3d>
-        </p:spPr>
-        <p:txBody>
-          <a:bodyPr>
-            <a:spAutoFit/>
-          </a:bodyPr>
-          <a:lstStyle>
-            <a:defPPr>
-              <a:defRPr lang="ko-KR"/>
-            </a:defPPr>
-            <a:lvl1pPr>
-              <a:defRPr sz="2800" spc="-150">
-                <a:latin typeface="나눔스퀘어 ExtraBold" panose="020B0600000101010101" pitchFamily="50" charset="-127"/>
-                <a:ea typeface="나눔스퀘어 ExtraBold" panose="020B0600000101010101" pitchFamily="50" charset="-127"/>
-              </a:defRPr>
-            </a:lvl1pPr>
-          </a:lstStyle>
-          <a:p>
-            <a:pPr eaLnBrk="1" hangingPunct="1">
-              <a:defRPr/>
-            </a:pPr>
-            <a:endParaRPr lang="ko-KR" altLang="en-US" sz="1400" dirty="0">
-              <a:latin typeface="맑은 고딕" panose="020B0503020000020004" pitchFamily="50" charset="-127"/>
-              <a:ea typeface="맑은 고딕" panose="020B0503020000020004" pitchFamily="50" charset="-127"/>
-              <a:cs typeface="Arial" panose="020B0604020202020204" pitchFamily="34" charset="0"/>
-            </a:endParaRPr>
-          </a:p>
-        </p:txBody>
-      </p:sp>
       <p:sp>
         <p:nvSpPr>
           <p:cNvPr id="21" name="TextBox 20">
@@ -7524,6 +8972,237 @@
               <a:pPr defTabSz="720000" eaLnBrk="1" hangingPunct="1">
                 <a:defRPr/>
               </a:pPr>
+              <a:r>
+                <a:rPr lang="ko-KR" altLang="en-US" sz="1400">
+                  <a:latin typeface="맑은 고딕" panose="020B0503020000020004" pitchFamily="50" charset="-127"/>
+                  <a:ea typeface="맑은 고딕" panose="020B0503020000020004" pitchFamily="50" charset="-127"/>
+                  <a:cs typeface="Arial" panose="020B0604020202020204" pitchFamily="34" charset="0"/>
+                </a:rPr>
+                <a:t>라우터의 중계 동작  </a:t>
+              </a:r>
+              <a:r>
+                <a:rPr lang="en-US" altLang="ko-KR" sz="1400">
+                  <a:latin typeface="맑은 고딕" panose="020B0503020000020004" pitchFamily="50" charset="-127"/>
+                  <a:ea typeface="맑은 고딕" panose="020B0503020000020004" pitchFamily="50" charset="-127"/>
+                  <a:cs typeface="Arial" panose="020B0604020202020204" pitchFamily="34" charset="0"/>
+                </a:rPr>
+                <a:t>/  TCP </a:t>
+              </a:r>
+              <a:r>
+                <a:rPr lang="ko-KR" altLang="en-US" sz="1400">
+                  <a:latin typeface="맑은 고딕" panose="020B0503020000020004" pitchFamily="50" charset="-127"/>
+                  <a:ea typeface="맑은 고딕" panose="020B0503020000020004" pitchFamily="50" charset="-127"/>
+                  <a:cs typeface="Arial" panose="020B0604020202020204" pitchFamily="34" charset="0"/>
+                </a:rPr>
+                <a:t>데이터 분할 </a:t>
+              </a:r>
+              <a:r>
+                <a:rPr lang="en-US" altLang="ko-KR" sz="1400">
+                  <a:latin typeface="맑은 고딕" panose="020B0503020000020004" pitchFamily="50" charset="-127"/>
+                  <a:ea typeface="맑은 고딕" panose="020B0503020000020004" pitchFamily="50" charset="-127"/>
+                  <a:cs typeface="Arial" panose="020B0604020202020204" pitchFamily="34" charset="0"/>
+                </a:rPr>
+                <a:t>vs IP </a:t>
+              </a:r>
+              <a:r>
+                <a:rPr lang="ko-KR" altLang="en-US" sz="1400">
+                  <a:latin typeface="맑은 고딕" panose="020B0503020000020004" pitchFamily="50" charset="-127"/>
+                  <a:ea typeface="맑은 고딕" panose="020B0503020000020004" pitchFamily="50" charset="-127"/>
+                  <a:cs typeface="Arial" panose="020B0604020202020204" pitchFamily="34" charset="0"/>
+                </a:rPr>
+                <a:t>패킷 분할</a:t>
+              </a:r>
+            </a:p>
+          </p:txBody>
+        </p:sp>
+      </p:grpSp>
+      <p:sp>
+        <p:nvSpPr>
+          <p:cNvPr id="22" name="TextBox 21">
+            <a:extLst>
+              <a:ext uri="{FF2B5EF4-FFF2-40B4-BE49-F238E27FC236}">
+                <a16:creationId xmlns:a16="http://schemas.microsoft.com/office/drawing/2014/main" id="{5A538309-4388-48CA-A895-0C6E2FED2673}"/>
+              </a:ext>
+            </a:extLst>
+          </p:cNvPr>
+          <p:cNvSpPr txBox="1"/>
+          <p:nvPr/>
+        </p:nvSpPr>
+        <p:spPr>
+          <a:xfrm>
+            <a:off x="606082" y="4646435"/>
+            <a:ext cx="3270250" cy="369332"/>
+          </a:xfrm>
+          <a:prstGeom prst="rect">
+            <a:avLst/>
+          </a:prstGeom>
+          <a:noFill/>
+          <a:scene3d>
+            <a:camera prst="obliqueTopLeft"/>
+            <a:lightRig rig="threePt" dir="t"/>
+          </a:scene3d>
+        </p:spPr>
+        <p:txBody>
+          <a:bodyPr>
+            <a:spAutoFit/>
+          </a:bodyPr>
+          <a:lstStyle>
+            <a:defPPr>
+              <a:defRPr lang="ko-KR"/>
+            </a:defPPr>
+            <a:lvl1pPr>
+              <a:defRPr sz="2800" spc="-150">
+                <a:latin typeface="나눔스퀘어 ExtraBold" panose="020B0600000101010101" pitchFamily="50" charset="-127"/>
+                <a:ea typeface="나눔스퀘어 ExtraBold" panose="020B0600000101010101" pitchFamily="50" charset="-127"/>
+              </a:defRPr>
+            </a:lvl1pPr>
+          </a:lstStyle>
+          <a:p>
+            <a:pPr eaLnBrk="1" hangingPunct="1">
+              <a:defRPr/>
+            </a:pPr>
+            <a:r>
+              <a:rPr lang="en-US" altLang="ko-KR" sz="1800" b="1" dirty="0">
+                <a:latin typeface="맑은 고딕" panose="020B0503020000020004" pitchFamily="50" charset="-127"/>
+                <a:ea typeface="맑은 고딕" panose="020B0503020000020004" pitchFamily="50" charset="-127"/>
+                <a:cs typeface="Arial" panose="020B0604020202020204" pitchFamily="34" charset="0"/>
+              </a:rPr>
+              <a:t>4</a:t>
+            </a:r>
+            <a:endParaRPr lang="ko-KR" altLang="en-US" sz="1800" b="1" dirty="0">
+              <a:latin typeface="맑은 고딕" panose="020B0503020000020004" pitchFamily="50" charset="-127"/>
+              <a:ea typeface="맑은 고딕" panose="020B0503020000020004" pitchFamily="50" charset="-127"/>
+              <a:cs typeface="Arial" panose="020B0604020202020204" pitchFamily="34" charset="0"/>
+            </a:endParaRPr>
+          </a:p>
+        </p:txBody>
+      </p:sp>
+      <p:grpSp>
+        <p:nvGrpSpPr>
+          <p:cNvPr id="24" name="그룹 23">
+            <a:extLst>
+              <a:ext uri="{FF2B5EF4-FFF2-40B4-BE49-F238E27FC236}">
+                <a16:creationId xmlns:a16="http://schemas.microsoft.com/office/drawing/2014/main" id="{A300B9AD-614F-4ADF-9D64-3E6A632FCD53}"/>
+              </a:ext>
+            </a:extLst>
+          </p:cNvPr>
+          <p:cNvGrpSpPr/>
+          <p:nvPr/>
+        </p:nvGrpSpPr>
+        <p:grpSpPr>
+          <a:xfrm>
+            <a:off x="2422182" y="4634144"/>
+            <a:ext cx="7918450" cy="806150"/>
+            <a:chOff x="2422182" y="2274905"/>
+            <a:chExt cx="7918450" cy="806150"/>
+          </a:xfrm>
+        </p:grpSpPr>
+        <p:sp>
+          <p:nvSpPr>
+            <p:cNvPr id="25" name="TextBox 24">
+              <a:extLst>
+                <a:ext uri="{FF2B5EF4-FFF2-40B4-BE49-F238E27FC236}">
+                  <a16:creationId xmlns:a16="http://schemas.microsoft.com/office/drawing/2014/main" id="{EF1EE560-8462-4064-8AB2-FCD4B1B1AD50}"/>
+                </a:ext>
+              </a:extLst>
+            </p:cNvPr>
+            <p:cNvSpPr txBox="1"/>
+            <p:nvPr/>
+          </p:nvSpPr>
+          <p:spPr>
+            <a:xfrm>
+              <a:off x="2422182" y="2274905"/>
+              <a:ext cx="4094034" cy="369332"/>
+            </a:xfrm>
+            <a:prstGeom prst="rect">
+              <a:avLst/>
+            </a:prstGeom>
+            <a:noFill/>
+            <a:scene3d>
+              <a:camera prst="obliqueTopLeft"/>
+              <a:lightRig rig="threePt" dir="t"/>
+            </a:scene3d>
+          </p:spPr>
+          <p:txBody>
+            <a:bodyPr wrap="square">
+              <a:spAutoFit/>
+            </a:bodyPr>
+            <a:lstStyle>
+              <a:defPPr>
+                <a:defRPr lang="ko-KR"/>
+              </a:defPPr>
+              <a:lvl1pPr>
+                <a:defRPr sz="2800" spc="-150">
+                  <a:latin typeface="나눔스퀘어 ExtraBold" panose="020B0600000101010101" pitchFamily="50" charset="-127"/>
+                  <a:ea typeface="나눔스퀘어 ExtraBold" panose="020B0600000101010101" pitchFamily="50" charset="-127"/>
+                </a:defRPr>
+              </a:lvl1pPr>
+            </a:lstStyle>
+            <a:p>
+              <a:pPr eaLnBrk="1" hangingPunct="1">
+                <a:defRPr/>
+              </a:pPr>
+              <a:r>
+                <a:rPr lang="ko-KR" altLang="en-US" sz="1800">
+                  <a:latin typeface="맑은 고딕" panose="020B0503020000020004" pitchFamily="50" charset="-127"/>
+                  <a:ea typeface="맑은 고딕" panose="020B0503020000020004" pitchFamily="50" charset="-127"/>
+                  <a:cs typeface="Arial" panose="020B0604020202020204" pitchFamily="34" charset="0"/>
+                </a:rPr>
+                <a:t>중계 장치 간 차이점</a:t>
+              </a:r>
+              <a:endParaRPr lang="ko-KR" altLang="en-US" sz="1800" dirty="0">
+                <a:latin typeface="맑은 고딕" panose="020B0503020000020004" pitchFamily="50" charset="-127"/>
+                <a:ea typeface="맑은 고딕" panose="020B0503020000020004" pitchFamily="50" charset="-127"/>
+                <a:cs typeface="Arial" panose="020B0604020202020204" pitchFamily="34" charset="0"/>
+              </a:endParaRPr>
+            </a:p>
+          </p:txBody>
+        </p:sp>
+        <p:sp>
+          <p:nvSpPr>
+            <p:cNvPr id="26" name="TextBox 25">
+              <a:extLst>
+                <a:ext uri="{FF2B5EF4-FFF2-40B4-BE49-F238E27FC236}">
+                  <a16:creationId xmlns:a16="http://schemas.microsoft.com/office/drawing/2014/main" id="{1EDE4DDA-80AC-4231-B6E2-4BB19A9D3D25}"/>
+                </a:ext>
+              </a:extLst>
+            </p:cNvPr>
+            <p:cNvSpPr txBox="1"/>
+            <p:nvPr/>
+          </p:nvSpPr>
+          <p:spPr>
+            <a:xfrm>
+              <a:off x="2422182" y="2773278"/>
+              <a:ext cx="7918450" cy="307777"/>
+            </a:xfrm>
+            <a:prstGeom prst="rect">
+              <a:avLst/>
+            </a:prstGeom>
+            <a:noFill/>
+            <a:scene3d>
+              <a:camera prst="obliqueTopLeft"/>
+              <a:lightRig rig="threePt" dir="t"/>
+            </a:scene3d>
+          </p:spPr>
+          <p:txBody>
+            <a:bodyPr>
+              <a:spAutoFit/>
+            </a:bodyPr>
+            <a:lstStyle>
+              <a:defPPr>
+                <a:defRPr lang="ko-KR"/>
+              </a:defPPr>
+              <a:lvl1pPr>
+                <a:defRPr sz="2800" spc="-150">
+                  <a:latin typeface="나눔스퀘어 ExtraBold" panose="020B0600000101010101" pitchFamily="50" charset="-127"/>
+                  <a:ea typeface="나눔스퀘어 ExtraBold" panose="020B0600000101010101" pitchFamily="50" charset="-127"/>
+                </a:defRPr>
+              </a:lvl1pPr>
+            </a:lstStyle>
+            <a:p>
+              <a:pPr defTabSz="720000" eaLnBrk="1" hangingPunct="1">
+                <a:defRPr/>
+              </a:pPr>
               <a:endParaRPr lang="ko-KR" altLang="en-US" sz="1400">
                 <a:latin typeface="맑은 고딕" panose="020B0503020000020004" pitchFamily="50" charset="-127"/>
                 <a:ea typeface="맑은 고딕" panose="020B0503020000020004" pitchFamily="50" charset="-127"/>
@@ -7832,8 +9511,8 @@
         </p:blipFill>
         <p:spPr>
           <a:xfrm>
-            <a:off x="4219287" y="2303941"/>
-            <a:ext cx="4908712" cy="4509392"/>
+            <a:off x="4235048" y="2348609"/>
+            <a:ext cx="4908952" cy="4509612"/>
           </a:xfrm>
           <a:prstGeom prst="rect">
             <a:avLst/>
@@ -7948,7 +9627,7 @@
         <p:spPr bwMode="auto">
           <a:xfrm>
             <a:off x="565684" y="1402138"/>
-            <a:ext cx="8229600" cy="1815882"/>
+            <a:ext cx="8229600" cy="2462213"/>
           </a:xfrm>
           <a:prstGeom prst="rect">
             <a:avLst/>
@@ -8240,7 +9919,46 @@
                 <a:latin typeface="맑은 고딕" panose="020B0503020000020004" pitchFamily="50" charset="-127"/>
                 <a:ea typeface="맑은 고딕" panose="020B0503020000020004" pitchFamily="50" charset="-127"/>
               </a:rPr>
-              <a:t>연결 대상들을 기억하면서 패킷을 </a:t>
+              <a:t>이더넷을 다루며</a:t>
+            </a:r>
+            <a:r>
+              <a:rPr lang="en-US" altLang="ko-KR" sz="1400">
+                <a:solidFill>
+                  <a:srgbClr val="000000"/>
+                </a:solidFill>
+                <a:latin typeface="맑은 고딕" panose="020B0503020000020004" pitchFamily="50" charset="-127"/>
+                <a:ea typeface="맑은 고딕" panose="020B0503020000020004" pitchFamily="50" charset="-127"/>
+              </a:rPr>
+              <a:t>, </a:t>
+            </a:r>
+            <a:br>
+              <a:rPr lang="en-US" altLang="ko-KR" sz="1400">
+                <a:solidFill>
+                  <a:srgbClr val="000000"/>
+                </a:solidFill>
+                <a:latin typeface="맑은 고딕" panose="020B0503020000020004" pitchFamily="50" charset="-127"/>
+                <a:ea typeface="맑은 고딕" panose="020B0503020000020004" pitchFamily="50" charset="-127"/>
+              </a:rPr>
+            </a:br>
+            <a:r>
+              <a:rPr lang="en-US" altLang="ko-KR" sz="1400">
+                <a:solidFill>
+                  <a:srgbClr val="000000"/>
+                </a:solidFill>
+                <a:latin typeface="맑은 고딕" panose="020B0503020000020004" pitchFamily="50" charset="-127"/>
+                <a:ea typeface="맑은 고딕" panose="020B0503020000020004" pitchFamily="50" charset="-127"/>
+              </a:rPr>
+              <a:t>                   </a:t>
+            </a:r>
+            <a:r>
+              <a:rPr lang="ko-KR" altLang="en-US" sz="1400">
+                <a:solidFill>
+                  <a:srgbClr val="000000"/>
+                </a:solidFill>
+                <a:latin typeface="맑은 고딕" panose="020B0503020000020004" pitchFamily="50" charset="-127"/>
+                <a:ea typeface="맑은 고딕" panose="020B0503020000020004" pitchFamily="50" charset="-127"/>
+              </a:rPr>
+              <a:t>연결 대상들을 기억하면서 패킷을 다음 라우터로 </a:t>
             </a:r>
             <a:r>
               <a:rPr lang="ko-KR" altLang="en-US" sz="1400" b="1">
@@ -8262,6 +9980,22 @@
               </a:rPr>
               <a:t>. </a:t>
             </a:r>
+            <a:br>
+              <a:rPr lang="en-US" altLang="ko-KR" sz="1400" b="1">
+                <a:solidFill>
+                  <a:srgbClr val="000000"/>
+                </a:solidFill>
+                <a:latin typeface="맑은 고딕" panose="020B0503020000020004" pitchFamily="50" charset="-127"/>
+                <a:ea typeface="맑은 고딕" panose="020B0503020000020004" pitchFamily="50" charset="-127"/>
+              </a:rPr>
+            </a:br>
+            <a:endParaRPr lang="en-US" altLang="ko-KR" sz="1400" b="1">
+              <a:solidFill>
+                <a:srgbClr val="000000"/>
+              </a:solidFill>
+              <a:latin typeface="맑은 고딕" panose="020B0503020000020004" pitchFamily="50" charset="-127"/>
+              <a:ea typeface="맑은 고딕" panose="020B0503020000020004" pitchFamily="50" charset="-127"/>
+            </a:endParaRPr>
           </a:p>
           <a:p>
             <a:pPr eaLnBrk="1" hangingPunct="1">
@@ -8288,7 +10022,7 @@
                 <a:latin typeface="맑은 고딕" panose="020B0503020000020004" pitchFamily="50" charset="-127"/>
                 <a:ea typeface="맑은 고딕" panose="020B0503020000020004" pitchFamily="50" charset="-127"/>
               </a:rPr>
-              <a:t>	  :  </a:t>
+              <a:t>	  :  IP</a:t>
             </a:r>
             <a:r>
               <a:rPr lang="ko-KR" altLang="en-US" sz="1400">
@@ -8298,6 +10032,44 @@
                 <a:latin typeface="맑은 고딕" panose="020B0503020000020004" pitchFamily="50" charset="-127"/>
                 <a:ea typeface="맑은 고딕" panose="020B0503020000020004" pitchFamily="50" charset="-127"/>
               </a:rPr>
+              <a:t>를 다루며</a:t>
+            </a:r>
+            <a:r>
+              <a:rPr lang="en-US" altLang="ko-KR" sz="1400">
+                <a:solidFill>
+                  <a:srgbClr val="000000"/>
+                </a:solidFill>
+                <a:latin typeface="맑은 고딕" panose="020B0503020000020004" pitchFamily="50" charset="-127"/>
+                <a:ea typeface="맑은 고딕" panose="020B0503020000020004" pitchFamily="50" charset="-127"/>
+              </a:rPr>
+              <a:t>,</a:t>
+            </a:r>
+          </a:p>
+          <a:p>
+            <a:pPr eaLnBrk="1" hangingPunct="1">
+              <a:spcBef>
+                <a:spcPct val="0"/>
+              </a:spcBef>
+              <a:buNone/>
+            </a:pPr>
+            <a:r>
+              <a:rPr lang="en-US" altLang="ko-KR" sz="1400">
+                <a:solidFill>
+                  <a:srgbClr val="000000"/>
+                </a:solidFill>
+                <a:latin typeface="맑은 고딕" panose="020B0503020000020004" pitchFamily="50" charset="-127"/>
+                <a:ea typeface="맑은 고딕" panose="020B0503020000020004" pitchFamily="50" charset="-127"/>
+              </a:rPr>
+              <a:t>                   </a:t>
+            </a:r>
+            <a:r>
+              <a:rPr lang="ko-KR" altLang="en-US" sz="1400">
+                <a:solidFill>
+                  <a:srgbClr val="000000"/>
+                </a:solidFill>
+                <a:latin typeface="맑은 고딕" panose="020B0503020000020004" pitchFamily="50" charset="-127"/>
+                <a:ea typeface="맑은 고딕" panose="020B0503020000020004" pitchFamily="50" charset="-127"/>
+              </a:rPr>
               <a:t>다음 </a:t>
             </a:r>
             <a:r>
@@ -8308,10 +10080,20 @@
                 <a:latin typeface="맑은 고딕" panose="020B0503020000020004" pitchFamily="50" charset="-127"/>
                 <a:ea typeface="맑은 고딕" panose="020B0503020000020004" pitchFamily="50" charset="-127"/>
               </a:rPr>
-              <a:t>중계 대상을 선정한다</a:t>
-            </a:r>
-            <a:r>
-              <a:rPr lang="en-US" altLang="ko-KR" sz="1400" b="1">
+              <a:t>중계 대상을 선정하면서 </a:t>
+            </a:r>
+            <a:r>
+              <a:rPr lang="ko-KR" altLang="en-US" sz="1400">
+                <a:solidFill>
+                  <a:srgbClr val="000000"/>
+                </a:solidFill>
+                <a:latin typeface="맑은 고딕" panose="020B0503020000020004" pitchFamily="50" charset="-127"/>
+                <a:ea typeface="맑은 고딕" panose="020B0503020000020004" pitchFamily="50" charset="-127"/>
+              </a:rPr>
+              <a:t>패킷의 최종 목적지를 가리킨다</a:t>
+            </a:r>
+            <a:r>
+              <a:rPr lang="en-US" altLang="ko-KR" sz="1400">
                 <a:solidFill>
                   <a:srgbClr val="000000"/>
                 </a:solidFill>
@@ -8337,6 +10119,397 @@
 </file>
 
 <file path=ppt/slides/slide5.xml><?xml version="1.0" encoding="utf-8"?>
+<p:sld xmlns:a="http://schemas.openxmlformats.org/drawingml/2006/main" xmlns:r="http://schemas.openxmlformats.org/officeDocument/2006/relationships" xmlns:p="http://schemas.openxmlformats.org/presentationml/2006/main">
+  <p:cSld>
+    <p:spTree>
+      <p:nvGrpSpPr>
+        <p:cNvPr id="1" name=""/>
+        <p:cNvGrpSpPr/>
+        <p:nvPr/>
+      </p:nvGrpSpPr>
+      <p:grpSpPr>
+        <a:xfrm>
+          <a:off x="0" y="0"/>
+          <a:ext cx="0" cy="0"/>
+          <a:chOff x="0" y="0"/>
+          <a:chExt cx="0" cy="0"/>
+        </a:xfrm>
+      </p:grpSpPr>
+      <p:sp>
+        <p:nvSpPr>
+          <p:cNvPr id="5122" name="Rectangle 2">
+            <a:extLst>
+              <a:ext uri="{FF2B5EF4-FFF2-40B4-BE49-F238E27FC236}">
+                <a16:creationId xmlns:a16="http://schemas.microsoft.com/office/drawing/2014/main" id="{5A5441BC-21C9-4C4E-8617-73A39EC832C7}"/>
+              </a:ext>
+            </a:extLst>
+          </p:cNvPr>
+          <p:cNvSpPr>
+            <a:spLocks noGrp="1" noChangeArrowheads="1"/>
+          </p:cNvSpPr>
+          <p:nvPr>
+            <p:ph type="title"/>
+          </p:nvPr>
+        </p:nvSpPr>
+        <p:spPr>
+          <a:xfrm>
+            <a:off x="457200" y="188913"/>
+            <a:ext cx="8229600" cy="1295400"/>
+          </a:xfrm>
+        </p:spPr>
+        <p:txBody>
+          <a:bodyPr/>
+          <a:lstStyle/>
+          <a:p>
+            <a:pPr algn="l" eaLnBrk="1" hangingPunct="1">
+              <a:defRPr/>
+            </a:pPr>
+            <a:r>
+              <a:rPr lang="ko-KR" altLang="en-US" sz="3200">
+                <a:solidFill>
+                  <a:schemeClr val="tx1"/>
+                </a:solidFill>
+              </a:rPr>
+              <a:t>중계 장치의 구조</a:t>
+            </a:r>
+            <a:endParaRPr lang="ko-KR" altLang="ko-KR" sz="2000">
+              <a:solidFill>
+                <a:schemeClr val="tx1"/>
+              </a:solidFill>
+            </a:endParaRPr>
+          </a:p>
+        </p:txBody>
+      </p:sp>
+      <p:cxnSp>
+        <p:nvCxnSpPr>
+          <p:cNvPr id="3" name="직선 연결선 2">
+            <a:extLst>
+              <a:ext uri="{FF2B5EF4-FFF2-40B4-BE49-F238E27FC236}">
+                <a16:creationId xmlns:a16="http://schemas.microsoft.com/office/drawing/2014/main" id="{00016A16-78F9-4CDB-B5A3-E7D1D56285D2}"/>
+              </a:ext>
+            </a:extLst>
+          </p:cNvPr>
+          <p:cNvCxnSpPr/>
+          <p:nvPr/>
+        </p:nvCxnSpPr>
+        <p:spPr bwMode="auto">
+          <a:xfrm>
+            <a:off x="575556" y="1268760"/>
+            <a:ext cx="7992888" cy="0"/>
+          </a:xfrm>
+          <a:prstGeom prst="line">
+            <a:avLst/>
+          </a:prstGeom>
+          <a:solidFill>
+            <a:schemeClr val="accent1"/>
+          </a:solidFill>
+          <a:ln w="25400" cap="flat" cmpd="sng" algn="ctr">
+            <a:solidFill>
+              <a:schemeClr val="tx1"/>
+            </a:solidFill>
+            <a:prstDash val="solid"/>
+            <a:round/>
+            <a:headEnd type="none" w="med" len="med"/>
+            <a:tailEnd type="none" w="med" len="med"/>
+          </a:ln>
+          <a:effectLst/>
+          <a:extLst>
+            <a:ext uri="{AF507438-7753-43E0-B8FC-AC1667EBCBE1}">
+              <a14:hiddenEffects xmlns:a14="http://schemas.microsoft.com/office/drawing/2010/main">
+                <a:effectLst>
+                  <a:outerShdw dist="35921" dir="2700000" algn="ctr" rotWithShape="0">
+                    <a:schemeClr val="bg2"/>
+                  </a:outerShdw>
+                </a:effectLst>
+              </a14:hiddenEffects>
+            </a:ext>
+          </a:extLst>
+        </p:spPr>
+      </p:cxnSp>
+      <p:pic>
+        <p:nvPicPr>
+          <p:cNvPr id="4" name="그림 3">
+            <a:extLst>
+              <a:ext uri="{FF2B5EF4-FFF2-40B4-BE49-F238E27FC236}">
+                <a16:creationId xmlns:a16="http://schemas.microsoft.com/office/drawing/2014/main" id="{81DB201F-CCF1-4A19-B7BD-08C6A2FFBED0}"/>
+              </a:ext>
+            </a:extLst>
+          </p:cNvPr>
+          <p:cNvPicPr>
+            <a:picLocks noChangeAspect="1"/>
+          </p:cNvPicPr>
+          <p:nvPr/>
+        </p:nvPicPr>
+        <p:blipFill>
+          <a:blip r:embed="rId2"/>
+          <a:stretch>
+            <a:fillRect/>
+          </a:stretch>
+        </p:blipFill>
+        <p:spPr>
+          <a:xfrm>
+            <a:off x="0" y="1337106"/>
+            <a:ext cx="9144000" cy="2685793"/>
+          </a:xfrm>
+          <a:prstGeom prst="rect">
+            <a:avLst/>
+          </a:prstGeom>
+        </p:spPr>
+      </p:pic>
+      <p:sp>
+        <p:nvSpPr>
+          <p:cNvPr id="9" name="TextBox 8">
+            <a:extLst>
+              <a:ext uri="{FF2B5EF4-FFF2-40B4-BE49-F238E27FC236}">
+                <a16:creationId xmlns:a16="http://schemas.microsoft.com/office/drawing/2014/main" id="{6E23B047-958A-4555-9228-7DDF6E6956DB}"/>
+              </a:ext>
+            </a:extLst>
+          </p:cNvPr>
+          <p:cNvSpPr txBox="1">
+            <a:spLocks noChangeArrowheads="1"/>
+          </p:cNvSpPr>
+          <p:nvPr/>
+        </p:nvSpPr>
+        <p:spPr bwMode="auto">
+          <a:xfrm>
+            <a:off x="565684" y="4206874"/>
+            <a:ext cx="8229600" cy="307777"/>
+          </a:xfrm>
+          <a:prstGeom prst="rect">
+            <a:avLst/>
+          </a:prstGeom>
+          <a:noFill/>
+          <a:ln>
+            <a:noFill/>
+          </a:ln>
+          <a:extLst>
+            <a:ext uri="{909E8E84-426E-40DD-AFC4-6F175D3DCCD1}">
+              <a14:hiddenFill xmlns:a14="http://schemas.microsoft.com/office/drawing/2010/main">
+                <a:solidFill>
+                  <a:srgbClr val="FFFFFF"/>
+                </a:solidFill>
+              </a14:hiddenFill>
+            </a:ext>
+            <a:ext uri="{91240B29-F687-4F45-9708-019B960494DF}">
+              <a14:hiddenLine xmlns:a14="http://schemas.microsoft.com/office/drawing/2010/main" w="9525">
+                <a:solidFill>
+                  <a:srgbClr val="000000"/>
+                </a:solidFill>
+                <a:miter lim="800000"/>
+                <a:headEnd/>
+                <a:tailEnd/>
+              </a14:hiddenLine>
+            </a:ext>
+          </a:extLst>
+        </p:spPr>
+        <p:txBody>
+          <a:bodyPr>
+            <a:spAutoFit/>
+          </a:bodyPr>
+          <a:lstStyle>
+            <a:lvl1pPr>
+              <a:spcBef>
+                <a:spcPct val="20000"/>
+              </a:spcBef>
+              <a:buChar char="•"/>
+              <a:defRPr sz="3200">
+                <a:solidFill>
+                  <a:schemeClr val="tx1"/>
+                </a:solidFill>
+                <a:latin typeface="Arial" panose="020B0604020202020204" pitchFamily="34" charset="0"/>
+                <a:ea typeface="Arial Unicode MS" panose="020B0604020202020204" pitchFamily="50" charset="-127"/>
+                <a:cs typeface="Arial" panose="020B0604020202020204" pitchFamily="34" charset="0"/>
+              </a:defRPr>
+            </a:lvl1pPr>
+            <a:lvl2pPr marL="742950" indent="-285750">
+              <a:spcBef>
+                <a:spcPct val="20000"/>
+              </a:spcBef>
+              <a:buChar char="–"/>
+              <a:defRPr sz="2800">
+                <a:solidFill>
+                  <a:schemeClr val="tx1"/>
+                </a:solidFill>
+                <a:latin typeface="Arial" panose="020B0604020202020204" pitchFamily="34" charset="0"/>
+                <a:ea typeface="Arial Unicode MS" panose="020B0604020202020204" pitchFamily="50" charset="-127"/>
+                <a:cs typeface="Arial" panose="020B0604020202020204" pitchFamily="34" charset="0"/>
+              </a:defRPr>
+            </a:lvl2pPr>
+            <a:lvl3pPr marL="1143000" indent="-228600">
+              <a:spcBef>
+                <a:spcPct val="20000"/>
+              </a:spcBef>
+              <a:buChar char="•"/>
+              <a:defRPr sz="2400">
+                <a:solidFill>
+                  <a:schemeClr val="tx1"/>
+                </a:solidFill>
+                <a:latin typeface="Arial" panose="020B0604020202020204" pitchFamily="34" charset="0"/>
+                <a:ea typeface="Arial Unicode MS" panose="020B0604020202020204" pitchFamily="50" charset="-127"/>
+                <a:cs typeface="Arial" panose="020B0604020202020204" pitchFamily="34" charset="0"/>
+              </a:defRPr>
+            </a:lvl3pPr>
+            <a:lvl4pPr marL="1600200" indent="-228600">
+              <a:spcBef>
+                <a:spcPct val="20000"/>
+              </a:spcBef>
+              <a:buChar char="–"/>
+              <a:defRPr sz="2000">
+                <a:solidFill>
+                  <a:schemeClr val="tx1"/>
+                </a:solidFill>
+                <a:latin typeface="Arial" panose="020B0604020202020204" pitchFamily="34" charset="0"/>
+                <a:ea typeface="Arial Unicode MS" panose="020B0604020202020204" pitchFamily="50" charset="-127"/>
+                <a:cs typeface="Arial" panose="020B0604020202020204" pitchFamily="34" charset="0"/>
+              </a:defRPr>
+            </a:lvl4pPr>
+            <a:lvl5pPr marL="2057400" indent="-228600">
+              <a:spcBef>
+                <a:spcPct val="20000"/>
+              </a:spcBef>
+              <a:buChar char="»"/>
+              <a:defRPr sz="2000">
+                <a:solidFill>
+                  <a:schemeClr val="tx1"/>
+                </a:solidFill>
+                <a:latin typeface="Arial" panose="020B0604020202020204" pitchFamily="34" charset="0"/>
+                <a:ea typeface="Arial Unicode MS" panose="020B0604020202020204" pitchFamily="50" charset="-127"/>
+                <a:cs typeface="Arial" panose="020B0604020202020204" pitchFamily="34" charset="0"/>
+              </a:defRPr>
+            </a:lvl5pPr>
+            <a:lvl6pPr marL="2514600" indent="-228600" eaLnBrk="0" fontAlgn="base" hangingPunct="0">
+              <a:spcBef>
+                <a:spcPct val="20000"/>
+              </a:spcBef>
+              <a:spcAft>
+                <a:spcPct val="0"/>
+              </a:spcAft>
+              <a:buChar char="»"/>
+              <a:defRPr sz="2000">
+                <a:solidFill>
+                  <a:schemeClr val="tx1"/>
+                </a:solidFill>
+                <a:latin typeface="Arial" panose="020B0604020202020204" pitchFamily="34" charset="0"/>
+                <a:ea typeface="Arial Unicode MS" panose="020B0604020202020204" pitchFamily="50" charset="-127"/>
+                <a:cs typeface="Arial" panose="020B0604020202020204" pitchFamily="34" charset="0"/>
+              </a:defRPr>
+            </a:lvl6pPr>
+            <a:lvl7pPr marL="2971800" indent="-228600" eaLnBrk="0" fontAlgn="base" hangingPunct="0">
+              <a:spcBef>
+                <a:spcPct val="20000"/>
+              </a:spcBef>
+              <a:spcAft>
+                <a:spcPct val="0"/>
+              </a:spcAft>
+              <a:buChar char="»"/>
+              <a:defRPr sz="2000">
+                <a:solidFill>
+                  <a:schemeClr val="tx1"/>
+                </a:solidFill>
+                <a:latin typeface="Arial" panose="020B0604020202020204" pitchFamily="34" charset="0"/>
+                <a:ea typeface="Arial Unicode MS" panose="020B0604020202020204" pitchFamily="50" charset="-127"/>
+                <a:cs typeface="Arial" panose="020B0604020202020204" pitchFamily="34" charset="0"/>
+              </a:defRPr>
+            </a:lvl7pPr>
+            <a:lvl8pPr marL="3429000" indent="-228600" eaLnBrk="0" fontAlgn="base" hangingPunct="0">
+              <a:spcBef>
+                <a:spcPct val="20000"/>
+              </a:spcBef>
+              <a:spcAft>
+                <a:spcPct val="0"/>
+              </a:spcAft>
+              <a:buChar char="»"/>
+              <a:defRPr sz="2000">
+                <a:solidFill>
+                  <a:schemeClr val="tx1"/>
+                </a:solidFill>
+                <a:latin typeface="Arial" panose="020B0604020202020204" pitchFamily="34" charset="0"/>
+                <a:ea typeface="Arial Unicode MS" panose="020B0604020202020204" pitchFamily="50" charset="-127"/>
+                <a:cs typeface="Arial" panose="020B0604020202020204" pitchFamily="34" charset="0"/>
+              </a:defRPr>
+            </a:lvl8pPr>
+            <a:lvl9pPr marL="3886200" indent="-228600" eaLnBrk="0" fontAlgn="base" hangingPunct="0">
+              <a:spcBef>
+                <a:spcPct val="20000"/>
+              </a:spcBef>
+              <a:spcAft>
+                <a:spcPct val="0"/>
+              </a:spcAft>
+              <a:buChar char="»"/>
+              <a:defRPr sz="2000">
+                <a:solidFill>
+                  <a:schemeClr val="tx1"/>
+                </a:solidFill>
+                <a:latin typeface="Arial" panose="020B0604020202020204" pitchFamily="34" charset="0"/>
+                <a:ea typeface="Arial Unicode MS" panose="020B0604020202020204" pitchFamily="50" charset="-127"/>
+                <a:cs typeface="Arial" panose="020B0604020202020204" pitchFamily="34" charset="0"/>
+              </a:defRPr>
+            </a:lvl9pPr>
+          </a:lstStyle>
+          <a:p>
+            <a:pPr eaLnBrk="1" hangingPunct="1">
+              <a:spcBef>
+                <a:spcPct val="0"/>
+              </a:spcBef>
+              <a:buNone/>
+            </a:pPr>
+            <a:r>
+              <a:rPr lang="ko-KR" altLang="en-US" sz="1400">
+                <a:solidFill>
+                  <a:srgbClr val="000000"/>
+                </a:solidFill>
+                <a:latin typeface="맑은 고딕" panose="020B0503020000020004" pitchFamily="50" charset="-127"/>
+                <a:ea typeface="맑은 고딕" panose="020B0503020000020004" pitchFamily="50" charset="-127"/>
+              </a:rPr>
+              <a:t>노란색은 패킷 송</a:t>
+            </a:r>
+            <a:r>
+              <a:rPr lang="en-US" altLang="ko-KR" sz="1400">
+                <a:solidFill>
+                  <a:srgbClr val="000000"/>
+                </a:solidFill>
+                <a:latin typeface="맑은 고딕" panose="020B0503020000020004" pitchFamily="50" charset="-127"/>
+                <a:ea typeface="맑은 고딕" panose="020B0503020000020004" pitchFamily="50" charset="-127"/>
+              </a:rPr>
+              <a:t>·</a:t>
+            </a:r>
+            <a:r>
+              <a:rPr lang="ko-KR" altLang="en-US" sz="1400">
+                <a:solidFill>
+                  <a:srgbClr val="000000"/>
+                </a:solidFill>
+                <a:latin typeface="맑은 고딕" panose="020B0503020000020004" pitchFamily="50" charset="-127"/>
+                <a:ea typeface="맑은 고딕" panose="020B0503020000020004" pitchFamily="50" charset="-127"/>
+              </a:rPr>
+              <a:t>수신 동작이 동일하다는 의미이다</a:t>
+            </a:r>
+            <a:r>
+              <a:rPr lang="en-US" altLang="ko-KR" sz="1400">
+                <a:solidFill>
+                  <a:srgbClr val="000000"/>
+                </a:solidFill>
+                <a:latin typeface="맑은 고딕" panose="020B0503020000020004" pitchFamily="50" charset="-127"/>
+                <a:ea typeface="맑은 고딕" panose="020B0503020000020004" pitchFamily="50" charset="-127"/>
+              </a:rPr>
+              <a:t>.</a:t>
+            </a:r>
+          </a:p>
+        </p:txBody>
+      </p:sp>
+    </p:spTree>
+    <p:extLst>
+      <p:ext uri="{BB962C8B-B14F-4D97-AF65-F5344CB8AC3E}">
+        <p14:creationId xmlns:p14="http://schemas.microsoft.com/office/powerpoint/2010/main" val="2971191391"/>
+      </p:ext>
+    </p:extLst>
+  </p:cSld>
+  <p:clrMapOvr>
+    <a:masterClrMapping/>
+  </p:clrMapOvr>
+</p:sld>
+</file>
+
+<file path=ppt/slides/slide6.xml><?xml version="1.0" encoding="utf-8"?>
 <p:sld xmlns:a="http://schemas.openxmlformats.org/drawingml/2006/main" xmlns:r="http://schemas.openxmlformats.org/officeDocument/2006/relationships" xmlns:p="http://schemas.openxmlformats.org/presentationml/2006/main">
   <p:cSld>
     <p:spTree>
@@ -8588,7 +10761,7 @@
 </p:sld>
 </file>
 
-<file path=ppt/slides/slide6.xml><?xml version="1.0" encoding="utf-8"?>
+<file path=ppt/slides/slide7.xml><?xml version="1.0" encoding="utf-8"?>
 <p:sld xmlns:a="http://schemas.openxmlformats.org/drawingml/2006/main" xmlns:r="http://schemas.openxmlformats.org/officeDocument/2006/relationships" xmlns:p="http://schemas.openxmlformats.org/presentationml/2006/main">
   <p:cSld>
     <p:spTree>
@@ -8715,7 +10888,7 @@
         <p:spPr bwMode="auto">
           <a:xfrm>
             <a:off x="565684" y="1402138"/>
-            <a:ext cx="8229600" cy="1169551"/>
+            <a:ext cx="8229600" cy="307777"/>
           </a:xfrm>
           <a:prstGeom prst="rect">
             <a:avLst/>
@@ -8913,7 +11086,7 @@
                 <a:latin typeface="맑은 고딕" panose="020B0503020000020004" pitchFamily="50" charset="-127"/>
                 <a:ea typeface="맑은 고딕" panose="020B0503020000020004" pitchFamily="50" charset="-127"/>
               </a:rPr>
-              <a:t>중계 대상을 조사한다</a:t>
+              <a:t>패킷을 수신한다</a:t>
             </a:r>
             <a:r>
               <a:rPr lang="en-US" altLang="ko-KR" sz="1400" b="1">
@@ -8925,15 +11098,6 @@
               </a:rPr>
               <a:t>.</a:t>
             </a:r>
-            <a:br>
-              <a:rPr lang="en-US" altLang="ko-KR" sz="1400">
-                <a:solidFill>
-                  <a:srgbClr val="000000"/>
-                </a:solidFill>
-                <a:latin typeface="맑은 고딕" panose="020B0503020000020004" pitchFamily="50" charset="-127"/>
-                <a:ea typeface="맑은 고딕" panose="020B0503020000020004" pitchFamily="50" charset="-127"/>
-              </a:rPr>
-            </a:br>
             <a:endParaRPr lang="en-US" altLang="ko-KR" sz="1400">
               <a:solidFill>
                 <a:srgbClr val="000000"/>
@@ -8942,145 +11106,14 @@
               <a:ea typeface="맑은 고딕" panose="020B0503020000020004" pitchFamily="50" charset="-127"/>
             </a:endParaRPr>
           </a:p>
-          <a:p>
-            <a:pPr eaLnBrk="1" hangingPunct="1">
-              <a:spcBef>
-                <a:spcPct val="0"/>
-              </a:spcBef>
-              <a:buNone/>
-            </a:pPr>
-            <a:r>
-              <a:rPr lang="en-US" altLang="ko-KR" sz="1400">
-                <a:solidFill>
-                  <a:srgbClr val="000000"/>
-                </a:solidFill>
-                <a:latin typeface="맑은 고딕" panose="020B0503020000020004" pitchFamily="50" charset="-127"/>
-                <a:ea typeface="맑은 고딕" panose="020B0503020000020004" pitchFamily="50" charset="-127"/>
-              </a:rPr>
-              <a:t>    </a:t>
-            </a:r>
-            <a:r>
-              <a:rPr lang="ko-KR" altLang="en-US" sz="1400">
-                <a:solidFill>
-                  <a:srgbClr val="000000"/>
-                </a:solidFill>
-                <a:latin typeface="맑은 고딕" panose="020B0503020000020004" pitchFamily="50" charset="-127"/>
-                <a:ea typeface="맑은 고딕" panose="020B0503020000020004" pitchFamily="50" charset="-127"/>
-              </a:rPr>
-              <a:t>스위칭 허브의 중계 부분에서 포트 부분의 포트로 부터 받은 패킷의 수신처 </a:t>
-            </a:r>
-            <a:r>
-              <a:rPr lang="en-US" altLang="ko-KR" sz="1400">
-                <a:solidFill>
-                  <a:srgbClr val="000000"/>
-                </a:solidFill>
-                <a:latin typeface="맑은 고딕" panose="020B0503020000020004" pitchFamily="50" charset="-127"/>
-                <a:ea typeface="맑은 고딕" panose="020B0503020000020004" pitchFamily="50" charset="-127"/>
-              </a:rPr>
-              <a:t>MAC </a:t>
-            </a:r>
-            <a:r>
-              <a:rPr lang="ko-KR" altLang="en-US" sz="1400">
-                <a:solidFill>
-                  <a:srgbClr val="000000"/>
-                </a:solidFill>
-                <a:latin typeface="맑은 고딕" panose="020B0503020000020004" pitchFamily="50" charset="-127"/>
-                <a:ea typeface="맑은 고딕" panose="020B0503020000020004" pitchFamily="50" charset="-127"/>
-              </a:rPr>
-              <a:t>주소와</a:t>
-            </a:r>
-            <a:br>
-              <a:rPr lang="en-US" altLang="ko-KR" sz="1400">
-                <a:solidFill>
-                  <a:srgbClr val="000000"/>
-                </a:solidFill>
-                <a:latin typeface="맑은 고딕" panose="020B0503020000020004" pitchFamily="50" charset="-127"/>
-                <a:ea typeface="맑은 고딕" panose="020B0503020000020004" pitchFamily="50" charset="-127"/>
-              </a:rPr>
-            </a:br>
-            <a:endParaRPr lang="en-US" altLang="ko-KR" sz="1400">
-              <a:solidFill>
-                <a:srgbClr val="000000"/>
-              </a:solidFill>
-              <a:latin typeface="맑은 고딕" panose="020B0503020000020004" pitchFamily="50" charset="-127"/>
-              <a:ea typeface="맑은 고딕" panose="020B0503020000020004" pitchFamily="50" charset="-127"/>
-            </a:endParaRPr>
-          </a:p>
-          <a:p>
-            <a:pPr eaLnBrk="1" hangingPunct="1">
-              <a:spcBef>
-                <a:spcPct val="0"/>
-              </a:spcBef>
-              <a:buNone/>
-            </a:pPr>
-            <a:r>
-              <a:rPr lang="en-US" altLang="ko-KR" sz="1400">
-                <a:solidFill>
-                  <a:srgbClr val="000000"/>
-                </a:solidFill>
-                <a:latin typeface="맑은 고딕" panose="020B0503020000020004" pitchFamily="50" charset="-127"/>
-                <a:ea typeface="맑은 고딕" panose="020B0503020000020004" pitchFamily="50" charset="-127"/>
-              </a:rPr>
-              <a:t>    </a:t>
-            </a:r>
-            <a:r>
-              <a:rPr lang="ko-KR" altLang="en-US" sz="1400">
-                <a:solidFill>
-                  <a:srgbClr val="000000"/>
-                </a:solidFill>
-                <a:latin typeface="맑은 고딕" panose="020B0503020000020004" pitchFamily="50" charset="-127"/>
-                <a:ea typeface="맑은 고딕" panose="020B0503020000020004" pitchFamily="50" charset="-127"/>
-              </a:rPr>
-              <a:t>중계 대상을 등록한 표를 대조하여 중계 대상을 판단한다</a:t>
-            </a:r>
-            <a:r>
-              <a:rPr lang="en-US" altLang="ko-KR" sz="1400">
-                <a:solidFill>
-                  <a:srgbClr val="000000"/>
-                </a:solidFill>
-                <a:latin typeface="맑은 고딕" panose="020B0503020000020004" pitchFamily="50" charset="-127"/>
-                <a:ea typeface="맑은 고딕" panose="020B0503020000020004" pitchFamily="50" charset="-127"/>
-              </a:rPr>
-              <a:t>.</a:t>
-            </a:r>
-          </a:p>
         </p:txBody>
       </p:sp>
-      <p:pic>
-        <p:nvPicPr>
-          <p:cNvPr id="8" name="그림 7">
+      <p:sp>
+        <p:nvSpPr>
+          <p:cNvPr id="11" name="TextBox 10">
             <a:extLst>
               <a:ext uri="{FF2B5EF4-FFF2-40B4-BE49-F238E27FC236}">
-                <a16:creationId xmlns:a16="http://schemas.microsoft.com/office/drawing/2014/main" id="{27D370AA-B57B-46AD-89A1-F7896182C912}"/>
-              </a:ext>
-            </a:extLst>
-          </p:cNvPr>
-          <p:cNvPicPr>
-            <a:picLocks noChangeAspect="1"/>
-          </p:cNvPicPr>
-          <p:nvPr/>
-        </p:nvPicPr>
-        <p:blipFill rotWithShape="1">
-          <a:blip r:embed="rId2"/>
-          <a:srcRect r="62600"/>
-          <a:stretch/>
-        </p:blipFill>
-        <p:spPr>
-          <a:xfrm>
-            <a:off x="2703903" y="3784914"/>
-            <a:ext cx="3736194" cy="2910230"/>
-          </a:xfrm>
-          <a:prstGeom prst="rect">
-            <a:avLst/>
-          </a:prstGeom>
-        </p:spPr>
-      </p:pic>
-      <p:sp>
-        <p:nvSpPr>
-          <p:cNvPr id="18" name="TextBox 17">
-            <a:extLst>
-              <a:ext uri="{FF2B5EF4-FFF2-40B4-BE49-F238E27FC236}">
-                <a16:creationId xmlns:a16="http://schemas.microsoft.com/office/drawing/2014/main" id="{31970A91-835B-4DB5-AD19-2D9981D647B5}"/>
+                <a16:creationId xmlns:a16="http://schemas.microsoft.com/office/drawing/2014/main" id="{03E6A64A-9374-4404-A0AE-D720185611A2}"/>
               </a:ext>
             </a:extLst>
           </p:cNvPr>
@@ -9091,8 +11124,8 @@
         </p:nvSpPr>
         <p:spPr bwMode="auto">
           <a:xfrm>
-            <a:off x="565684" y="2765309"/>
-            <a:ext cx="8229600" cy="307777"/>
+            <a:off x="575556" y="1828282"/>
+            <a:ext cx="8229600" cy="1384995"/>
           </a:xfrm>
           <a:prstGeom prst="rect">
             <a:avLst/>
@@ -9290,7 +11323,7 @@
                 <a:latin typeface="맑은 고딕" panose="020B0503020000020004" pitchFamily="50" charset="-127"/>
                 <a:ea typeface="맑은 고딕" panose="020B0503020000020004" pitchFamily="50" charset="-127"/>
               </a:rPr>
-              <a:t>패킷을 송</a:t>
+              <a:t>중계 대상을 조사한다</a:t>
             </a:r>
             <a:r>
               <a:rPr lang="en-US" altLang="ko-KR" sz="1400" b="1">
@@ -9300,48 +11333,17 @@
                 <a:latin typeface="맑은 고딕" panose="020B0503020000020004" pitchFamily="50" charset="-127"/>
                 <a:ea typeface="맑은 고딕" panose="020B0503020000020004" pitchFamily="50" charset="-127"/>
               </a:rPr>
-              <a:t>·</a:t>
-            </a:r>
-            <a:r>
-              <a:rPr lang="ko-KR" altLang="en-US" sz="1400" b="1">
+              <a:t>.</a:t>
+            </a:r>
+            <a:br>
+              <a:rPr lang="en-US" altLang="ko-KR" sz="1400">
                 <a:solidFill>
                   <a:srgbClr val="000000"/>
                 </a:solidFill>
                 <a:latin typeface="맑은 고딕" panose="020B0503020000020004" pitchFamily="50" charset="-127"/>
                 <a:ea typeface="맑은 고딕" panose="020B0503020000020004" pitchFamily="50" charset="-127"/>
               </a:rPr>
-              <a:t>수신하는 </a:t>
-            </a:r>
-            <a:r>
-              <a:rPr lang="en-US" altLang="ko-KR" sz="1400" b="1">
-                <a:solidFill>
-                  <a:srgbClr val="000000"/>
-                </a:solidFill>
-                <a:latin typeface="맑은 고딕" panose="020B0503020000020004" pitchFamily="50" charset="-127"/>
-                <a:ea typeface="맑은 고딕" panose="020B0503020000020004" pitchFamily="50" charset="-127"/>
-              </a:rPr>
-              <a:t>2</a:t>
-            </a:r>
-            <a:r>
-              <a:rPr lang="ko-KR" altLang="en-US" sz="1400" b="1">
-                <a:solidFill>
-                  <a:srgbClr val="000000"/>
-                </a:solidFill>
-                <a:latin typeface="맑은 고딕" panose="020B0503020000020004" pitchFamily="50" charset="-127"/>
-                <a:ea typeface="맑은 고딕" panose="020B0503020000020004" pitchFamily="50" charset="-127"/>
-              </a:rPr>
-              <a:t>가지 행위마다 중계 대상을 등록한 표를 갱신한다</a:t>
-            </a:r>
-            <a:r>
-              <a:rPr lang="en-US" altLang="ko-KR" sz="1400" b="1">
-                <a:solidFill>
-                  <a:srgbClr val="000000"/>
-                </a:solidFill>
-                <a:latin typeface="맑은 고딕" panose="020B0503020000020004" pitchFamily="50" charset="-127"/>
-                <a:ea typeface="맑은 고딕" panose="020B0503020000020004" pitchFamily="50" charset="-127"/>
-              </a:rPr>
-              <a:t>.</a:t>
-            </a:r>
+            </a:br>
             <a:endParaRPr lang="en-US" altLang="ko-KR" sz="1400">
               <a:solidFill>
                 <a:srgbClr val="000000"/>
@@ -9350,44 +11352,156 @@
               <a:ea typeface="맑은 고딕" panose="020B0503020000020004" pitchFamily="50" charset="-127"/>
             </a:endParaRPr>
           </a:p>
+          <a:p>
+            <a:pPr marL="0" marR="0" lvl="0" indent="0" algn="l" defTabSz="914400" rtl="0" eaLnBrk="0" fontAlgn="base" latinLnBrk="0" hangingPunct="0">
+              <a:lnSpc>
+                <a:spcPct val="100000"/>
+              </a:lnSpc>
+              <a:spcBef>
+                <a:spcPct val="0"/>
+              </a:spcBef>
+              <a:spcAft>
+                <a:spcPct val="0"/>
+              </a:spcAft>
+              <a:buClrTx/>
+              <a:buSzTx/>
+              <a:buFontTx/>
+              <a:buNone/>
+              <a:tabLst/>
+            </a:pPr>
+            <a:r>
+              <a:rPr kumimoji="0" lang="en-US" altLang="ko-KR" sz="1400" b="0" i="0" u="none" strike="noStrike" cap="none" normalizeH="0" baseline="0">
+                <a:ln>
+                  <a:noFill/>
+                </a:ln>
+                <a:solidFill>
+                  <a:srgbClr val="24292F"/>
+                </a:solidFill>
+                <a:effectLst/>
+                <a:latin typeface="맑은 고딕" panose="020B0503020000020004" pitchFamily="50" charset="-127"/>
+                <a:ea typeface="맑은 고딕" panose="020B0503020000020004" pitchFamily="50" charset="-127"/>
+              </a:rPr>
+              <a:t>    </a:t>
+            </a:r>
+            <a:r>
+              <a:rPr kumimoji="0" lang="ko-KR" altLang="en-US" sz="1400" b="0" i="0" u="none" strike="noStrike" cap="none" normalizeH="0" baseline="0">
+                <a:ln>
+                  <a:noFill/>
+                </a:ln>
+                <a:solidFill>
+                  <a:srgbClr val="24292F"/>
+                </a:solidFill>
+                <a:effectLst/>
+                <a:latin typeface="맑은 고딕" panose="020B0503020000020004" pitchFamily="50" charset="-127"/>
+                <a:ea typeface="맑은 고딕" panose="020B0503020000020004" pitchFamily="50" charset="-127"/>
+              </a:rPr>
+              <a:t>스위칭 허브의 중계 부분에서 중계 대상을 등록한 표의 수신처와</a:t>
+            </a:r>
+            <a:br>
+              <a:rPr kumimoji="0" lang="en-US" altLang="ko-KR" sz="1400" b="0" i="0" u="none" strike="noStrike" cap="none" normalizeH="0" baseline="0">
+                <a:ln>
+                  <a:noFill/>
+                </a:ln>
+                <a:solidFill>
+                  <a:srgbClr val="24292F"/>
+                </a:solidFill>
+                <a:effectLst/>
+                <a:latin typeface="맑은 고딕" panose="020B0503020000020004" pitchFamily="50" charset="-127"/>
+                <a:ea typeface="맑은 고딕" panose="020B0503020000020004" pitchFamily="50" charset="-127"/>
+              </a:rPr>
+            </a:br>
+            <a:br>
+              <a:rPr kumimoji="0" lang="en-US" altLang="ko-KR" sz="1400" b="0" i="0" u="none" strike="noStrike" cap="none" normalizeH="0" baseline="0">
+                <a:ln>
+                  <a:noFill/>
+                </a:ln>
+                <a:solidFill>
+                  <a:srgbClr val="24292F"/>
+                </a:solidFill>
+                <a:effectLst/>
+                <a:latin typeface="맑은 고딕" panose="020B0503020000020004" pitchFamily="50" charset="-127"/>
+                <a:ea typeface="맑은 고딕" panose="020B0503020000020004" pitchFamily="50" charset="-127"/>
+              </a:rPr>
+            </a:br>
+            <a:r>
+              <a:rPr kumimoji="0" lang="en-US" altLang="ko-KR" sz="1400" b="0" i="0" u="none" strike="noStrike" cap="none" normalizeH="0" baseline="0">
+                <a:ln>
+                  <a:noFill/>
+                </a:ln>
+                <a:solidFill>
+                  <a:srgbClr val="24292F"/>
+                </a:solidFill>
+                <a:effectLst/>
+                <a:latin typeface="맑은 고딕" panose="020B0503020000020004" pitchFamily="50" charset="-127"/>
+                <a:ea typeface="맑은 고딕" panose="020B0503020000020004" pitchFamily="50" charset="-127"/>
+              </a:rPr>
+              <a:t>    </a:t>
+            </a:r>
+            <a:r>
+              <a:rPr kumimoji="0" lang="ko-KR" altLang="ko-KR" sz="1400" b="0" i="0" u="none" strike="noStrike" cap="none" normalizeH="0" baseline="0">
+                <a:ln>
+                  <a:noFill/>
+                </a:ln>
+                <a:solidFill>
+                  <a:srgbClr val="24292F"/>
+                </a:solidFill>
+                <a:effectLst/>
+                <a:latin typeface="맑은 고딕" panose="020B0503020000020004" pitchFamily="50" charset="-127"/>
+                <a:ea typeface="맑은 고딕" panose="020B0503020000020004" pitchFamily="50" charset="-127"/>
+              </a:rPr>
+              <a:t>스위칭 허브의 포트 부분의 포트로 부터 받은 패킷의 수신처 MAC 주소가 완전히 일치하는지 </a:t>
+            </a:r>
+            <a:r>
+              <a:rPr kumimoji="0" lang="en-US" altLang="ko-KR" sz="1400" b="0" i="0" u="none" strike="noStrike" cap="none" normalizeH="0" baseline="0">
+                <a:ln>
+                  <a:noFill/>
+                </a:ln>
+                <a:solidFill>
+                  <a:srgbClr val="24292F"/>
+                </a:solidFill>
+                <a:effectLst/>
+                <a:latin typeface="맑은 고딕" panose="020B0503020000020004" pitchFamily="50" charset="-127"/>
+                <a:ea typeface="맑은 고딕" panose="020B0503020000020004" pitchFamily="50" charset="-127"/>
+              </a:rPr>
+              <a:t>   </a:t>
+            </a:r>
+            <a:r>
+              <a:rPr kumimoji="0" lang="ko-KR" altLang="ko-KR" sz="1400" b="0" i="0" u="none" strike="noStrike" cap="none" normalizeH="0" baseline="0">
+                <a:ln>
+                  <a:noFill/>
+                </a:ln>
+                <a:solidFill>
+                  <a:srgbClr val="24292F"/>
+                </a:solidFill>
+                <a:effectLst/>
+                <a:latin typeface="맑은 고딕" panose="020B0503020000020004" pitchFamily="50" charset="-127"/>
+                <a:ea typeface="맑은 고딕" panose="020B0503020000020004" pitchFamily="50" charset="-127"/>
+              </a:rPr>
+              <a:t>조사한다.</a:t>
+            </a:r>
+            <a:r>
+              <a:rPr kumimoji="0" lang="ko-KR" altLang="ko-KR" sz="1400" b="0" i="0" u="none" strike="noStrike" cap="none" normalizeH="0" baseline="0">
+                <a:ln>
+                  <a:noFill/>
+                </a:ln>
+                <a:solidFill>
+                  <a:schemeClr val="tx1"/>
+                </a:solidFill>
+                <a:effectLst/>
+                <a:latin typeface="맑은 고딕" panose="020B0503020000020004" pitchFamily="50" charset="-127"/>
+                <a:ea typeface="맑은 고딕" panose="020B0503020000020004" pitchFamily="50" charset="-127"/>
+              </a:rPr>
+              <a:t> </a:t>
+            </a:r>
+          </a:p>
         </p:txBody>
       </p:sp>
-    </p:spTree>
-    <p:extLst>
-      <p:ext uri="{BB962C8B-B14F-4D97-AF65-F5344CB8AC3E}">
-        <p14:creationId xmlns:p14="http://schemas.microsoft.com/office/powerpoint/2010/main" val="2053952210"/>
-      </p:ext>
-    </p:extLst>
-  </p:cSld>
-  <p:clrMapOvr>
-    <a:masterClrMapping/>
-  </p:clrMapOvr>
-</p:sld>
-</file>
-
-<file path=ppt/slides/slide7.xml><?xml version="1.0" encoding="utf-8"?>
-<p:sld xmlns:a="http://schemas.openxmlformats.org/drawingml/2006/main" xmlns:r="http://schemas.openxmlformats.org/officeDocument/2006/relationships" xmlns:p="http://schemas.openxmlformats.org/presentationml/2006/main">
-  <p:cSld>
-    <p:spTree>
-      <p:nvGrpSpPr>
-        <p:cNvPr id="1" name=""/>
-        <p:cNvGrpSpPr/>
-        <p:nvPr/>
-      </p:nvGrpSpPr>
-      <p:grpSpPr>
-        <a:xfrm>
-          <a:off x="0" y="0"/>
-          <a:ext cx="0" cy="0"/>
-          <a:chOff x="0" y="0"/>
-          <a:chExt cx="0" cy="0"/>
-        </a:xfrm>
-      </p:grpSpPr>
       <p:sp>
         <p:nvSpPr>
-          <p:cNvPr id="9" name="Rectangle 150">
+          <p:cNvPr id="12" name="TextBox 11">
             <a:extLst>
               <a:ext uri="{FF2B5EF4-FFF2-40B4-BE49-F238E27FC236}">
-                <a16:creationId xmlns:a16="http://schemas.microsoft.com/office/drawing/2014/main" id="{B6D2B44A-A8AF-419F-A2C5-7317925249E9}"/>
+                <a16:creationId xmlns:a16="http://schemas.microsoft.com/office/drawing/2014/main" id="{029E4912-873A-4279-90F1-817759324759}"/>
               </a:ext>
             </a:extLst>
           </p:cNvPr>
@@ -9398,353 +11512,8 @@
         </p:nvSpPr>
         <p:spPr bwMode="auto">
           <a:xfrm>
-            <a:off x="1925737" y="2852936"/>
-            <a:ext cx="5292526" cy="647700"/>
-          </a:xfrm>
-          <a:prstGeom prst="rect">
-            <a:avLst/>
-          </a:prstGeom>
-          <a:noFill/>
-          <a:ln>
-            <a:noFill/>
-          </a:ln>
-          <a:effectLst/>
-          <a:extLst>
-            <a:ext uri="{909E8E84-426E-40DD-AFC4-6F175D3DCCD1}">
-              <a14:hiddenFill xmlns:a14="http://schemas.microsoft.com/office/drawing/2010/main">
-                <a:solidFill>
-                  <a:schemeClr val="accent1"/>
-                </a:solidFill>
-              </a14:hiddenFill>
-            </a:ext>
-            <a:ext uri="{91240B29-F687-4F45-9708-019B960494DF}">
-              <a14:hiddenLine xmlns:a14="http://schemas.microsoft.com/office/drawing/2010/main" w="9525">
-                <a:solidFill>
-                  <a:schemeClr val="tx1"/>
-                </a:solidFill>
-                <a:miter lim="800000"/>
-                <a:headEnd/>
-                <a:tailEnd/>
-              </a14:hiddenLine>
-            </a:ext>
-            <a:ext uri="{AF507438-7753-43E0-B8FC-AC1667EBCBE1}">
-              <a14:hiddenEffects xmlns:a14="http://schemas.microsoft.com/office/drawing/2010/main">
-                <a:effectLst>
-                  <a:outerShdw dist="35921" dir="2700000" algn="ctr" rotWithShape="0">
-                    <a:schemeClr val="bg2"/>
-                  </a:outerShdw>
-                </a:effectLst>
-              </a14:hiddenEffects>
-            </a:ext>
-          </a:extLst>
-        </p:spPr>
-        <p:txBody>
-          <a:bodyPr vert="horz" wrap="square" lIns="91440" tIns="45720" rIns="91440" bIns="45720" numCol="1" anchor="ctr" anchorCtr="0" compatLnSpc="1">
-            <a:prstTxWarp prst="textNoShape">
-              <a:avLst/>
-            </a:prstTxWarp>
-          </a:bodyPr>
-          <a:lstStyle>
-            <a:lvl1pPr algn="ctr" rtl="0" eaLnBrk="0" fontAlgn="base" hangingPunct="0">
-              <a:spcBef>
-                <a:spcPct val="0"/>
-              </a:spcBef>
-              <a:spcAft>
-                <a:spcPct val="0"/>
-              </a:spcAft>
-              <a:defRPr sz="4400" kern="1200">
-                <a:solidFill>
-                  <a:schemeClr val="tx2"/>
-                </a:solidFill>
-                <a:latin typeface="맑은 고딕" panose="020B0503020000020004" pitchFamily="50" charset="-127"/>
-                <a:ea typeface="맑은 고딕" panose="020B0503020000020004" pitchFamily="50" charset="-127"/>
-                <a:cs typeface="+mj-cs"/>
-              </a:defRPr>
-            </a:lvl1pPr>
-            <a:lvl2pPr algn="ctr" rtl="0" eaLnBrk="0" fontAlgn="base" hangingPunct="0">
-              <a:spcBef>
-                <a:spcPct val="0"/>
-              </a:spcBef>
-              <a:spcAft>
-                <a:spcPct val="0"/>
-              </a:spcAft>
-              <a:defRPr sz="4400">
-                <a:solidFill>
-                  <a:schemeClr val="tx2"/>
-                </a:solidFill>
-                <a:latin typeface="Arial" panose="020B0604020202020204" pitchFamily="34" charset="0"/>
-                <a:ea typeface="Arial Unicode MS" panose="020B0604020202020204" pitchFamily="50" charset="-127"/>
-                <a:cs typeface="Arial" panose="020B0604020202020204" pitchFamily="34" charset="0"/>
-              </a:defRPr>
-            </a:lvl2pPr>
-            <a:lvl3pPr algn="ctr" rtl="0" eaLnBrk="0" fontAlgn="base" hangingPunct="0">
-              <a:spcBef>
-                <a:spcPct val="0"/>
-              </a:spcBef>
-              <a:spcAft>
-                <a:spcPct val="0"/>
-              </a:spcAft>
-              <a:defRPr sz="4400">
-                <a:solidFill>
-                  <a:schemeClr val="tx2"/>
-                </a:solidFill>
-                <a:latin typeface="Arial" panose="020B0604020202020204" pitchFamily="34" charset="0"/>
-                <a:ea typeface="Arial Unicode MS" panose="020B0604020202020204" pitchFamily="50" charset="-127"/>
-                <a:cs typeface="Arial" panose="020B0604020202020204" pitchFamily="34" charset="0"/>
-              </a:defRPr>
-            </a:lvl3pPr>
-            <a:lvl4pPr algn="ctr" rtl="0" eaLnBrk="0" fontAlgn="base" hangingPunct="0">
-              <a:spcBef>
-                <a:spcPct val="0"/>
-              </a:spcBef>
-              <a:spcAft>
-                <a:spcPct val="0"/>
-              </a:spcAft>
-              <a:defRPr sz="4400">
-                <a:solidFill>
-                  <a:schemeClr val="tx2"/>
-                </a:solidFill>
-                <a:latin typeface="Arial" panose="020B0604020202020204" pitchFamily="34" charset="0"/>
-                <a:ea typeface="Arial Unicode MS" panose="020B0604020202020204" pitchFamily="50" charset="-127"/>
-                <a:cs typeface="Arial" panose="020B0604020202020204" pitchFamily="34" charset="0"/>
-              </a:defRPr>
-            </a:lvl4pPr>
-            <a:lvl5pPr algn="ctr" rtl="0" eaLnBrk="0" fontAlgn="base" hangingPunct="0">
-              <a:spcBef>
-                <a:spcPct val="0"/>
-              </a:spcBef>
-              <a:spcAft>
-                <a:spcPct val="0"/>
-              </a:spcAft>
-              <a:defRPr sz="4400">
-                <a:solidFill>
-                  <a:schemeClr val="tx2"/>
-                </a:solidFill>
-                <a:latin typeface="Arial" panose="020B0604020202020204" pitchFamily="34" charset="0"/>
-                <a:ea typeface="Arial Unicode MS" panose="020B0604020202020204" pitchFamily="50" charset="-127"/>
-                <a:cs typeface="Arial" panose="020B0604020202020204" pitchFamily="34" charset="0"/>
-              </a:defRPr>
-            </a:lvl5pPr>
-            <a:lvl6pPr marL="457200" algn="ctr" rtl="0" fontAlgn="base">
-              <a:spcBef>
-                <a:spcPct val="0"/>
-              </a:spcBef>
-              <a:spcAft>
-                <a:spcPct val="0"/>
-              </a:spcAft>
-              <a:defRPr sz="4400">
-                <a:solidFill>
-                  <a:schemeClr val="tx2"/>
-                </a:solidFill>
-                <a:latin typeface="Arial" panose="020B0604020202020204" pitchFamily="34" charset="0"/>
-                <a:cs typeface="Arial" panose="020B0604020202020204" pitchFamily="34" charset="0"/>
-              </a:defRPr>
-            </a:lvl6pPr>
-            <a:lvl7pPr marL="914400" algn="ctr" rtl="0" fontAlgn="base">
-              <a:spcBef>
-                <a:spcPct val="0"/>
-              </a:spcBef>
-              <a:spcAft>
-                <a:spcPct val="0"/>
-              </a:spcAft>
-              <a:defRPr sz="4400">
-                <a:solidFill>
-                  <a:schemeClr val="tx2"/>
-                </a:solidFill>
-                <a:latin typeface="Arial" panose="020B0604020202020204" pitchFamily="34" charset="0"/>
-                <a:cs typeface="Arial" panose="020B0604020202020204" pitchFamily="34" charset="0"/>
-              </a:defRPr>
-            </a:lvl7pPr>
-            <a:lvl8pPr marL="1371600" algn="ctr" rtl="0" fontAlgn="base">
-              <a:spcBef>
-                <a:spcPct val="0"/>
-              </a:spcBef>
-              <a:spcAft>
-                <a:spcPct val="0"/>
-              </a:spcAft>
-              <a:defRPr sz="4400">
-                <a:solidFill>
-                  <a:schemeClr val="tx2"/>
-                </a:solidFill>
-                <a:latin typeface="Arial" panose="020B0604020202020204" pitchFamily="34" charset="0"/>
-                <a:cs typeface="Arial" panose="020B0604020202020204" pitchFamily="34" charset="0"/>
-              </a:defRPr>
-            </a:lvl8pPr>
-            <a:lvl9pPr marL="1828800" algn="ctr" rtl="0" fontAlgn="base">
-              <a:spcBef>
-                <a:spcPct val="0"/>
-              </a:spcBef>
-              <a:spcAft>
-                <a:spcPct val="0"/>
-              </a:spcAft>
-              <a:defRPr sz="4400">
-                <a:solidFill>
-                  <a:schemeClr val="tx2"/>
-                </a:solidFill>
-                <a:latin typeface="Arial" panose="020B0604020202020204" pitchFamily="34" charset="0"/>
-                <a:cs typeface="Arial" panose="020B0604020202020204" pitchFamily="34" charset="0"/>
-              </a:defRPr>
-            </a:lvl9pPr>
-          </a:lstStyle>
-          <a:p>
-            <a:pPr eaLnBrk="1" hangingPunct="1"/>
-            <a:r>
-              <a:rPr lang="ko-KR" altLang="en-US" sz="3200" b="1">
-                <a:solidFill>
-                  <a:schemeClr val="tx1"/>
-                </a:solidFill>
-              </a:rPr>
-              <a:t>라우터</a:t>
-            </a:r>
-            <a:endParaRPr lang="es-ES" altLang="ko-KR" sz="3200" b="1">
-              <a:solidFill>
-                <a:schemeClr val="tx1"/>
-              </a:solidFill>
-            </a:endParaRPr>
-          </a:p>
-        </p:txBody>
-      </p:sp>
-    </p:spTree>
-    <p:extLst>
-      <p:ext uri="{BB962C8B-B14F-4D97-AF65-F5344CB8AC3E}">
-        <p14:creationId xmlns:p14="http://schemas.microsoft.com/office/powerpoint/2010/main" val="1536504999"/>
-      </p:ext>
-    </p:extLst>
-  </p:cSld>
-  <p:clrMapOvr>
-    <a:masterClrMapping/>
-  </p:clrMapOvr>
-</p:sld>
-</file>
-
-<file path=ppt/slides/slide8.xml><?xml version="1.0" encoding="utf-8"?>
-<p:sld xmlns:a="http://schemas.openxmlformats.org/drawingml/2006/main" xmlns:r="http://schemas.openxmlformats.org/officeDocument/2006/relationships" xmlns:p="http://schemas.openxmlformats.org/presentationml/2006/main">
-  <p:cSld>
-    <p:spTree>
-      <p:nvGrpSpPr>
-        <p:cNvPr id="1" name=""/>
-        <p:cNvGrpSpPr/>
-        <p:nvPr/>
-      </p:nvGrpSpPr>
-      <p:grpSpPr>
-        <a:xfrm>
-          <a:off x="0" y="0"/>
-          <a:ext cx="0" cy="0"/>
-          <a:chOff x="0" y="0"/>
-          <a:chExt cx="0" cy="0"/>
-        </a:xfrm>
-      </p:grpSpPr>
-      <p:sp>
-        <p:nvSpPr>
-          <p:cNvPr id="5122" name="Rectangle 2">
-            <a:extLst>
-              <a:ext uri="{FF2B5EF4-FFF2-40B4-BE49-F238E27FC236}">
-                <a16:creationId xmlns:a16="http://schemas.microsoft.com/office/drawing/2014/main" id="{5A5441BC-21C9-4C4E-8617-73A39EC832C7}"/>
-              </a:ext>
-            </a:extLst>
-          </p:cNvPr>
-          <p:cNvSpPr>
-            <a:spLocks noGrp="1" noChangeArrowheads="1"/>
-          </p:cNvSpPr>
-          <p:nvPr>
-            <p:ph type="title"/>
-          </p:nvPr>
-        </p:nvSpPr>
-        <p:spPr>
-          <a:xfrm>
-            <a:off x="457200" y="188913"/>
-            <a:ext cx="8229600" cy="1295400"/>
-          </a:xfrm>
-        </p:spPr>
-        <p:txBody>
-          <a:bodyPr/>
-          <a:lstStyle/>
-          <a:p>
-            <a:pPr algn="l"/>
-            <a:r>
-              <a:rPr lang="ko-KR" altLang="en-US" sz="3200" i="0">
-                <a:solidFill>
-                  <a:srgbClr val="24292F"/>
-                </a:solidFill>
-                <a:effectLst/>
-                <a:latin typeface="-apple-system"/>
-              </a:rPr>
-              <a:t>라우터의 중계 동작</a:t>
-            </a:r>
-            <a:endParaRPr lang="en-US" altLang="ko-KR" sz="3200" i="0">
-              <a:solidFill>
-                <a:srgbClr val="24292F"/>
-              </a:solidFill>
-              <a:effectLst/>
-              <a:latin typeface="-apple-system"/>
-            </a:endParaRPr>
-          </a:p>
-        </p:txBody>
-      </p:sp>
-      <p:cxnSp>
-        <p:nvCxnSpPr>
-          <p:cNvPr id="3" name="직선 연결선 2">
-            <a:extLst>
-              <a:ext uri="{FF2B5EF4-FFF2-40B4-BE49-F238E27FC236}">
-                <a16:creationId xmlns:a16="http://schemas.microsoft.com/office/drawing/2014/main" id="{00016A16-78F9-4CDB-B5A3-E7D1D56285D2}"/>
-              </a:ext>
-            </a:extLst>
-          </p:cNvPr>
-          <p:cNvCxnSpPr/>
-          <p:nvPr/>
-        </p:nvCxnSpPr>
-        <p:spPr bwMode="auto">
-          <a:xfrm>
-            <a:off x="575556" y="1268760"/>
-            <a:ext cx="7992888" cy="0"/>
-          </a:xfrm>
-          <a:prstGeom prst="line">
-            <a:avLst/>
-          </a:prstGeom>
-          <a:solidFill>
-            <a:schemeClr val="accent1"/>
-          </a:solidFill>
-          <a:ln w="25400" cap="flat" cmpd="sng" algn="ctr">
-            <a:solidFill>
-              <a:schemeClr val="tx1"/>
-            </a:solidFill>
-            <a:prstDash val="solid"/>
-            <a:round/>
-            <a:headEnd type="none" w="med" len="med"/>
-            <a:tailEnd type="none" w="med" len="med"/>
-          </a:ln>
-          <a:effectLst/>
-          <a:extLst>
-            <a:ext uri="{AF507438-7753-43E0-B8FC-AC1667EBCBE1}">
-              <a14:hiddenEffects xmlns:a14="http://schemas.microsoft.com/office/drawing/2010/main">
-                <a:effectLst>
-                  <a:outerShdw dist="35921" dir="2700000" algn="ctr" rotWithShape="0">
-                    <a:schemeClr val="bg2"/>
-                  </a:outerShdw>
-                </a:effectLst>
-              </a14:hiddenEffects>
-            </a:ext>
-          </a:extLst>
-        </p:spPr>
-      </p:cxnSp>
-      <p:sp>
-        <p:nvSpPr>
-          <p:cNvPr id="12" name="TextBox 11">
-            <a:extLst>
-              <a:ext uri="{FF2B5EF4-FFF2-40B4-BE49-F238E27FC236}">
-                <a16:creationId xmlns:a16="http://schemas.microsoft.com/office/drawing/2014/main" id="{7764B4AD-771E-4A67-80D5-E5D6B96F2A8A}"/>
-              </a:ext>
-            </a:extLst>
-          </p:cNvPr>
-          <p:cNvSpPr txBox="1">
-            <a:spLocks noChangeArrowheads="1"/>
-          </p:cNvSpPr>
-          <p:nvPr/>
-        </p:nvSpPr>
-        <p:spPr bwMode="auto">
-          <a:xfrm>
-            <a:off x="565684" y="1402138"/>
-            <a:ext cx="8229600" cy="1169551"/>
+            <a:off x="575556" y="4415450"/>
+            <a:ext cx="8229600" cy="307777"/>
           </a:xfrm>
           <a:prstGeom prst="rect">
             <a:avLst/>
@@ -9932,7 +11701,7 @@
                 <a:latin typeface="맑은 고딕" panose="020B0503020000020004" pitchFamily="50" charset="-127"/>
                 <a:ea typeface="맑은 고딕" panose="020B0503020000020004" pitchFamily="50" charset="-127"/>
               </a:rPr>
-              <a:t>1. </a:t>
+              <a:t>3. </a:t>
             </a:r>
             <a:r>
               <a:rPr lang="ko-KR" altLang="en-US" sz="1400" b="1">
@@ -9942,7 +11711,7 @@
                 <a:latin typeface="맑은 고딕" panose="020B0503020000020004" pitchFamily="50" charset="-127"/>
                 <a:ea typeface="맑은 고딕" panose="020B0503020000020004" pitchFamily="50" charset="-127"/>
               </a:rPr>
-              <a:t>패킷을 수신한다</a:t>
+              <a:t>패킷을 송신한다</a:t>
             </a:r>
             <a:r>
               <a:rPr lang="en-US" altLang="ko-KR" sz="1400" b="1">
@@ -9953,92 +11722,6 @@
                 <a:ea typeface="맑은 고딕" panose="020B0503020000020004" pitchFamily="50" charset="-127"/>
               </a:rPr>
               <a:t>.</a:t>
-            </a:r>
-            <a:br>
-              <a:rPr lang="en-US" altLang="ko-KR" sz="1400">
-                <a:solidFill>
-                  <a:srgbClr val="000000"/>
-                </a:solidFill>
-                <a:latin typeface="맑은 고딕" panose="020B0503020000020004" pitchFamily="50" charset="-127"/>
-                <a:ea typeface="맑은 고딕" panose="020B0503020000020004" pitchFamily="50" charset="-127"/>
-              </a:rPr>
-            </a:br>
-            <a:br>
-              <a:rPr lang="en-US" altLang="ko-KR" sz="1400">
-                <a:solidFill>
-                  <a:srgbClr val="000000"/>
-                </a:solidFill>
-                <a:latin typeface="맑은 고딕" panose="020B0503020000020004" pitchFamily="50" charset="-127"/>
-                <a:ea typeface="맑은 고딕" panose="020B0503020000020004" pitchFamily="50" charset="-127"/>
-              </a:rPr>
-            </a:br>
-            <a:r>
-              <a:rPr lang="en-US" altLang="ko-KR" sz="1400">
-                <a:solidFill>
-                  <a:srgbClr val="000000"/>
-                </a:solidFill>
-                <a:latin typeface="맑은 고딕" panose="020B0503020000020004" pitchFamily="50" charset="-127"/>
-                <a:ea typeface="맑은 고딕" panose="020B0503020000020004" pitchFamily="50" charset="-127"/>
-              </a:rPr>
-              <a:t>    </a:t>
-            </a:r>
-            <a:r>
-              <a:rPr lang="ko-KR" altLang="en-US" sz="1400">
-                <a:solidFill>
-                  <a:srgbClr val="000000"/>
-                </a:solidFill>
-                <a:latin typeface="맑은 고딕" panose="020B0503020000020004" pitchFamily="50" charset="-127"/>
-                <a:ea typeface="맑은 고딕" panose="020B0503020000020004" pitchFamily="50" charset="-127"/>
-              </a:rPr>
-              <a:t>라우터의 포트 부분의 하드웨어의 통신 규칙에 따라 패킷을 수신한다</a:t>
-            </a:r>
-            <a:r>
-              <a:rPr lang="en-US" altLang="ko-KR" sz="1400">
-                <a:solidFill>
-                  <a:srgbClr val="000000"/>
-                </a:solidFill>
-                <a:latin typeface="맑은 고딕" panose="020B0503020000020004" pitchFamily="50" charset="-127"/>
-                <a:ea typeface="맑은 고딕" panose="020B0503020000020004" pitchFamily="50" charset="-127"/>
-              </a:rPr>
-              <a:t>.</a:t>
-            </a:r>
-            <a:br>
-              <a:rPr lang="en-US" altLang="ko-KR" sz="1400">
-                <a:solidFill>
-                  <a:srgbClr val="000000"/>
-                </a:solidFill>
-                <a:latin typeface="맑은 고딕" panose="020B0503020000020004" pitchFamily="50" charset="-127"/>
-                <a:ea typeface="맑은 고딕" panose="020B0503020000020004" pitchFamily="50" charset="-127"/>
-              </a:rPr>
-            </a:br>
-            <a:br>
-              <a:rPr lang="en-US" altLang="ko-KR" sz="1400">
-                <a:solidFill>
-                  <a:srgbClr val="000000"/>
-                </a:solidFill>
-                <a:latin typeface="맑은 고딕" panose="020B0503020000020004" pitchFamily="50" charset="-127"/>
-                <a:ea typeface="맑은 고딕" panose="020B0503020000020004" pitchFamily="50" charset="-127"/>
-              </a:rPr>
-            </a:br>
-            <a:r>
-              <a:rPr lang="en-US" altLang="ko-KR" sz="1400">
-                <a:solidFill>
-                  <a:srgbClr val="000000"/>
-                </a:solidFill>
-                <a:latin typeface="맑은 고딕" panose="020B0503020000020004" pitchFamily="50" charset="-127"/>
-                <a:ea typeface="맑은 고딕" panose="020B0503020000020004" pitchFamily="50" charset="-127"/>
-              </a:rPr>
-              <a:t>    </a:t>
-            </a:r>
-            <a:r>
-              <a:rPr lang="ko-KR" altLang="en-US" sz="1400">
-                <a:solidFill>
-                  <a:srgbClr val="000000"/>
-                </a:solidFill>
-                <a:latin typeface="맑은 고딕" panose="020B0503020000020004" pitchFamily="50" charset="-127"/>
-                <a:ea typeface="맑은 고딕" panose="020B0503020000020004" pitchFamily="50" charset="-127"/>
-              </a:rPr>
-              <a:t>여기서 통신 규칙은 이더넷을 말한다</a:t>
             </a:r>
             <a:endParaRPr lang="en-US" altLang="ko-KR" sz="1400">
               <a:solidFill>
@@ -10050,12 +11733,42 @@
           </a:p>
         </p:txBody>
       </p:sp>
+      <p:pic>
+        <p:nvPicPr>
+          <p:cNvPr id="5" name="그림 4">
+            <a:extLst>
+              <a:ext uri="{FF2B5EF4-FFF2-40B4-BE49-F238E27FC236}">
+                <a16:creationId xmlns:a16="http://schemas.microsoft.com/office/drawing/2014/main" id="{02FAFA3C-119B-432E-96F9-859A899CD545}"/>
+              </a:ext>
+            </a:extLst>
+          </p:cNvPr>
+          <p:cNvPicPr>
+            <a:picLocks noChangeAspect="1"/>
+          </p:cNvPicPr>
+          <p:nvPr/>
+        </p:nvPicPr>
+        <p:blipFill>
+          <a:blip r:embed="rId2"/>
+          <a:stretch>
+            <a:fillRect/>
+          </a:stretch>
+        </p:blipFill>
+        <p:spPr>
+          <a:xfrm>
+            <a:off x="827584" y="3249899"/>
+            <a:ext cx="4401164" cy="1095528"/>
+          </a:xfrm>
+          <a:prstGeom prst="rect">
+            <a:avLst/>
+          </a:prstGeom>
+        </p:spPr>
+      </p:pic>
       <p:sp>
         <p:nvSpPr>
           <p:cNvPr id="14" name="TextBox 13">
             <a:extLst>
               <a:ext uri="{FF2B5EF4-FFF2-40B4-BE49-F238E27FC236}">
-                <a16:creationId xmlns:a16="http://schemas.microsoft.com/office/drawing/2014/main" id="{B1FAB4ED-2481-44B4-BDCF-B812321B7FB1}"/>
+                <a16:creationId xmlns:a16="http://schemas.microsoft.com/office/drawing/2014/main" id="{3525AFEF-3DA3-4AE9-AE82-C99622BBD0EB}"/>
               </a:ext>
             </a:extLst>
           </p:cNvPr>
@@ -10066,8 +11779,8 @@
         </p:nvSpPr>
         <p:spPr bwMode="auto">
           <a:xfrm>
-            <a:off x="899592" y="2650105"/>
-            <a:ext cx="6840760" cy="954107"/>
+            <a:off x="4966253" y="5573149"/>
+            <a:ext cx="3873116" cy="1040285"/>
           </a:xfrm>
           <a:prstGeom prst="rect">
             <a:avLst/>
@@ -10258,15 +11971,28 @@
                 <a:ea typeface="맑은 고딕" panose="020B0503020000020004" pitchFamily="50" charset="-127"/>
               </a:rPr>
             </a:br>
-            <a:br>
-              <a:rPr lang="en-US" altLang="ko-KR" sz="1400" b="1">
+            <a:endParaRPr lang="en-US" altLang="ko-KR" sz="1400">
+              <a:solidFill>
+                <a:srgbClr val="24292F"/>
+              </a:solidFill>
+              <a:latin typeface="맑은 고딕" panose="020B0503020000020004" pitchFamily="50" charset="-127"/>
+              <a:ea typeface="맑은 고딕" panose="020B0503020000020004" pitchFamily="50" charset="-127"/>
+            </a:endParaRPr>
+          </a:p>
+          <a:p>
+            <a:pPr>
+              <a:buNone/>
+            </a:pPr>
+            <a:r>
+              <a:rPr lang="en-US" altLang="ko-KR" sz="1400">
                 <a:solidFill>
                   <a:srgbClr val="24292F"/>
                 </a:solidFill>
                 <a:latin typeface="맑은 고딕" panose="020B0503020000020004" pitchFamily="50" charset="-127"/>
                 <a:ea typeface="맑은 고딕" panose="020B0503020000020004" pitchFamily="50" charset="-127"/>
               </a:rPr>
-            </a:br>
+              <a:t>2. </a:t>
+            </a:r>
             <a:r>
               <a:rPr lang="ko-KR" altLang="en-US" sz="1400">
                 <a:solidFill>
@@ -10275,7 +12001,7 @@
                 <a:latin typeface="맑은 고딕" panose="020B0503020000020004" pitchFamily="50" charset="-127"/>
                 <a:ea typeface="맑은 고딕" panose="020B0503020000020004" pitchFamily="50" charset="-127"/>
               </a:rPr>
-              <a:t>기기의 포트 부분의 포트가 수신한 패킷의 </a:t>
+              <a:t>아무도 송신중이지 않다는 것을 확인한다</a:t>
             </a:r>
             <a:r>
               <a:rPr lang="en-US" altLang="ko-KR" sz="1400">
@@ -10285,7 +12011,22 @@
                 <a:latin typeface="맑은 고딕" panose="020B0503020000020004" pitchFamily="50" charset="-127"/>
                 <a:ea typeface="맑은 고딕" panose="020B0503020000020004" pitchFamily="50" charset="-127"/>
               </a:rPr>
-              <a:t>MAC </a:t>
+              <a:t>.</a:t>
+            </a:r>
+          </a:p>
+          <a:p>
+            <a:pPr>
+              <a:buNone/>
+            </a:pPr>
+            <a:r>
+              <a:rPr lang="en-US" altLang="ko-KR" sz="1400">
+                <a:solidFill>
+                  <a:srgbClr val="24292F"/>
+                </a:solidFill>
+                <a:latin typeface="맑은 고딕" panose="020B0503020000020004" pitchFamily="50" charset="-127"/>
+                <a:ea typeface="맑은 고딕" panose="020B0503020000020004" pitchFamily="50" charset="-127"/>
+              </a:rPr>
+              <a:t>3. </a:t>
             </a:r>
             <a:r>
               <a:rPr lang="ko-KR" altLang="en-US" sz="1400">
@@ -10295,27 +12036,7 @@
                 <a:latin typeface="맑은 고딕" panose="020B0503020000020004" pitchFamily="50" charset="-127"/>
                 <a:ea typeface="맑은 고딕" panose="020B0503020000020004" pitchFamily="50" charset="-127"/>
               </a:rPr>
-              <a:t>주소에 해당하는 패킷만 수신하고</a:t>
-            </a:r>
-            <a:r>
-              <a:rPr lang="en-US" altLang="ko-KR" sz="1400">
-                <a:solidFill>
-                  <a:srgbClr val="24292F"/>
-                </a:solidFill>
-                <a:latin typeface="맑은 고딕" panose="020B0503020000020004" pitchFamily="50" charset="-127"/>
-                <a:ea typeface="맑은 고딕" panose="020B0503020000020004" pitchFamily="50" charset="-127"/>
-              </a:rPr>
-              <a:t>, </a:t>
-            </a:r>
-            <a:r>
-              <a:rPr lang="ko-KR" altLang="en-US" sz="1400">
-                <a:solidFill>
-                  <a:srgbClr val="24292F"/>
-                </a:solidFill>
-                <a:latin typeface="맑은 고딕" panose="020B0503020000020004" pitchFamily="50" charset="-127"/>
-                <a:ea typeface="맑은 고딕" panose="020B0503020000020004" pitchFamily="50" charset="-127"/>
-              </a:rPr>
-              <a:t>그 외의 패킷은 폐기한다</a:t>
+              <a:t>라우터 간의 패킷 운반을 담당한다</a:t>
             </a:r>
             <a:r>
               <a:rPr lang="en-US" altLang="ko-KR" sz="1400">
@@ -10330,40 +12051,56 @@
           </a:p>
         </p:txBody>
       </p:sp>
-      <p:pic>
-        <p:nvPicPr>
-          <p:cNvPr id="4" name="그림 3">
+      <p:cxnSp>
+        <p:nvCxnSpPr>
+          <p:cNvPr id="15" name="직선 화살표 연결선 14">
             <a:extLst>
               <a:ext uri="{FF2B5EF4-FFF2-40B4-BE49-F238E27FC236}">
-                <a16:creationId xmlns:a16="http://schemas.microsoft.com/office/drawing/2014/main" id="{E4F2779C-C674-47BA-BB96-5E5B101121AA}"/>
+                <a16:creationId xmlns:a16="http://schemas.microsoft.com/office/drawing/2014/main" id="{DFB2D8CE-AF03-4C79-9E91-D0BC1420D762}"/>
               </a:ext>
             </a:extLst>
           </p:cNvPr>
-          <p:cNvPicPr>
-            <a:picLocks noChangeAspect="1"/>
-          </p:cNvPicPr>
+          <p:cNvCxnSpPr/>
           <p:nvPr/>
-        </p:nvPicPr>
-        <p:blipFill>
-          <a:blip r:embed="rId2"/>
-          <a:stretch>
-            <a:fillRect/>
-          </a:stretch>
-        </p:blipFill>
-        <p:spPr>
+        </p:nvCxnSpPr>
+        <p:spPr bwMode="auto">
           <a:xfrm>
-            <a:off x="0" y="4165816"/>
-            <a:ext cx="9144000" cy="2663837"/>
+            <a:off x="6588224" y="3152454"/>
+            <a:ext cx="144016" cy="2323250"/>
           </a:xfrm>
-          <a:prstGeom prst="rect">
+          <a:prstGeom prst="straightConnector1">
             <a:avLst/>
           </a:prstGeom>
+          <a:solidFill>
+            <a:schemeClr val="accent1"/>
+          </a:solidFill>
+          <a:ln w="9525" cap="flat" cmpd="sng" algn="ctr">
+            <a:solidFill>
+              <a:schemeClr val="tx1"/>
+            </a:solidFill>
+            <a:prstDash val="solid"/>
+            <a:round/>
+            <a:headEnd type="none" w="med" len="med"/>
+            <a:tailEnd type="triangle"/>
+          </a:ln>
+          <a:effectLst/>
+          <a:extLst>
+            <a:ext uri="{AF507438-7753-43E0-B8FC-AC1667EBCBE1}">
+              <a14:hiddenEffects xmlns:a14="http://schemas.microsoft.com/office/drawing/2010/main">
+                <a:effectLst>
+                  <a:outerShdw dist="35921" dir="2700000" algn="ctr" rotWithShape="0">
+                    <a:schemeClr val="bg2"/>
+                  </a:outerShdw>
+                </a:effectLst>
+              </a14:hiddenEffects>
+            </a:ext>
+          </a:extLst>
         </p:spPr>
-      </p:pic>
+      </p:cxnSp>
     </p:spTree>
     <p:extLst>
       <p:ext uri="{BB962C8B-B14F-4D97-AF65-F5344CB8AC3E}">
-        <p14:creationId xmlns:p14="http://schemas.microsoft.com/office/powerpoint/2010/main" val="274249131"/>
+        <p14:creationId xmlns:p14="http://schemas.microsoft.com/office/powerpoint/2010/main" val="933014431"/>
       </p:ext>
     </p:extLst>
   </p:cSld>
@@ -10451,6 +12188,258 @@
 </p:sld>
 </file>
 
+<file path=ppt/slides/slide8.xml><?xml version="1.0" encoding="utf-8"?>
+<p:sld xmlns:a="http://schemas.openxmlformats.org/drawingml/2006/main" xmlns:r="http://schemas.openxmlformats.org/officeDocument/2006/relationships" xmlns:p="http://schemas.openxmlformats.org/presentationml/2006/main">
+  <p:cSld>
+    <p:spTree>
+      <p:nvGrpSpPr>
+        <p:cNvPr id="1" name=""/>
+        <p:cNvGrpSpPr/>
+        <p:nvPr/>
+      </p:nvGrpSpPr>
+      <p:grpSpPr>
+        <a:xfrm>
+          <a:off x="0" y="0"/>
+          <a:ext cx="0" cy="0"/>
+          <a:chOff x="0" y="0"/>
+          <a:chExt cx="0" cy="0"/>
+        </a:xfrm>
+      </p:grpSpPr>
+      <p:sp>
+        <p:nvSpPr>
+          <p:cNvPr id="9" name="Rectangle 150">
+            <a:extLst>
+              <a:ext uri="{FF2B5EF4-FFF2-40B4-BE49-F238E27FC236}">
+                <a16:creationId xmlns:a16="http://schemas.microsoft.com/office/drawing/2014/main" id="{B6D2B44A-A8AF-419F-A2C5-7317925249E9}"/>
+              </a:ext>
+            </a:extLst>
+          </p:cNvPr>
+          <p:cNvSpPr txBox="1">
+            <a:spLocks noChangeArrowheads="1"/>
+          </p:cNvSpPr>
+          <p:nvPr/>
+        </p:nvSpPr>
+        <p:spPr bwMode="auto">
+          <a:xfrm>
+            <a:off x="1925737" y="2852936"/>
+            <a:ext cx="5292526" cy="647700"/>
+          </a:xfrm>
+          <a:prstGeom prst="rect">
+            <a:avLst/>
+          </a:prstGeom>
+          <a:noFill/>
+          <a:ln>
+            <a:noFill/>
+          </a:ln>
+          <a:effectLst/>
+          <a:extLst>
+            <a:ext uri="{909E8E84-426E-40DD-AFC4-6F175D3DCCD1}">
+              <a14:hiddenFill xmlns:a14="http://schemas.microsoft.com/office/drawing/2010/main">
+                <a:solidFill>
+                  <a:schemeClr val="accent1"/>
+                </a:solidFill>
+              </a14:hiddenFill>
+            </a:ext>
+            <a:ext uri="{91240B29-F687-4F45-9708-019B960494DF}">
+              <a14:hiddenLine xmlns:a14="http://schemas.microsoft.com/office/drawing/2010/main" w="9525">
+                <a:solidFill>
+                  <a:schemeClr val="tx1"/>
+                </a:solidFill>
+                <a:miter lim="800000"/>
+                <a:headEnd/>
+                <a:tailEnd/>
+              </a14:hiddenLine>
+            </a:ext>
+            <a:ext uri="{AF507438-7753-43E0-B8FC-AC1667EBCBE1}">
+              <a14:hiddenEffects xmlns:a14="http://schemas.microsoft.com/office/drawing/2010/main">
+                <a:effectLst>
+                  <a:outerShdw dist="35921" dir="2700000" algn="ctr" rotWithShape="0">
+                    <a:schemeClr val="bg2"/>
+                  </a:outerShdw>
+                </a:effectLst>
+              </a14:hiddenEffects>
+            </a:ext>
+          </a:extLst>
+        </p:spPr>
+        <p:txBody>
+          <a:bodyPr vert="horz" wrap="square" lIns="91440" tIns="45720" rIns="91440" bIns="45720" numCol="1" anchor="ctr" anchorCtr="0" compatLnSpc="1">
+            <a:prstTxWarp prst="textNoShape">
+              <a:avLst/>
+            </a:prstTxWarp>
+          </a:bodyPr>
+          <a:lstStyle>
+            <a:lvl1pPr algn="ctr" rtl="0" eaLnBrk="0" fontAlgn="base" hangingPunct="0">
+              <a:spcBef>
+                <a:spcPct val="0"/>
+              </a:spcBef>
+              <a:spcAft>
+                <a:spcPct val="0"/>
+              </a:spcAft>
+              <a:defRPr sz="4400" kern="1200">
+                <a:solidFill>
+                  <a:schemeClr val="tx2"/>
+                </a:solidFill>
+                <a:latin typeface="맑은 고딕" panose="020B0503020000020004" pitchFamily="50" charset="-127"/>
+                <a:ea typeface="맑은 고딕" panose="020B0503020000020004" pitchFamily="50" charset="-127"/>
+                <a:cs typeface="+mj-cs"/>
+              </a:defRPr>
+            </a:lvl1pPr>
+            <a:lvl2pPr algn="ctr" rtl="0" eaLnBrk="0" fontAlgn="base" hangingPunct="0">
+              <a:spcBef>
+                <a:spcPct val="0"/>
+              </a:spcBef>
+              <a:spcAft>
+                <a:spcPct val="0"/>
+              </a:spcAft>
+              <a:defRPr sz="4400">
+                <a:solidFill>
+                  <a:schemeClr val="tx2"/>
+                </a:solidFill>
+                <a:latin typeface="Arial" panose="020B0604020202020204" pitchFamily="34" charset="0"/>
+                <a:ea typeface="Arial Unicode MS" panose="020B0604020202020204" pitchFamily="50" charset="-127"/>
+                <a:cs typeface="Arial" panose="020B0604020202020204" pitchFamily="34" charset="0"/>
+              </a:defRPr>
+            </a:lvl2pPr>
+            <a:lvl3pPr algn="ctr" rtl="0" eaLnBrk="0" fontAlgn="base" hangingPunct="0">
+              <a:spcBef>
+                <a:spcPct val="0"/>
+              </a:spcBef>
+              <a:spcAft>
+                <a:spcPct val="0"/>
+              </a:spcAft>
+              <a:defRPr sz="4400">
+                <a:solidFill>
+                  <a:schemeClr val="tx2"/>
+                </a:solidFill>
+                <a:latin typeface="Arial" panose="020B0604020202020204" pitchFamily="34" charset="0"/>
+                <a:ea typeface="Arial Unicode MS" panose="020B0604020202020204" pitchFamily="50" charset="-127"/>
+                <a:cs typeface="Arial" panose="020B0604020202020204" pitchFamily="34" charset="0"/>
+              </a:defRPr>
+            </a:lvl3pPr>
+            <a:lvl4pPr algn="ctr" rtl="0" eaLnBrk="0" fontAlgn="base" hangingPunct="0">
+              <a:spcBef>
+                <a:spcPct val="0"/>
+              </a:spcBef>
+              <a:spcAft>
+                <a:spcPct val="0"/>
+              </a:spcAft>
+              <a:defRPr sz="4400">
+                <a:solidFill>
+                  <a:schemeClr val="tx2"/>
+                </a:solidFill>
+                <a:latin typeface="Arial" panose="020B0604020202020204" pitchFamily="34" charset="0"/>
+                <a:ea typeface="Arial Unicode MS" panose="020B0604020202020204" pitchFamily="50" charset="-127"/>
+                <a:cs typeface="Arial" panose="020B0604020202020204" pitchFamily="34" charset="0"/>
+              </a:defRPr>
+            </a:lvl4pPr>
+            <a:lvl5pPr algn="ctr" rtl="0" eaLnBrk="0" fontAlgn="base" hangingPunct="0">
+              <a:spcBef>
+                <a:spcPct val="0"/>
+              </a:spcBef>
+              <a:spcAft>
+                <a:spcPct val="0"/>
+              </a:spcAft>
+              <a:defRPr sz="4400">
+                <a:solidFill>
+                  <a:schemeClr val="tx2"/>
+                </a:solidFill>
+                <a:latin typeface="Arial" panose="020B0604020202020204" pitchFamily="34" charset="0"/>
+                <a:ea typeface="Arial Unicode MS" panose="020B0604020202020204" pitchFamily="50" charset="-127"/>
+                <a:cs typeface="Arial" panose="020B0604020202020204" pitchFamily="34" charset="0"/>
+              </a:defRPr>
+            </a:lvl5pPr>
+            <a:lvl6pPr marL="457200" algn="ctr" rtl="0" fontAlgn="base">
+              <a:spcBef>
+                <a:spcPct val="0"/>
+              </a:spcBef>
+              <a:spcAft>
+                <a:spcPct val="0"/>
+              </a:spcAft>
+              <a:defRPr sz="4400">
+                <a:solidFill>
+                  <a:schemeClr val="tx2"/>
+                </a:solidFill>
+                <a:latin typeface="Arial" panose="020B0604020202020204" pitchFamily="34" charset="0"/>
+                <a:cs typeface="Arial" panose="020B0604020202020204" pitchFamily="34" charset="0"/>
+              </a:defRPr>
+            </a:lvl6pPr>
+            <a:lvl7pPr marL="914400" algn="ctr" rtl="0" fontAlgn="base">
+              <a:spcBef>
+                <a:spcPct val="0"/>
+              </a:spcBef>
+              <a:spcAft>
+                <a:spcPct val="0"/>
+              </a:spcAft>
+              <a:defRPr sz="4400">
+                <a:solidFill>
+                  <a:schemeClr val="tx2"/>
+                </a:solidFill>
+                <a:latin typeface="Arial" panose="020B0604020202020204" pitchFamily="34" charset="0"/>
+                <a:cs typeface="Arial" panose="020B0604020202020204" pitchFamily="34" charset="0"/>
+              </a:defRPr>
+            </a:lvl7pPr>
+            <a:lvl8pPr marL="1371600" algn="ctr" rtl="0" fontAlgn="base">
+              <a:spcBef>
+                <a:spcPct val="0"/>
+              </a:spcBef>
+              <a:spcAft>
+                <a:spcPct val="0"/>
+              </a:spcAft>
+              <a:defRPr sz="4400">
+                <a:solidFill>
+                  <a:schemeClr val="tx2"/>
+                </a:solidFill>
+                <a:latin typeface="Arial" panose="020B0604020202020204" pitchFamily="34" charset="0"/>
+                <a:cs typeface="Arial" panose="020B0604020202020204" pitchFamily="34" charset="0"/>
+              </a:defRPr>
+            </a:lvl8pPr>
+            <a:lvl9pPr marL="1828800" algn="ctr" rtl="0" fontAlgn="base">
+              <a:spcBef>
+                <a:spcPct val="0"/>
+              </a:spcBef>
+              <a:spcAft>
+                <a:spcPct val="0"/>
+              </a:spcAft>
+              <a:defRPr sz="4400">
+                <a:solidFill>
+                  <a:schemeClr val="tx2"/>
+                </a:solidFill>
+                <a:latin typeface="Arial" panose="020B0604020202020204" pitchFamily="34" charset="0"/>
+                <a:cs typeface="Arial" panose="020B0604020202020204" pitchFamily="34" charset="0"/>
+              </a:defRPr>
+            </a:lvl9pPr>
+          </a:lstStyle>
+          <a:p>
+            <a:pPr eaLnBrk="1" hangingPunct="1"/>
+            <a:r>
+              <a:rPr lang="ko-KR" altLang="en-US" sz="3200" b="1">
+                <a:solidFill>
+                  <a:schemeClr val="tx1"/>
+                </a:solidFill>
+              </a:rPr>
+              <a:t>라우터</a:t>
+            </a:r>
+            <a:endParaRPr lang="es-ES" altLang="ko-KR" sz="3200" b="1">
+              <a:solidFill>
+                <a:schemeClr val="tx1"/>
+              </a:solidFill>
+            </a:endParaRPr>
+          </a:p>
+        </p:txBody>
+      </p:sp>
+    </p:spTree>
+    <p:extLst>
+      <p:ext uri="{BB962C8B-B14F-4D97-AF65-F5344CB8AC3E}">
+        <p14:creationId xmlns:p14="http://schemas.microsoft.com/office/powerpoint/2010/main" val="1536504999"/>
+      </p:ext>
+    </p:extLst>
+  </p:cSld>
+  <p:clrMapOvr>
+    <a:masterClrMapping/>
+  </p:clrMapOvr>
+</p:sld>
+</file>
+
 <file path=ppt/slides/slide9.xml><?xml version="1.0" encoding="utf-8"?>
 <p:sld xmlns:a="http://schemas.openxmlformats.org/drawingml/2006/main" xmlns:r="http://schemas.openxmlformats.org/officeDocument/2006/relationships" xmlns:p="http://schemas.openxmlformats.org/presentationml/2006/main">
   <p:cSld>
@@ -10578,7 +12567,7 @@
         <p:spPr bwMode="auto">
           <a:xfrm>
             <a:off x="565684" y="1402138"/>
-            <a:ext cx="8229600" cy="2462213"/>
+            <a:ext cx="8229600" cy="307777"/>
           </a:xfrm>
           <a:prstGeom prst="rect">
             <a:avLst/>
@@ -10766,6 +12755,243 @@
                 <a:latin typeface="맑은 고딕" panose="020B0503020000020004" pitchFamily="50" charset="-127"/>
                 <a:ea typeface="맑은 고딕" panose="020B0503020000020004" pitchFamily="50" charset="-127"/>
               </a:rPr>
+              <a:t>1. </a:t>
+            </a:r>
+            <a:r>
+              <a:rPr lang="ko-KR" altLang="en-US" sz="1400" b="1">
+                <a:solidFill>
+                  <a:srgbClr val="000000"/>
+                </a:solidFill>
+                <a:latin typeface="맑은 고딕" panose="020B0503020000020004" pitchFamily="50" charset="-127"/>
+                <a:ea typeface="맑은 고딕" panose="020B0503020000020004" pitchFamily="50" charset="-127"/>
+              </a:rPr>
+              <a:t>패킷을 수신한다</a:t>
+            </a:r>
+            <a:r>
+              <a:rPr lang="en-US" altLang="ko-KR" sz="1400" b="1">
+                <a:solidFill>
+                  <a:srgbClr val="000000"/>
+                </a:solidFill>
+                <a:latin typeface="맑은 고딕" panose="020B0503020000020004" pitchFamily="50" charset="-127"/>
+                <a:ea typeface="맑은 고딕" panose="020B0503020000020004" pitchFamily="50" charset="-127"/>
+              </a:rPr>
+              <a:t>.</a:t>
+            </a:r>
+            <a:endParaRPr lang="en-US" altLang="ko-KR" sz="1400">
+              <a:solidFill>
+                <a:srgbClr val="000000"/>
+              </a:solidFill>
+              <a:latin typeface="맑은 고딕" panose="020B0503020000020004" pitchFamily="50" charset="-127"/>
+              <a:ea typeface="맑은 고딕" panose="020B0503020000020004" pitchFamily="50" charset="-127"/>
+            </a:endParaRPr>
+          </a:p>
+        </p:txBody>
+      </p:sp>
+      <p:sp>
+        <p:nvSpPr>
+          <p:cNvPr id="9" name="TextBox 8">
+            <a:extLst>
+              <a:ext uri="{FF2B5EF4-FFF2-40B4-BE49-F238E27FC236}">
+                <a16:creationId xmlns:a16="http://schemas.microsoft.com/office/drawing/2014/main" id="{67F6B236-2F09-48AD-9384-45C2D30CDB79}"/>
+              </a:ext>
+            </a:extLst>
+          </p:cNvPr>
+          <p:cNvSpPr txBox="1">
+            <a:spLocks noChangeArrowheads="1"/>
+          </p:cNvSpPr>
+          <p:nvPr/>
+        </p:nvSpPr>
+        <p:spPr bwMode="auto">
+          <a:xfrm>
+            <a:off x="565684" y="1843292"/>
+            <a:ext cx="8229600" cy="2677656"/>
+          </a:xfrm>
+          <a:prstGeom prst="rect">
+            <a:avLst/>
+          </a:prstGeom>
+          <a:noFill/>
+          <a:ln>
+            <a:noFill/>
+          </a:ln>
+          <a:extLst>
+            <a:ext uri="{909E8E84-426E-40DD-AFC4-6F175D3DCCD1}">
+              <a14:hiddenFill xmlns:a14="http://schemas.microsoft.com/office/drawing/2010/main">
+                <a:solidFill>
+                  <a:srgbClr val="FFFFFF"/>
+                </a:solidFill>
+              </a14:hiddenFill>
+            </a:ext>
+            <a:ext uri="{91240B29-F687-4F45-9708-019B960494DF}">
+              <a14:hiddenLine xmlns:a14="http://schemas.microsoft.com/office/drawing/2010/main" w="9525">
+                <a:solidFill>
+                  <a:srgbClr val="000000"/>
+                </a:solidFill>
+                <a:miter lim="800000"/>
+                <a:headEnd/>
+                <a:tailEnd/>
+              </a14:hiddenLine>
+            </a:ext>
+          </a:extLst>
+        </p:spPr>
+        <p:txBody>
+          <a:bodyPr>
+            <a:spAutoFit/>
+          </a:bodyPr>
+          <a:lstStyle>
+            <a:lvl1pPr>
+              <a:spcBef>
+                <a:spcPct val="20000"/>
+              </a:spcBef>
+              <a:buChar char="•"/>
+              <a:defRPr sz="3200">
+                <a:solidFill>
+                  <a:schemeClr val="tx1"/>
+                </a:solidFill>
+                <a:latin typeface="Arial" panose="020B0604020202020204" pitchFamily="34" charset="0"/>
+                <a:ea typeface="Arial Unicode MS" panose="020B0604020202020204" pitchFamily="50" charset="-127"/>
+                <a:cs typeface="Arial" panose="020B0604020202020204" pitchFamily="34" charset="0"/>
+              </a:defRPr>
+            </a:lvl1pPr>
+            <a:lvl2pPr marL="742950" indent="-285750">
+              <a:spcBef>
+                <a:spcPct val="20000"/>
+              </a:spcBef>
+              <a:buChar char="–"/>
+              <a:defRPr sz="2800">
+                <a:solidFill>
+                  <a:schemeClr val="tx1"/>
+                </a:solidFill>
+                <a:latin typeface="Arial" panose="020B0604020202020204" pitchFamily="34" charset="0"/>
+                <a:ea typeface="Arial Unicode MS" panose="020B0604020202020204" pitchFamily="50" charset="-127"/>
+                <a:cs typeface="Arial" panose="020B0604020202020204" pitchFamily="34" charset="0"/>
+              </a:defRPr>
+            </a:lvl2pPr>
+            <a:lvl3pPr marL="1143000" indent="-228600">
+              <a:spcBef>
+                <a:spcPct val="20000"/>
+              </a:spcBef>
+              <a:buChar char="•"/>
+              <a:defRPr sz="2400">
+                <a:solidFill>
+                  <a:schemeClr val="tx1"/>
+                </a:solidFill>
+                <a:latin typeface="Arial" panose="020B0604020202020204" pitchFamily="34" charset="0"/>
+                <a:ea typeface="Arial Unicode MS" panose="020B0604020202020204" pitchFamily="50" charset="-127"/>
+                <a:cs typeface="Arial" panose="020B0604020202020204" pitchFamily="34" charset="0"/>
+              </a:defRPr>
+            </a:lvl3pPr>
+            <a:lvl4pPr marL="1600200" indent="-228600">
+              <a:spcBef>
+                <a:spcPct val="20000"/>
+              </a:spcBef>
+              <a:buChar char="–"/>
+              <a:defRPr sz="2000">
+                <a:solidFill>
+                  <a:schemeClr val="tx1"/>
+                </a:solidFill>
+                <a:latin typeface="Arial" panose="020B0604020202020204" pitchFamily="34" charset="0"/>
+                <a:ea typeface="Arial Unicode MS" panose="020B0604020202020204" pitchFamily="50" charset="-127"/>
+                <a:cs typeface="Arial" panose="020B0604020202020204" pitchFamily="34" charset="0"/>
+              </a:defRPr>
+            </a:lvl4pPr>
+            <a:lvl5pPr marL="2057400" indent="-228600">
+              <a:spcBef>
+                <a:spcPct val="20000"/>
+              </a:spcBef>
+              <a:buChar char="»"/>
+              <a:defRPr sz="2000">
+                <a:solidFill>
+                  <a:schemeClr val="tx1"/>
+                </a:solidFill>
+                <a:latin typeface="Arial" panose="020B0604020202020204" pitchFamily="34" charset="0"/>
+                <a:ea typeface="Arial Unicode MS" panose="020B0604020202020204" pitchFamily="50" charset="-127"/>
+                <a:cs typeface="Arial" panose="020B0604020202020204" pitchFamily="34" charset="0"/>
+              </a:defRPr>
+            </a:lvl5pPr>
+            <a:lvl6pPr marL="2514600" indent="-228600" eaLnBrk="0" fontAlgn="base" hangingPunct="0">
+              <a:spcBef>
+                <a:spcPct val="20000"/>
+              </a:spcBef>
+              <a:spcAft>
+                <a:spcPct val="0"/>
+              </a:spcAft>
+              <a:buChar char="»"/>
+              <a:defRPr sz="2000">
+                <a:solidFill>
+                  <a:schemeClr val="tx1"/>
+                </a:solidFill>
+                <a:latin typeface="Arial" panose="020B0604020202020204" pitchFamily="34" charset="0"/>
+                <a:ea typeface="Arial Unicode MS" panose="020B0604020202020204" pitchFamily="50" charset="-127"/>
+                <a:cs typeface="Arial" panose="020B0604020202020204" pitchFamily="34" charset="0"/>
+              </a:defRPr>
+            </a:lvl6pPr>
+            <a:lvl7pPr marL="2971800" indent="-228600" eaLnBrk="0" fontAlgn="base" hangingPunct="0">
+              <a:spcBef>
+                <a:spcPct val="20000"/>
+              </a:spcBef>
+              <a:spcAft>
+                <a:spcPct val="0"/>
+              </a:spcAft>
+              <a:buChar char="»"/>
+              <a:defRPr sz="2000">
+                <a:solidFill>
+                  <a:schemeClr val="tx1"/>
+                </a:solidFill>
+                <a:latin typeface="Arial" panose="020B0604020202020204" pitchFamily="34" charset="0"/>
+                <a:ea typeface="Arial Unicode MS" panose="020B0604020202020204" pitchFamily="50" charset="-127"/>
+                <a:cs typeface="Arial" panose="020B0604020202020204" pitchFamily="34" charset="0"/>
+              </a:defRPr>
+            </a:lvl7pPr>
+            <a:lvl8pPr marL="3429000" indent="-228600" eaLnBrk="0" fontAlgn="base" hangingPunct="0">
+              <a:spcBef>
+                <a:spcPct val="20000"/>
+              </a:spcBef>
+              <a:spcAft>
+                <a:spcPct val="0"/>
+              </a:spcAft>
+              <a:buChar char="»"/>
+              <a:defRPr sz="2000">
+                <a:solidFill>
+                  <a:schemeClr val="tx1"/>
+                </a:solidFill>
+                <a:latin typeface="Arial" panose="020B0604020202020204" pitchFamily="34" charset="0"/>
+                <a:ea typeface="Arial Unicode MS" panose="020B0604020202020204" pitchFamily="50" charset="-127"/>
+                <a:cs typeface="Arial" panose="020B0604020202020204" pitchFamily="34" charset="0"/>
+              </a:defRPr>
+            </a:lvl8pPr>
+            <a:lvl9pPr marL="3886200" indent="-228600" eaLnBrk="0" fontAlgn="base" hangingPunct="0">
+              <a:spcBef>
+                <a:spcPct val="20000"/>
+              </a:spcBef>
+              <a:spcAft>
+                <a:spcPct val="0"/>
+              </a:spcAft>
+              <a:buChar char="»"/>
+              <a:defRPr sz="2000">
+                <a:solidFill>
+                  <a:schemeClr val="tx1"/>
+                </a:solidFill>
+                <a:latin typeface="Arial" panose="020B0604020202020204" pitchFamily="34" charset="0"/>
+                <a:ea typeface="Arial Unicode MS" panose="020B0604020202020204" pitchFamily="50" charset="-127"/>
+                <a:cs typeface="Arial" panose="020B0604020202020204" pitchFamily="34" charset="0"/>
+              </a:defRPr>
+            </a:lvl9pPr>
+          </a:lstStyle>
+          <a:p>
+            <a:pPr eaLnBrk="1" hangingPunct="1">
+              <a:spcBef>
+                <a:spcPct val="0"/>
+              </a:spcBef>
+              <a:buNone/>
+            </a:pPr>
+            <a:r>
+              <a:rPr lang="en-US" altLang="ko-KR" sz="1400" b="1">
+                <a:solidFill>
+                  <a:srgbClr val="000000"/>
+                </a:solidFill>
+                <a:latin typeface="맑은 고딕" panose="020B0503020000020004" pitchFamily="50" charset="-127"/>
+                <a:ea typeface="맑은 고딕" panose="020B0503020000020004" pitchFamily="50" charset="-127"/>
+              </a:rPr>
               <a:t>2. </a:t>
             </a:r>
             <a:r>
@@ -10824,28 +13050,23 @@
                 <a:latin typeface="맑은 고딕" panose="020B0503020000020004" pitchFamily="50" charset="-127"/>
                 <a:ea typeface="맑은 고딕" panose="020B0503020000020004" pitchFamily="50" charset="-127"/>
               </a:rPr>
-              <a:t>라우터의 중계 부분에서 포트로 부터 받은 패킷의 수신처 </a:t>
-            </a:r>
-            <a:r>
-              <a:rPr lang="en-US" altLang="ko-KR" sz="1400">
-                <a:solidFill>
-                  <a:srgbClr val="000000"/>
-                </a:solidFill>
-                <a:latin typeface="맑은 고딕" panose="020B0503020000020004" pitchFamily="50" charset="-127"/>
-                <a:ea typeface="맑은 고딕" panose="020B0503020000020004" pitchFamily="50" charset="-127"/>
-              </a:rPr>
-              <a:t>IP </a:t>
-            </a:r>
-            <a:r>
-              <a:rPr lang="ko-KR" altLang="en-US" sz="1400">
-                <a:solidFill>
-                  <a:srgbClr val="000000"/>
-                </a:solidFill>
-                <a:latin typeface="맑은 고딕" panose="020B0503020000020004" pitchFamily="50" charset="-127"/>
-                <a:ea typeface="맑은 고딕" panose="020B0503020000020004" pitchFamily="50" charset="-127"/>
-              </a:rPr>
-              <a:t>주소와</a:t>
-            </a:r>
+              <a:t>라우터의 중계 부분에서 중계 대상을 등록한 표의 수신처의 네트워크 번호가</a:t>
+            </a:r>
+            <a:endParaRPr lang="en-US" altLang="ko-KR" sz="1400">
+              <a:solidFill>
+                <a:srgbClr val="000000"/>
+              </a:solidFill>
+              <a:latin typeface="맑은 고딕" panose="020B0503020000020004" pitchFamily="50" charset="-127"/>
+              <a:ea typeface="맑은 고딕" panose="020B0503020000020004" pitchFamily="50" charset="-127"/>
+            </a:endParaRPr>
+          </a:p>
+          <a:p>
+            <a:pPr eaLnBrk="1" hangingPunct="1">
+              <a:spcBef>
+                <a:spcPct val="0"/>
+              </a:spcBef>
+              <a:buNone/>
+            </a:pPr>
             <a:br>
               <a:rPr lang="en-US" altLang="ko-KR" sz="1400">
                 <a:solidFill>
@@ -10936,7 +13157,47 @@
                 <a:latin typeface="맑은 고딕" panose="020B0503020000020004" pitchFamily="50" charset="-127"/>
                 <a:ea typeface="맑은 고딕" panose="020B0503020000020004" pitchFamily="50" charset="-127"/>
               </a:rPr>
-              <a:t>중계 대상을 등록한 표를 대조하여 중계 대상을 판단한다</a:t>
+              <a:t>라우터의 포트 부분의 포트로 부터 받은 패킷의 수신처 </a:t>
+            </a:r>
+            <a:r>
+              <a:rPr lang="en-US" altLang="ko-KR" sz="1400">
+                <a:solidFill>
+                  <a:srgbClr val="000000"/>
+                </a:solidFill>
+                <a:latin typeface="맑은 고딕" panose="020B0503020000020004" pitchFamily="50" charset="-127"/>
+                <a:ea typeface="맑은 고딕" panose="020B0503020000020004" pitchFamily="50" charset="-127"/>
+              </a:rPr>
+              <a:t>IP </a:t>
+            </a:r>
+            <a:r>
+              <a:rPr lang="ko-KR" altLang="en-US" sz="1400">
+                <a:solidFill>
+                  <a:srgbClr val="000000"/>
+                </a:solidFill>
+                <a:latin typeface="맑은 고딕" panose="020B0503020000020004" pitchFamily="50" charset="-127"/>
+                <a:ea typeface="맑은 고딕" panose="020B0503020000020004" pitchFamily="50" charset="-127"/>
+              </a:rPr>
+              <a:t>주소와 일치하는지 </a:t>
+            </a:r>
+            <a:r>
+              <a:rPr lang="ko-KR" altLang="en-US" sz="1400" b="1">
+                <a:solidFill>
+                  <a:srgbClr val="000000"/>
+                </a:solidFill>
+                <a:latin typeface="맑은 고딕" panose="020B0503020000020004" pitchFamily="50" charset="-127"/>
+                <a:ea typeface="맑은 고딕" panose="020B0503020000020004" pitchFamily="50" charset="-127"/>
+              </a:rPr>
+              <a:t>서브넷만</a:t>
+            </a:r>
+            <a:r>
+              <a:rPr lang="ko-KR" altLang="en-US" sz="1400">
+                <a:solidFill>
+                  <a:srgbClr val="000000"/>
+                </a:solidFill>
+                <a:latin typeface="맑은 고딕" panose="020B0503020000020004" pitchFamily="50" charset="-127"/>
+                <a:ea typeface="맑은 고딕" panose="020B0503020000020004" pitchFamily="50" charset="-127"/>
+              </a:rPr>
+              <a:t> 조사한다</a:t>
             </a:r>
             <a:r>
               <a:rPr lang="en-US" altLang="ko-KR" sz="1400">
@@ -10953,10 +13214,10 @@
       </p:sp>
       <p:graphicFrame>
         <p:nvGraphicFramePr>
-          <p:cNvPr id="5" name="표 5">
+          <p:cNvPr id="10" name="표 5">
             <a:extLst>
               <a:ext uri="{FF2B5EF4-FFF2-40B4-BE49-F238E27FC236}">
-                <a16:creationId xmlns:a16="http://schemas.microsoft.com/office/drawing/2014/main" id="{BB2C3444-A69A-4D81-9F52-D1AA7AAAAFCA}"/>
+                <a16:creationId xmlns:a16="http://schemas.microsoft.com/office/drawing/2014/main" id="{BE675895-E017-4309-8E55-E05CE90A99ED}"/>
               </a:ext>
             </a:extLst>
           </p:cNvPr>
@@ -10966,13 +13227,13 @@
           <p:nvPr>
             <p:extLst>
               <p:ext uri="{D42A27DB-BD31-4B8C-83A1-F6EECF244321}">
-                <p14:modId xmlns:p14="http://schemas.microsoft.com/office/powerpoint/2010/main" val="1963275915"/>
+                <p14:modId xmlns:p14="http://schemas.microsoft.com/office/powerpoint/2010/main" val="3255512110"/>
               </p:ext>
             </p:extLst>
           </p:nvPr>
         </p:nvGraphicFramePr>
         <p:xfrm>
-          <a:off x="1187624" y="2481986"/>
+          <a:off x="1187624" y="4714182"/>
           <a:ext cx="6096000" cy="741680"/>
         </p:xfrm>
         <a:graphic>
@@ -11269,10 +13530,10 @@
       </p:graphicFrame>
       <p:pic>
         <p:nvPicPr>
-          <p:cNvPr id="7" name="그림 6">
+          <p:cNvPr id="11" name="그림 10">
             <a:extLst>
               <a:ext uri="{FF2B5EF4-FFF2-40B4-BE49-F238E27FC236}">
-                <a16:creationId xmlns:a16="http://schemas.microsoft.com/office/drawing/2014/main" id="{346D1586-3DF7-4E87-BE46-98344E123947}"/>
+                <a16:creationId xmlns:a16="http://schemas.microsoft.com/office/drawing/2014/main" id="{E74A5545-6427-46B7-A61D-6A708F3CD570}"/>
               </a:ext>
             </a:extLst>
           </p:cNvPr>
@@ -11289,7 +13550,7 @@
         </p:blipFill>
         <p:spPr>
           <a:xfrm>
-            <a:off x="1304469" y="3988807"/>
+            <a:off x="1043608" y="2665625"/>
             <a:ext cx="6535062" cy="1467055"/>
           </a:xfrm>
           <a:prstGeom prst="rect">
@@ -11300,7 +13561,7 @@
     </p:spTree>
     <p:extLst>
       <p:ext uri="{BB962C8B-B14F-4D97-AF65-F5344CB8AC3E}">
-        <p14:creationId xmlns:p14="http://schemas.microsoft.com/office/powerpoint/2010/main" val="3884353153"/>
+        <p14:creationId xmlns:p14="http://schemas.microsoft.com/office/powerpoint/2010/main" val="274249131"/>
       </p:ext>
     </p:extLst>
   </p:cSld>

--- a/13/yongki/LANdevice.pptx
+++ b/13/yongki/LANdevice.pptx
@@ -255,7 +255,7 @@
           <a:p>
             <a:fld id="{278A5395-7299-4714-9E5C-8983F2B9A6E7}" type="datetimeFigureOut">
               <a:rPr lang="ko-KR" altLang="en-US" smtClean="0"/>
-              <a:t>2022-03-29</a:t>
+              <a:t>2022-03-31</a:t>
             </a:fld>
             <a:endParaRPr lang="ko-KR" altLang="en-US"/>
           </a:p>
@@ -4741,6 +4741,322 @@
           </a:prstGeom>
         </p:spPr>
       </p:pic>
+      <p:graphicFrame>
+        <p:nvGraphicFramePr>
+          <p:cNvPr id="8" name="표 5">
+            <a:extLst>
+              <a:ext uri="{FF2B5EF4-FFF2-40B4-BE49-F238E27FC236}">
+                <a16:creationId xmlns:a16="http://schemas.microsoft.com/office/drawing/2014/main" id="{1707E3FC-6476-4535-AA75-1D1A2008C052}"/>
+              </a:ext>
+            </a:extLst>
+          </p:cNvPr>
+          <p:cNvGraphicFramePr>
+            <a:graphicFrameLocks noGrp="1"/>
+          </p:cNvGraphicFramePr>
+          <p:nvPr>
+            <p:extLst>
+              <p:ext uri="{D42A27DB-BD31-4B8C-83A1-F6EECF244321}">
+                <p14:modId xmlns:p14="http://schemas.microsoft.com/office/powerpoint/2010/main" val="2471062760"/>
+              </p:ext>
+            </p:extLst>
+          </p:nvPr>
+        </p:nvGraphicFramePr>
+        <p:xfrm>
+          <a:off x="1524000" y="5819496"/>
+          <a:ext cx="6096000" cy="741680"/>
+        </p:xfrm>
+        <a:graphic>
+          <a:graphicData uri="http://schemas.openxmlformats.org/drawingml/2006/table">
+            <a:tbl>
+              <a:tblPr firstRow="1" bandRow="1">
+                <a:tableStyleId>{5C22544A-7EE6-4342-B048-85BDC9FD1C3A}</a:tableStyleId>
+              </a:tblPr>
+              <a:tblGrid>
+                <a:gridCol w="3048000">
+                  <a:extLst>
+                    <a:ext uri="{9D8B030D-6E8A-4147-A177-3AD203B41FA5}">
+                      <a16:colId xmlns:a16="http://schemas.microsoft.com/office/drawing/2014/main" val="1315739539"/>
+                    </a:ext>
+                  </a:extLst>
+                </a:gridCol>
+                <a:gridCol w="3048000">
+                  <a:extLst>
+                    <a:ext uri="{9D8B030D-6E8A-4147-A177-3AD203B41FA5}">
+                      <a16:colId xmlns:a16="http://schemas.microsoft.com/office/drawing/2014/main" val="819310429"/>
+                    </a:ext>
+                  </a:extLst>
+                </a:gridCol>
+              </a:tblGrid>
+              <a:tr h="370840">
+                <a:tc>
+                  <a:txBody>
+                    <a:bodyPr/>
+                    <a:lstStyle/>
+                    <a:p>
+                      <a:pPr latinLnBrk="1"/>
+                      <a:r>
+                        <a:rPr lang="ko-KR" altLang="en-US">
+                          <a:solidFill>
+                            <a:schemeClr val="tx1"/>
+                          </a:solidFill>
+                        </a:rPr>
+                        <a:t>송신처 </a:t>
+                      </a:r>
+                      <a:r>
+                        <a:rPr lang="en-US" altLang="ko-KR">
+                          <a:solidFill>
+                            <a:schemeClr val="tx1"/>
+                          </a:solidFill>
+                        </a:rPr>
+                        <a:t>IP</a:t>
+                      </a:r>
+                      <a:endParaRPr lang="ko-KR" altLang="en-US">
+                        <a:solidFill>
+                          <a:schemeClr val="tx1"/>
+                        </a:solidFill>
+                      </a:endParaRPr>
+                    </a:p>
+                  </a:txBody>
+                  <a:tcPr>
+                    <a:lnL w="12700" cap="flat" cmpd="sng" algn="ctr">
+                      <a:solidFill>
+                        <a:schemeClr val="tx1"/>
+                      </a:solidFill>
+                      <a:prstDash val="solid"/>
+                      <a:round/>
+                      <a:headEnd type="none" w="med" len="med"/>
+                      <a:tailEnd type="none" w="med" len="med"/>
+                    </a:lnL>
+                    <a:lnR w="12700" cap="flat" cmpd="sng" algn="ctr">
+                      <a:solidFill>
+                        <a:schemeClr val="tx1"/>
+                      </a:solidFill>
+                      <a:prstDash val="solid"/>
+                      <a:round/>
+                      <a:headEnd type="none" w="med" len="med"/>
+                      <a:tailEnd type="none" w="med" len="med"/>
+                    </a:lnR>
+                    <a:lnT w="12700" cap="flat" cmpd="sng" algn="ctr">
+                      <a:solidFill>
+                        <a:schemeClr val="tx1"/>
+                      </a:solidFill>
+                      <a:prstDash val="solid"/>
+                      <a:round/>
+                      <a:headEnd type="none" w="med" len="med"/>
+                      <a:tailEnd type="none" w="med" len="med"/>
+                    </a:lnT>
+                    <a:lnB w="12700" cap="flat" cmpd="sng" algn="ctr">
+                      <a:solidFill>
+                        <a:schemeClr val="tx1"/>
+                      </a:solidFill>
+                      <a:prstDash val="solid"/>
+                      <a:round/>
+                      <a:headEnd type="none" w="med" len="med"/>
+                      <a:tailEnd type="none" w="med" len="med"/>
+                    </a:lnB>
+                    <a:noFill/>
+                  </a:tcPr>
+                </a:tc>
+                <a:tc>
+                  <a:txBody>
+                    <a:bodyPr/>
+                    <a:lstStyle/>
+                    <a:p>
+                      <a:pPr latinLnBrk="1"/>
+                      <a:r>
+                        <a:rPr lang="ko-KR" altLang="en-US">
+                          <a:solidFill>
+                            <a:schemeClr val="tx1"/>
+                          </a:solidFill>
+                        </a:rPr>
+                        <a:t>수신처 </a:t>
+                      </a:r>
+                      <a:r>
+                        <a:rPr lang="en-US" altLang="ko-KR">
+                          <a:solidFill>
+                            <a:schemeClr val="tx1"/>
+                          </a:solidFill>
+                        </a:rPr>
+                        <a:t>IP</a:t>
+                      </a:r>
+                      <a:endParaRPr lang="ko-KR" altLang="en-US">
+                        <a:solidFill>
+                          <a:schemeClr val="tx1"/>
+                        </a:solidFill>
+                      </a:endParaRPr>
+                    </a:p>
+                  </a:txBody>
+                  <a:tcPr>
+                    <a:lnL w="12700" cap="flat" cmpd="sng" algn="ctr">
+                      <a:solidFill>
+                        <a:schemeClr val="tx1"/>
+                      </a:solidFill>
+                      <a:prstDash val="solid"/>
+                      <a:round/>
+                      <a:headEnd type="none" w="med" len="med"/>
+                      <a:tailEnd type="none" w="med" len="med"/>
+                    </a:lnL>
+                    <a:lnR w="12700" cap="flat" cmpd="sng" algn="ctr">
+                      <a:solidFill>
+                        <a:schemeClr val="tx1"/>
+                      </a:solidFill>
+                      <a:prstDash val="solid"/>
+                      <a:round/>
+                      <a:headEnd type="none" w="med" len="med"/>
+                      <a:tailEnd type="none" w="med" len="med"/>
+                    </a:lnR>
+                    <a:lnT w="12700" cap="flat" cmpd="sng" algn="ctr">
+                      <a:solidFill>
+                        <a:schemeClr val="tx1"/>
+                      </a:solidFill>
+                      <a:prstDash val="solid"/>
+                      <a:round/>
+                      <a:headEnd type="none" w="med" len="med"/>
+                      <a:tailEnd type="none" w="med" len="med"/>
+                    </a:lnT>
+                    <a:lnB w="12700" cap="flat" cmpd="sng" algn="ctr">
+                      <a:solidFill>
+                        <a:schemeClr val="tx1"/>
+                      </a:solidFill>
+                      <a:prstDash val="solid"/>
+                      <a:round/>
+                      <a:headEnd type="none" w="med" len="med"/>
+                      <a:tailEnd type="none" w="med" len="med"/>
+                    </a:lnB>
+                    <a:noFill/>
+                  </a:tcPr>
+                </a:tc>
+                <a:extLst>
+                  <a:ext uri="{0D108BD9-81ED-4DB2-BD59-A6C34878D82A}">
+                    <a16:rowId xmlns:a16="http://schemas.microsoft.com/office/drawing/2014/main" val="3349964729"/>
+                  </a:ext>
+                </a:extLst>
+              </a:tr>
+              <a:tr h="370840">
+                <a:tc>
+                  <a:txBody>
+                    <a:bodyPr/>
+                    <a:lstStyle/>
+                    <a:p>
+                      <a:pPr latinLnBrk="1"/>
+                      <a:endParaRPr lang="ko-KR" altLang="en-US">
+                        <a:solidFill>
+                          <a:schemeClr val="tx1"/>
+                        </a:solidFill>
+                      </a:endParaRPr>
+                    </a:p>
+                  </a:txBody>
+                  <a:tcPr>
+                    <a:lnL w="12700" cap="flat" cmpd="sng" algn="ctr">
+                      <a:solidFill>
+                        <a:schemeClr val="tx1"/>
+                      </a:solidFill>
+                      <a:prstDash val="solid"/>
+                      <a:round/>
+                      <a:headEnd type="none" w="med" len="med"/>
+                      <a:tailEnd type="none" w="med" len="med"/>
+                    </a:lnL>
+                    <a:lnR w="12700" cap="flat" cmpd="sng" algn="ctr">
+                      <a:solidFill>
+                        <a:schemeClr val="tx1"/>
+                      </a:solidFill>
+                      <a:prstDash val="solid"/>
+                      <a:round/>
+                      <a:headEnd type="none" w="med" len="med"/>
+                      <a:tailEnd type="none" w="med" len="med"/>
+                    </a:lnR>
+                    <a:lnT w="12700" cap="flat" cmpd="sng" algn="ctr">
+                      <a:solidFill>
+                        <a:schemeClr val="tx1"/>
+                      </a:solidFill>
+                      <a:prstDash val="solid"/>
+                      <a:round/>
+                      <a:headEnd type="none" w="med" len="med"/>
+                      <a:tailEnd type="none" w="med" len="med"/>
+                    </a:lnT>
+                    <a:lnB w="12700" cap="flat" cmpd="sng" algn="ctr">
+                      <a:solidFill>
+                        <a:schemeClr val="tx1"/>
+                      </a:solidFill>
+                      <a:prstDash val="solid"/>
+                      <a:round/>
+                      <a:headEnd type="none" w="med" len="med"/>
+                      <a:tailEnd type="none" w="med" len="med"/>
+                    </a:lnB>
+                    <a:noFill/>
+                  </a:tcPr>
+                </a:tc>
+                <a:tc>
+                  <a:txBody>
+                    <a:bodyPr/>
+                    <a:lstStyle/>
+                    <a:p>
+                      <a:pPr latinLnBrk="1"/>
+                      <a:r>
+                        <a:rPr lang="en-US" altLang="ko-KR">
+                          <a:solidFill>
+                            <a:schemeClr val="tx1"/>
+                          </a:solidFill>
+                        </a:rPr>
+                        <a:t>10.10.1.10</a:t>
+                      </a:r>
+                      <a:endParaRPr lang="ko-KR" altLang="en-US">
+                        <a:solidFill>
+                          <a:schemeClr val="tx1"/>
+                        </a:solidFill>
+                      </a:endParaRPr>
+                    </a:p>
+                  </a:txBody>
+                  <a:tcPr>
+                    <a:lnL w="12700" cap="flat" cmpd="sng" algn="ctr">
+                      <a:solidFill>
+                        <a:schemeClr val="tx1"/>
+                      </a:solidFill>
+                      <a:prstDash val="solid"/>
+                      <a:round/>
+                      <a:headEnd type="none" w="med" len="med"/>
+                      <a:tailEnd type="none" w="med" len="med"/>
+                    </a:lnL>
+                    <a:lnR w="12700" cap="flat" cmpd="sng" algn="ctr">
+                      <a:solidFill>
+                        <a:schemeClr val="tx1"/>
+                      </a:solidFill>
+                      <a:prstDash val="solid"/>
+                      <a:round/>
+                      <a:headEnd type="none" w="med" len="med"/>
+                      <a:tailEnd type="none" w="med" len="med"/>
+                    </a:lnR>
+                    <a:lnT w="12700" cap="flat" cmpd="sng" algn="ctr">
+                      <a:solidFill>
+                        <a:schemeClr val="tx1"/>
+                      </a:solidFill>
+                      <a:prstDash val="solid"/>
+                      <a:round/>
+                      <a:headEnd type="none" w="med" len="med"/>
+                      <a:tailEnd type="none" w="med" len="med"/>
+                    </a:lnT>
+                    <a:lnB w="12700" cap="flat" cmpd="sng" algn="ctr">
+                      <a:solidFill>
+                        <a:schemeClr val="tx1"/>
+                      </a:solidFill>
+                      <a:prstDash val="solid"/>
+                      <a:round/>
+                      <a:headEnd type="none" w="med" len="med"/>
+                      <a:tailEnd type="none" w="med" len="med"/>
+                    </a:lnB>
+                    <a:noFill/>
+                  </a:tcPr>
+                </a:tc>
+                <a:extLst>
+                  <a:ext uri="{0D108BD9-81ED-4DB2-BD59-A6C34878D82A}">
+                    <a16:rowId xmlns:a16="http://schemas.microsoft.com/office/drawing/2014/main" val="3509644011"/>
+                  </a:ext>
+                </a:extLst>
+              </a:tr>
+            </a:tbl>
+          </a:graphicData>
+        </a:graphic>
+      </p:graphicFrame>
     </p:spTree>
     <p:extLst>
       <p:ext uri="{BB962C8B-B14F-4D97-AF65-F5344CB8AC3E}">
